--- a/Doc/WCF.pptx
+++ b/Doc/WCF.pptx
@@ -8,7 +8,8 @@
     <p:sldId id="256" r:id="rId2"/>
     <p:sldId id="259" r:id="rId3"/>
     <p:sldId id="257" r:id="rId4"/>
-    <p:sldId id="258" r:id="rId5"/>
+    <p:sldId id="260" r:id="rId5"/>
+    <p:sldId id="258" r:id="rId6"/>
   </p:sldIdLst>
   <p:sldSz cx="12192000" cy="6858000"/>
   <p:notesSz cx="6858000" cy="9144000"/>
@@ -246,7 +247,7 @@
           <a:p>
             <a:fld id="{EDC85F88-DEE8-4C33-BF3F-E4E9FCBA1085}" type="datetimeFigureOut">
               <a:rPr lang="en-SG" smtClean="0"/>
-              <a:t>15/5/2016</a:t>
+              <a:t>21/5/16</a:t>
             </a:fld>
             <a:endParaRPr lang="en-SG"/>
           </a:p>
@@ -416,7 +417,7 @@
           <a:p>
             <a:fld id="{EDC85F88-DEE8-4C33-BF3F-E4E9FCBA1085}" type="datetimeFigureOut">
               <a:rPr lang="en-SG" smtClean="0"/>
-              <a:t>15/5/2016</a:t>
+              <a:t>21/5/16</a:t>
             </a:fld>
             <a:endParaRPr lang="en-SG"/>
           </a:p>
@@ -596,7 +597,7 @@
           <a:p>
             <a:fld id="{EDC85F88-DEE8-4C33-BF3F-E4E9FCBA1085}" type="datetimeFigureOut">
               <a:rPr lang="en-SG" smtClean="0"/>
-              <a:t>15/5/2016</a:t>
+              <a:t>21/5/16</a:t>
             </a:fld>
             <a:endParaRPr lang="en-SG"/>
           </a:p>
@@ -766,7 +767,7 @@
           <a:p>
             <a:fld id="{EDC85F88-DEE8-4C33-BF3F-E4E9FCBA1085}" type="datetimeFigureOut">
               <a:rPr lang="en-SG" smtClean="0"/>
-              <a:t>15/5/2016</a:t>
+              <a:t>21/5/16</a:t>
             </a:fld>
             <a:endParaRPr lang="en-SG"/>
           </a:p>
@@ -1012,7 +1013,7 @@
           <a:p>
             <a:fld id="{EDC85F88-DEE8-4C33-BF3F-E4E9FCBA1085}" type="datetimeFigureOut">
               <a:rPr lang="en-SG" smtClean="0"/>
-              <a:t>15/5/2016</a:t>
+              <a:t>21/5/16</a:t>
             </a:fld>
             <a:endParaRPr lang="en-SG"/>
           </a:p>
@@ -1244,7 +1245,7 @@
           <a:p>
             <a:fld id="{EDC85F88-DEE8-4C33-BF3F-E4E9FCBA1085}" type="datetimeFigureOut">
               <a:rPr lang="en-SG" smtClean="0"/>
-              <a:t>15/5/2016</a:t>
+              <a:t>21/5/16</a:t>
             </a:fld>
             <a:endParaRPr lang="en-SG"/>
           </a:p>
@@ -1611,7 +1612,7 @@
           <a:p>
             <a:fld id="{EDC85F88-DEE8-4C33-BF3F-E4E9FCBA1085}" type="datetimeFigureOut">
               <a:rPr lang="en-SG" smtClean="0"/>
-              <a:t>15/5/2016</a:t>
+              <a:t>21/5/16</a:t>
             </a:fld>
             <a:endParaRPr lang="en-SG"/>
           </a:p>
@@ -1729,7 +1730,7 @@
           <a:p>
             <a:fld id="{EDC85F88-DEE8-4C33-BF3F-E4E9FCBA1085}" type="datetimeFigureOut">
               <a:rPr lang="en-SG" smtClean="0"/>
-              <a:t>15/5/2016</a:t>
+              <a:t>21/5/16</a:t>
             </a:fld>
             <a:endParaRPr lang="en-SG"/>
           </a:p>
@@ -1824,7 +1825,7 @@
           <a:p>
             <a:fld id="{EDC85F88-DEE8-4C33-BF3F-E4E9FCBA1085}" type="datetimeFigureOut">
               <a:rPr lang="en-SG" smtClean="0"/>
-              <a:t>15/5/2016</a:t>
+              <a:t>21/5/16</a:t>
             </a:fld>
             <a:endParaRPr lang="en-SG"/>
           </a:p>
@@ -2101,7 +2102,7 @@
           <a:p>
             <a:fld id="{EDC85F88-DEE8-4C33-BF3F-E4E9FCBA1085}" type="datetimeFigureOut">
               <a:rPr lang="en-SG" smtClean="0"/>
-              <a:t>15/5/2016</a:t>
+              <a:t>21/5/16</a:t>
             </a:fld>
             <a:endParaRPr lang="en-SG"/>
           </a:p>
@@ -2354,7 +2355,7 @@
           <a:p>
             <a:fld id="{EDC85F88-DEE8-4C33-BF3F-E4E9FCBA1085}" type="datetimeFigureOut">
               <a:rPr lang="en-SG" smtClean="0"/>
-              <a:t>15/5/2016</a:t>
+              <a:t>21/5/16</a:t>
             </a:fld>
             <a:endParaRPr lang="en-SG"/>
           </a:p>
@@ -2567,7 +2568,7 @@
           <a:p>
             <a:fld id="{EDC85F88-DEE8-4C33-BF3F-E4E9FCBA1085}" type="datetimeFigureOut">
               <a:rPr lang="en-SG" smtClean="0"/>
-              <a:t>15/5/2016</a:t>
+              <a:t>21/5/16</a:t>
             </a:fld>
             <a:endParaRPr lang="en-SG"/>
           </a:p>
@@ -3501,7 +3502,7 @@
                       <a:schemeClr val="tx1"/>
                     </a:solidFill>
                   </a:rPr>
-                  <a:t>Model (EF)</a:t>
+                  <a:t>DTO</a:t>
                 </a:r>
                 <a:endParaRPr lang="en-SG" dirty="0">
                   <a:solidFill>
@@ -3657,30 +3658,29 @@
           <a:lstStyle/>
           <a:p>
             <a:r>
-              <a:rPr lang="en-SG" dirty="0"/>
-              <a:t>M</a:t>
-            </a:r>
-            <a:r>
-              <a:rPr lang="en-SG" dirty="0" smtClean="0"/>
-              <a:t>essage </a:t>
-            </a:r>
-            <a:r>
-              <a:rPr lang="en-SG" dirty="0"/>
-              <a:t>level security using custom username - password </a:t>
-            </a:r>
-            <a:r>
-              <a:rPr lang="en-SG" dirty="0" smtClean="0"/>
-              <a:t>authentication</a:t>
-            </a:r>
-          </a:p>
-          <a:p>
-            <a:r>
               <a:rPr lang="en-SG" dirty="0" smtClean="0"/>
               <a:t>Message </a:t>
             </a:r>
             <a:r>
+              <a:rPr lang="en-SG" dirty="0"/>
+              <a:t>level security using </a:t>
+            </a:r>
+            <a:r>
               <a:rPr lang="en-SG" dirty="0" smtClean="0"/>
-              <a:t>Security Mode</a:t>
+              <a:t>certificate authentication</a:t>
+            </a:r>
+          </a:p>
+          <a:p>
+            <a:r>
+              <a:rPr lang="en-SG" dirty="0" smtClean="0"/>
+              <a:t>Only authenticated clients can make call to service</a:t>
+            </a:r>
+            <a:endParaRPr lang="en-SG" dirty="0" smtClean="0"/>
+          </a:p>
+          <a:p>
+            <a:r>
+              <a:rPr lang="en-SG" dirty="0" smtClean="0"/>
+              <a:t>Message Security Mode</a:t>
             </a:r>
           </a:p>
           <a:p>
@@ -3714,6 +3714,101 @@
 </file>
 
 <file path=ppt/slides/slide4.xml><?xml version="1.0" encoding="utf-8"?>
+<p:sld xmlns:a="http://schemas.openxmlformats.org/drawingml/2006/main" xmlns:r="http://schemas.openxmlformats.org/officeDocument/2006/relationships" xmlns:p="http://schemas.openxmlformats.org/presentationml/2006/main">
+  <p:cSld>
+    <p:spTree>
+      <p:nvGrpSpPr>
+        <p:cNvPr id="1" name=""/>
+        <p:cNvGrpSpPr/>
+        <p:nvPr/>
+      </p:nvGrpSpPr>
+      <p:grpSpPr>
+        <a:xfrm>
+          <a:off x="0" y="0"/>
+          <a:ext cx="0" cy="0"/>
+          <a:chOff x="0" y="0"/>
+          <a:chExt cx="0" cy="0"/>
+        </a:xfrm>
+      </p:grpSpPr>
+      <p:sp>
+        <p:nvSpPr>
+          <p:cNvPr id="2" name="Title 1"/>
+          <p:cNvSpPr>
+            <a:spLocks noGrp="1"/>
+          </p:cNvSpPr>
+          <p:nvPr>
+            <p:ph type="title"/>
+          </p:nvPr>
+        </p:nvSpPr>
+        <p:spPr/>
+        <p:txBody>
+          <a:bodyPr/>
+          <a:lstStyle/>
+          <a:p>
+            <a:r>
+              <a:rPr lang="en-US" dirty="0" smtClean="0"/>
+              <a:t>Application Level Authentication</a:t>
+            </a:r>
+            <a:endParaRPr lang="en-US" dirty="0"/>
+          </a:p>
+        </p:txBody>
+      </p:sp>
+      <p:sp>
+        <p:nvSpPr>
+          <p:cNvPr id="3" name="Content Placeholder 2"/>
+          <p:cNvSpPr>
+            <a:spLocks noGrp="1"/>
+          </p:cNvSpPr>
+          <p:nvPr>
+            <p:ph idx="1"/>
+          </p:nvPr>
+        </p:nvSpPr>
+        <p:spPr/>
+        <p:txBody>
+          <a:bodyPr/>
+          <a:lstStyle/>
+          <a:p>
+            <a:r>
+              <a:rPr lang="en-US" dirty="0" smtClean="0"/>
+              <a:t>Per session instance mode</a:t>
+            </a:r>
+          </a:p>
+          <a:p>
+            <a:r>
+              <a:rPr lang="en-US" dirty="0" smtClean="0"/>
+              <a:t>Authenticated client must invoke login with username and password</a:t>
+            </a:r>
+          </a:p>
+          <a:p>
+            <a:pPr lvl="1"/>
+            <a:r>
+              <a:rPr lang="en-US" dirty="0" smtClean="0"/>
+              <a:t>User id and role is saved</a:t>
+            </a:r>
+          </a:p>
+          <a:p>
+            <a:r>
+              <a:rPr lang="en-US" dirty="0" smtClean="0"/>
+              <a:t>Subsequent service calls will  use his user id and role access to determine his access to methods.</a:t>
+            </a:r>
+            <a:endParaRPr lang="en-US" dirty="0"/>
+          </a:p>
+        </p:txBody>
+      </p:sp>
+    </p:spTree>
+    <p:extLst>
+      <p:ext uri="{BB962C8B-B14F-4D97-AF65-F5344CB8AC3E}">
+        <p14:creationId xmlns:p14="http://schemas.microsoft.com/office/powerpoint/2010/main" val="1896669917"/>
+      </p:ext>
+    </p:extLst>
+  </p:cSld>
+  <p:clrMapOvr>
+    <a:masterClrMapping/>
+  </p:clrMapOvr>
+</p:sld>
+</file>
+
+<file path=ppt/slides/slide5.xml><?xml version="1.0" encoding="utf-8"?>
 <p:sld xmlns:a="http://schemas.openxmlformats.org/drawingml/2006/main" xmlns:r="http://schemas.openxmlformats.org/officeDocument/2006/relationships" xmlns:p="http://schemas.openxmlformats.org/presentationml/2006/main">
   <p:cSld>
     <p:spTree>

--- a/Doc/WCF.pptx
+++ b/Doc/WCF.pptx
@@ -2,7 +2,7 @@
 <file path=ppt/presentation.xml><?xml version="1.0" encoding="utf-8"?>
 <p:presentation xmlns:a="http://schemas.openxmlformats.org/drawingml/2006/main" xmlns:r="http://schemas.openxmlformats.org/officeDocument/2006/relationships" xmlns:p="http://schemas.openxmlformats.org/presentationml/2006/main" saveSubsetFonts="1">
   <p:sldMasterIdLst>
-    <p:sldMasterId id="2147483648" r:id="rId1"/>
+    <p:sldMasterId id="2147483802" r:id="rId1"/>
   </p:sldMasterIdLst>
   <p:sldIdLst>
     <p:sldId id="256" r:id="rId2"/>
@@ -10,6 +10,7 @@
     <p:sldId id="257" r:id="rId4"/>
     <p:sldId id="260" r:id="rId5"/>
     <p:sldId id="258" r:id="rId6"/>
+    <p:sldId id="261" r:id="rId7"/>
   </p:sldIdLst>
   <p:sldSz cx="12192000" cy="6858000"/>
   <p:notesSz cx="6858000" cy="9144000"/>
@@ -117,7 +118,7 @@
 </file>
 
 <file path=ppt/slideLayouts/slideLayout1.xml><?xml version="1.0" encoding="utf-8"?>
-<p:sldLayout xmlns:a="http://schemas.openxmlformats.org/drawingml/2006/main" xmlns:r="http://schemas.openxmlformats.org/officeDocument/2006/relationships" xmlns:p="http://schemas.openxmlformats.org/presentationml/2006/main" type="title" preserve="1">
+<p:sldLayout xmlns:a="http://schemas.openxmlformats.org/drawingml/2006/main" xmlns:r="http://schemas.openxmlformats.org/officeDocument/2006/relationships" xmlns:p="http://schemas.openxmlformats.org/presentationml/2006/main" showMasterSp="0" type="title" preserve="1">
   <p:cSld name="Title Slide">
     <p:spTree>
       <p:nvGrpSpPr>
@@ -135,25 +136,291 @@
       </p:grpSpPr>
       <p:sp>
         <p:nvSpPr>
-          <p:cNvPr id="2" name="Title 1"/>
-          <p:cNvSpPr>
-            <a:spLocks noGrp="1"/>
-          </p:cNvSpPr>
-          <p:nvPr>
-            <p:ph type="ctrTitle"/>
-          </p:nvPr>
+          <p:cNvPr id="7" name="Rectangle 6"/>
+          <p:cNvSpPr/>
+          <p:nvPr/>
         </p:nvSpPr>
         <p:spPr>
           <a:xfrm>
-            <a:off x="1524000" y="1122363"/>
-            <a:ext cx="9144000" cy="2387600"/>
+            <a:off x="920834" y="1346946"/>
+            <a:ext cx="10222992" cy="80683"/>
+          </a:xfrm>
+          <a:prstGeom prst="rect">
+            <a:avLst/>
+          </a:prstGeom>
+          <a:blipFill dpi="0" rotWithShape="1">
+            <a:blip r:embed="rId2">
+              <a:alphaModFix amt="85000"/>
+              <a:lum bright="70000" contrast="-70000"/>
+              <a:extLst>
+                <a:ext uri="{BEBA8EAE-BF5A-486C-A8C5-ECC9F3942E4B}">
+                  <a14:imgProps xmlns:a14="http://schemas.microsoft.com/office/drawing/2010/main">
+                    <a14:imgLayer r:embed="rId3">
+                      <a14:imgEffect>
+                        <a14:sharpenSoften amount="61000"/>
+                      </a14:imgEffect>
+                    </a14:imgLayer>
+                  </a14:imgProps>
+                </a:ext>
+                <a:ext uri="{28A0092B-C50C-407E-A947-70E740481C1C}">
+                  <a14:useLocalDpi xmlns:a14="http://schemas.microsoft.com/office/drawing/2010/main" val="0"/>
+                </a:ext>
+              </a:extLst>
+            </a:blip>
+            <a:srcRect/>
+            <a:tile tx="0" ty="-762000" sx="92000" sy="89000" flip="xy" algn="ctr"/>
+          </a:blipFill>
+          <a:ln>
+            <a:noFill/>
+          </a:ln>
+        </p:spPr>
+        <p:style>
+          <a:lnRef idx="2">
+            <a:schemeClr val="accent1">
+              <a:shade val="50000"/>
+            </a:schemeClr>
+          </a:lnRef>
+          <a:fillRef idx="1">
+            <a:schemeClr val="accent1"/>
+          </a:fillRef>
+          <a:effectRef idx="0">
+            <a:schemeClr val="accent1"/>
+          </a:effectRef>
+          <a:fontRef idx="minor">
+            <a:schemeClr val="lt1"/>
+          </a:fontRef>
+        </p:style>
+      </p:sp>
+      <p:sp>
+        <p:nvSpPr>
+          <p:cNvPr id="8" name="Rectangle 7"/>
+          <p:cNvSpPr/>
+          <p:nvPr/>
+        </p:nvSpPr>
+        <p:spPr>
+          <a:xfrm>
+            <a:off x="920834" y="4299696"/>
+            <a:ext cx="10222992" cy="80683"/>
+          </a:xfrm>
+          <a:prstGeom prst="rect">
+            <a:avLst/>
+          </a:prstGeom>
+          <a:blipFill dpi="0" rotWithShape="1">
+            <a:blip r:embed="rId2">
+              <a:alphaModFix amt="85000"/>
+              <a:lum bright="70000" contrast="-70000"/>
+              <a:extLst>
+                <a:ext uri="{BEBA8EAE-BF5A-486C-A8C5-ECC9F3942E4B}">
+                  <a14:imgProps xmlns:a14="http://schemas.microsoft.com/office/drawing/2010/main">
+                    <a14:imgLayer r:embed="rId3">
+                      <a14:imgEffect>
+                        <a14:sharpenSoften amount="61000"/>
+                      </a14:imgEffect>
+                    </a14:imgLayer>
+                  </a14:imgProps>
+                </a:ext>
+                <a:ext uri="{28A0092B-C50C-407E-A947-70E740481C1C}">
+                  <a14:useLocalDpi xmlns:a14="http://schemas.microsoft.com/office/drawing/2010/main" val="0"/>
+                </a:ext>
+              </a:extLst>
+            </a:blip>
+            <a:srcRect/>
+            <a:tile tx="0" ty="-717550" sx="92000" sy="89000" flip="xy" algn="ctr"/>
+          </a:blipFill>
+          <a:ln>
+            <a:noFill/>
+          </a:ln>
+        </p:spPr>
+        <p:style>
+          <a:lnRef idx="2">
+            <a:schemeClr val="accent1">
+              <a:shade val="50000"/>
+            </a:schemeClr>
+          </a:lnRef>
+          <a:fillRef idx="1">
+            <a:schemeClr val="accent1"/>
+          </a:fillRef>
+          <a:effectRef idx="0">
+            <a:schemeClr val="accent1"/>
+          </a:effectRef>
+          <a:fontRef idx="minor">
+            <a:schemeClr val="lt1"/>
+          </a:fontRef>
+        </p:style>
+      </p:sp>
+      <p:sp>
+        <p:nvSpPr>
+          <p:cNvPr id="9" name="Rectangle 8"/>
+          <p:cNvSpPr/>
+          <p:nvPr/>
+        </p:nvSpPr>
+        <p:spPr>
+          <a:xfrm>
+            <a:off x="920834" y="1484779"/>
+            <a:ext cx="10222992" cy="2743200"/>
+          </a:xfrm>
+          <a:prstGeom prst="rect">
+            <a:avLst/>
+          </a:prstGeom>
+          <a:blipFill dpi="0" rotWithShape="1">
+            <a:blip r:embed="rId2">
+              <a:alphaModFix amt="85000"/>
+              <a:lum bright="70000" contrast="-70000"/>
+              <a:extLst>
+                <a:ext uri="{BEBA8EAE-BF5A-486C-A8C5-ECC9F3942E4B}">
+                  <a14:imgProps xmlns:a14="http://schemas.microsoft.com/office/drawing/2010/main">
+                    <a14:imgLayer r:embed="rId3">
+                      <a14:imgEffect>
+                        <a14:sharpenSoften amount="61000"/>
+                      </a14:imgEffect>
+                    </a14:imgLayer>
+                  </a14:imgProps>
+                </a:ext>
+                <a:ext uri="{28A0092B-C50C-407E-A947-70E740481C1C}">
+                  <a14:useLocalDpi xmlns:a14="http://schemas.microsoft.com/office/drawing/2010/main" val="0"/>
+                </a:ext>
+              </a:extLst>
+            </a:blip>
+            <a:srcRect/>
+            <a:tile tx="0" ty="-704850" sx="92000" sy="89000" flip="xy" algn="ctr"/>
+          </a:blipFill>
+          <a:ln>
+            <a:noFill/>
+          </a:ln>
+        </p:spPr>
+        <p:style>
+          <a:lnRef idx="2">
+            <a:schemeClr val="accent1">
+              <a:shade val="50000"/>
+            </a:schemeClr>
+          </a:lnRef>
+          <a:fillRef idx="1">
+            <a:schemeClr val="accent1"/>
+          </a:fillRef>
+          <a:effectRef idx="0">
+            <a:schemeClr val="accent1"/>
+          </a:effectRef>
+          <a:fontRef idx="minor">
+            <a:schemeClr val="lt1"/>
+          </a:fontRef>
+        </p:style>
+      </p:sp>
+      <p:grpSp>
+        <p:nvGrpSpPr>
+          <p:cNvPr id="10" name="Group 9"/>
+          <p:cNvGrpSpPr/>
+          <p:nvPr/>
+        </p:nvGrpSpPr>
+        <p:grpSpPr>
+          <a:xfrm>
+            <a:off x="9649215" y="4068923"/>
+            <a:ext cx="1080904" cy="1080902"/>
+            <a:chOff x="9685338" y="4460675"/>
+            <a:chExt cx="1080904" cy="1080902"/>
+          </a:xfrm>
+        </p:grpSpPr>
+        <p:sp>
+          <p:nvSpPr>
+            <p:cNvPr id="11" name="Oval 10"/>
+            <p:cNvSpPr/>
+            <p:nvPr/>
+          </p:nvSpPr>
+          <p:spPr>
+            <a:xfrm>
+              <a:off x="9685338" y="4460675"/>
+              <a:ext cx="1080904" cy="1080902"/>
+            </a:xfrm>
+            <a:prstGeom prst="ellipse">
+              <a:avLst/>
+            </a:prstGeom>
+            <a:blipFill dpi="0" rotWithShape="1">
+              <a:blip r:embed="rId4">
+                <a:duotone>
+                  <a:schemeClr val="accent1">
+                    <a:shade val="45000"/>
+                    <a:satMod val="135000"/>
+                  </a:schemeClr>
+                  <a:prstClr val="white"/>
+                </a:duotone>
+                <a:extLst>
+                  <a:ext uri="{BEBA8EAE-BF5A-486C-A8C5-ECC9F3942E4B}">
+                    <a14:imgProps xmlns:a14="http://schemas.microsoft.com/office/drawing/2010/main">
+                      <a14:imgLayer r:embed="rId5">
+                        <a14:imgEffect>
+                          <a14:saturation sat="95000"/>
+                        </a14:imgEffect>
+                      </a14:imgLayer>
+                    </a14:imgProps>
+                  </a:ext>
+                </a:extLst>
+              </a:blip>
+              <a:srcRect/>
+              <a:tile tx="0" ty="0" sx="85000" sy="85000" flip="none" algn="tl"/>
+            </a:blipFill>
+            <a:ln w="25400" cap="flat" cmpd="sng" algn="ctr">
+              <a:noFill/>
+              <a:prstDash val="solid"/>
+            </a:ln>
+            <a:effectLst/>
+          </p:spPr>
+        </p:sp>
+        <p:sp>
+          <p:nvSpPr>
+            <p:cNvPr id="12" name="Oval 11"/>
+            <p:cNvSpPr/>
+            <p:nvPr/>
+          </p:nvSpPr>
+          <p:spPr>
+            <a:xfrm>
+              <a:off x="9793429" y="4568765"/>
+              <a:ext cx="864723" cy="864722"/>
+            </a:xfrm>
+            <a:prstGeom prst="ellipse">
+              <a:avLst/>
+            </a:prstGeom>
+            <a:noFill/>
+            <a:ln w="25400" cap="flat" cmpd="sng" algn="ctr">
+              <a:solidFill>
+                <a:sysClr val="window" lastClr="FFFFFF"/>
+              </a:solidFill>
+              <a:prstDash val="solid"/>
+            </a:ln>
+            <a:effectLst/>
+          </p:spPr>
+        </p:sp>
+      </p:grpSp>
+      <p:sp>
+        <p:nvSpPr>
+          <p:cNvPr id="2" name="Title 1"/>
+          <p:cNvSpPr>
+            <a:spLocks noGrp="1"/>
+          </p:cNvSpPr>
+          <p:nvPr>
+            <p:ph type="ctrTitle"/>
+          </p:nvPr>
+        </p:nvSpPr>
+        <p:spPr>
+          <a:xfrm>
+            <a:off x="1051560" y="1432223"/>
+            <a:ext cx="9966960" cy="3035808"/>
           </a:xfrm>
         </p:spPr>
         <p:txBody>
-          <a:bodyPr anchor="b"/>
+          <a:bodyPr anchor="ctr">
+            <a:noAutofit/>
+          </a:bodyPr>
           <a:lstStyle>
-            <a:lvl1pPr algn="ctr">
-              <a:defRPr sz="6000"/>
+            <a:lvl1pPr algn="l">
+              <a:lnSpc>
+                <a:spcPct val="80000"/>
+              </a:lnSpc>
+              <a:defRPr sz="9600" cap="all" baseline="0">
+                <a:blipFill dpi="0" rotWithShape="1">
+                  <a:blip r:embed="rId4"/>
+                  <a:srcRect/>
+                  <a:tile tx="6350" ty="-127000" sx="65000" sy="64000" flip="none" algn="tl"/>
+                </a:blipFill>
+              </a:defRPr>
             </a:lvl1pPr>
           </a:lstStyle>
           <a:p>
@@ -161,7 +428,7 @@
               <a:rPr lang="en-US" smtClean="0"/>
               <a:t>Click to edit Master title style</a:t>
             </a:r>
-            <a:endParaRPr lang="en-SG"/>
+            <a:endParaRPr lang="en-US" dirty="0"/>
           </a:p>
         </p:txBody>
       </p:sp>
@@ -177,115 +444,130 @@
         </p:nvSpPr>
         <p:spPr>
           <a:xfrm>
-            <a:off x="1524000" y="3602038"/>
-            <a:ext cx="9144000" cy="1655762"/>
+            <a:off x="1069848" y="4389120"/>
+            <a:ext cx="7891272" cy="1069848"/>
           </a:xfrm>
         </p:spPr>
         <p:txBody>
+          <a:bodyPr>
+            <a:normAutofit/>
+          </a:bodyPr>
+          <a:lstStyle>
+            <a:lvl1pPr marL="0" indent="0" algn="l">
+              <a:buNone/>
+              <a:defRPr sz="2200">
+                <a:solidFill>
+                  <a:schemeClr val="tx1"/>
+                </a:solidFill>
+              </a:defRPr>
+            </a:lvl1pPr>
+            <a:lvl2pPr marL="457200" indent="0" algn="ctr">
+              <a:buNone/>
+              <a:defRPr sz="2200"/>
+            </a:lvl2pPr>
+            <a:lvl3pPr marL="914400" indent="0" algn="ctr">
+              <a:buNone/>
+              <a:defRPr sz="2200"/>
+            </a:lvl3pPr>
+            <a:lvl4pPr marL="1371600" indent="0" algn="ctr">
+              <a:buNone/>
+              <a:defRPr sz="2000"/>
+            </a:lvl4pPr>
+            <a:lvl5pPr marL="1828800" indent="0" algn="ctr">
+              <a:buNone/>
+              <a:defRPr sz="2000"/>
+            </a:lvl5pPr>
+            <a:lvl6pPr marL="2286000" indent="0" algn="ctr">
+              <a:buNone/>
+              <a:defRPr sz="2000"/>
+            </a:lvl6pPr>
+            <a:lvl7pPr marL="2743200" indent="0" algn="ctr">
+              <a:buNone/>
+              <a:defRPr sz="2000"/>
+            </a:lvl7pPr>
+            <a:lvl8pPr marL="3200400" indent="0" algn="ctr">
+              <a:buNone/>
+              <a:defRPr sz="2000"/>
+            </a:lvl8pPr>
+            <a:lvl9pPr marL="3657600" indent="0" algn="ctr">
+              <a:buNone/>
+              <a:defRPr sz="2000"/>
+            </a:lvl9pPr>
+          </a:lstStyle>
+          <a:p>
+            <a:r>
+              <a:rPr lang="en-US" smtClean="0"/>
+              <a:t>Click to edit Master subtitle style</a:t>
+            </a:r>
+            <a:endParaRPr lang="en-US" dirty="0"/>
+          </a:p>
+        </p:txBody>
+      </p:sp>
+      <p:sp>
+        <p:nvSpPr>
+          <p:cNvPr id="4" name="Date Placeholder 3"/>
+          <p:cNvSpPr>
+            <a:spLocks noGrp="1"/>
+          </p:cNvSpPr>
+          <p:nvPr>
+            <p:ph type="dt" sz="half" idx="10"/>
+          </p:nvPr>
+        </p:nvSpPr>
+        <p:spPr/>
+        <p:txBody>
+          <a:bodyPr/>
+          <a:lstStyle/>
+          <a:p>
+            <a:fld id="{EDC85F88-DEE8-4C33-BF3F-E4E9FCBA1085}" type="datetimeFigureOut">
+              <a:rPr lang="en-SG" smtClean="0"/>
+              <a:t>4/6/2016</a:t>
+            </a:fld>
+            <a:endParaRPr lang="en-SG"/>
+          </a:p>
+        </p:txBody>
+      </p:sp>
+      <p:sp>
+        <p:nvSpPr>
+          <p:cNvPr id="5" name="Footer Placeholder 4"/>
+          <p:cNvSpPr>
+            <a:spLocks noGrp="1"/>
+          </p:cNvSpPr>
+          <p:nvPr>
+            <p:ph type="ftr" sz="quarter" idx="11"/>
+          </p:nvPr>
+        </p:nvSpPr>
+        <p:spPr/>
+        <p:txBody>
+          <a:bodyPr/>
+          <a:lstStyle/>
+          <a:p>
+            <a:endParaRPr lang="en-SG"/>
+          </a:p>
+        </p:txBody>
+      </p:sp>
+      <p:sp>
+        <p:nvSpPr>
+          <p:cNvPr id="6" name="Slide Number Placeholder 5"/>
+          <p:cNvSpPr>
+            <a:spLocks noGrp="1"/>
+          </p:cNvSpPr>
+          <p:nvPr>
+            <p:ph type="sldNum" sz="quarter" idx="12"/>
+          </p:nvPr>
+        </p:nvSpPr>
+        <p:spPr>
+          <a:xfrm>
+            <a:off x="9592733" y="4289334"/>
+            <a:ext cx="1193868" cy="640080"/>
+          </a:xfrm>
+        </p:spPr>
+        <p:txBody>
           <a:bodyPr/>
           <a:lstStyle>
-            <a:lvl1pPr marL="0" indent="0" algn="ctr">
-              <a:buNone/>
-              <a:defRPr sz="2400"/>
+            <a:lvl1pPr>
+              <a:defRPr sz="2800"/>
             </a:lvl1pPr>
-            <a:lvl2pPr marL="457200" indent="0" algn="ctr">
-              <a:buNone/>
-              <a:defRPr sz="2000"/>
-            </a:lvl2pPr>
-            <a:lvl3pPr marL="914400" indent="0" algn="ctr">
-              <a:buNone/>
-              <a:defRPr sz="1800"/>
-            </a:lvl3pPr>
-            <a:lvl4pPr marL="1371600" indent="0" algn="ctr">
-              <a:buNone/>
-              <a:defRPr sz="1600"/>
-            </a:lvl4pPr>
-            <a:lvl5pPr marL="1828800" indent="0" algn="ctr">
-              <a:buNone/>
-              <a:defRPr sz="1600"/>
-            </a:lvl5pPr>
-            <a:lvl6pPr marL="2286000" indent="0" algn="ctr">
-              <a:buNone/>
-              <a:defRPr sz="1600"/>
-            </a:lvl6pPr>
-            <a:lvl7pPr marL="2743200" indent="0" algn="ctr">
-              <a:buNone/>
-              <a:defRPr sz="1600"/>
-            </a:lvl7pPr>
-            <a:lvl8pPr marL="3200400" indent="0" algn="ctr">
-              <a:buNone/>
-              <a:defRPr sz="1600"/>
-            </a:lvl8pPr>
-            <a:lvl9pPr marL="3657600" indent="0" algn="ctr">
-              <a:buNone/>
-              <a:defRPr sz="1600"/>
-            </a:lvl9pPr>
           </a:lstStyle>
-          <a:p>
-            <a:r>
-              <a:rPr lang="en-US" smtClean="0"/>
-              <a:t>Click to edit Master subtitle style</a:t>
-            </a:r>
-            <a:endParaRPr lang="en-SG"/>
-          </a:p>
-        </p:txBody>
-      </p:sp>
-      <p:sp>
-        <p:nvSpPr>
-          <p:cNvPr id="4" name="Date Placeholder 3"/>
-          <p:cNvSpPr>
-            <a:spLocks noGrp="1"/>
-          </p:cNvSpPr>
-          <p:nvPr>
-            <p:ph type="dt" sz="half" idx="10"/>
-          </p:nvPr>
-        </p:nvSpPr>
-        <p:spPr/>
-        <p:txBody>
-          <a:bodyPr/>
-          <a:lstStyle/>
-          <a:p>
-            <a:fld id="{EDC85F88-DEE8-4C33-BF3F-E4E9FCBA1085}" type="datetimeFigureOut">
-              <a:rPr lang="en-SG" smtClean="0"/>
-              <a:t>21/5/16</a:t>
-            </a:fld>
-            <a:endParaRPr lang="en-SG"/>
-          </a:p>
-        </p:txBody>
-      </p:sp>
-      <p:sp>
-        <p:nvSpPr>
-          <p:cNvPr id="5" name="Footer Placeholder 4"/>
-          <p:cNvSpPr>
-            <a:spLocks noGrp="1"/>
-          </p:cNvSpPr>
-          <p:nvPr>
-            <p:ph type="ftr" sz="quarter" idx="11"/>
-          </p:nvPr>
-        </p:nvSpPr>
-        <p:spPr/>
-        <p:txBody>
-          <a:bodyPr/>
-          <a:lstStyle/>
-          <a:p>
-            <a:endParaRPr lang="en-SG"/>
-          </a:p>
-        </p:txBody>
-      </p:sp>
-      <p:sp>
-        <p:nvSpPr>
-          <p:cNvPr id="6" name="Slide Number Placeholder 5"/>
-          <p:cNvSpPr>
-            <a:spLocks noGrp="1"/>
-          </p:cNvSpPr>
-          <p:nvPr>
-            <p:ph type="sldNum" sz="quarter" idx="12"/>
-          </p:nvPr>
-        </p:nvSpPr>
-        <p:spPr/>
-        <p:txBody>
-          <a:bodyPr/>
-          <a:lstStyle/>
           <a:p>
             <a:fld id="{01C3FDC0-F125-4E0A-A87D-04646BE0EFA3}" type="slidenum">
               <a:rPr lang="en-SG" smtClean="0"/>
@@ -298,7 +580,7 @@
     </p:spTree>
     <p:extLst>
       <p:ext uri="{BB962C8B-B14F-4D97-AF65-F5344CB8AC3E}">
-        <p14:creationId xmlns:p14="http://schemas.microsoft.com/office/powerpoint/2010/main" val="1192492379"/>
+        <p14:creationId xmlns:p14="http://schemas.microsoft.com/office/powerpoint/2010/main" val="1864619018"/>
       </p:ext>
     </p:extLst>
   </p:cSld>
@@ -344,7 +626,7 @@
               <a:rPr lang="en-US" smtClean="0"/>
               <a:t>Click to edit Master title style</a:t>
             </a:r>
-            <a:endParaRPr lang="en-SG"/>
+            <a:endParaRPr lang="en-US" dirty="0"/>
           </a:p>
         </p:txBody>
       </p:sp>
@@ -396,7 +678,7 @@
               <a:rPr lang="en-US" smtClean="0"/>
               <a:t>Fifth level</a:t>
             </a:r>
-            <a:endParaRPr lang="en-SG"/>
+            <a:endParaRPr lang="en-US" dirty="0"/>
           </a:p>
         </p:txBody>
       </p:sp>
@@ -417,7 +699,7 @@
           <a:p>
             <a:fld id="{EDC85F88-DEE8-4C33-BF3F-E4E9FCBA1085}" type="datetimeFigureOut">
               <a:rPr lang="en-SG" smtClean="0"/>
-              <a:t>21/5/16</a:t>
+              <a:t>4/6/2016</a:t>
             </a:fld>
             <a:endParaRPr lang="en-SG"/>
           </a:p>
@@ -468,7 +750,7 @@
     </p:spTree>
     <p:extLst>
       <p:ext uri="{BB962C8B-B14F-4D97-AF65-F5344CB8AC3E}">
-        <p14:creationId xmlns:p14="http://schemas.microsoft.com/office/powerpoint/2010/main" val="2208848945"/>
+        <p14:creationId xmlns:p14="http://schemas.microsoft.com/office/powerpoint/2010/main" val="2856076038"/>
       </p:ext>
     </p:extLst>
   </p:cSld>
@@ -507,8 +789,8 @@
         </p:nvSpPr>
         <p:spPr>
           <a:xfrm>
-            <a:off x="8724900" y="365125"/>
-            <a:ext cx="2628900" cy="5811838"/>
+            <a:off x="8724900" y="533400"/>
+            <a:ext cx="2552700" cy="5638800"/>
           </a:xfrm>
         </p:spPr>
         <p:txBody>
@@ -519,7 +801,7 @@
               <a:rPr lang="en-US" smtClean="0"/>
               <a:t>Click to edit Master title style</a:t>
             </a:r>
-            <a:endParaRPr lang="en-SG"/>
+            <a:endParaRPr lang="en-US" dirty="0"/>
           </a:p>
         </p:txBody>
       </p:sp>
@@ -535,8 +817,8 @@
         </p:nvSpPr>
         <p:spPr>
           <a:xfrm>
-            <a:off x="838200" y="365125"/>
-            <a:ext cx="7734300" cy="5811838"/>
+            <a:off x="1066800" y="533400"/>
+            <a:ext cx="7505700" cy="5638800"/>
           </a:xfrm>
         </p:spPr>
         <p:txBody>
@@ -576,7 +858,7 @@
               <a:rPr lang="en-US" smtClean="0"/>
               <a:t>Fifth level</a:t>
             </a:r>
-            <a:endParaRPr lang="en-SG"/>
+            <a:endParaRPr lang="en-US" dirty="0"/>
           </a:p>
         </p:txBody>
       </p:sp>
@@ -597,7 +879,7 @@
           <a:p>
             <a:fld id="{EDC85F88-DEE8-4C33-BF3F-E4E9FCBA1085}" type="datetimeFigureOut">
               <a:rPr lang="en-SG" smtClean="0"/>
-              <a:t>21/5/16</a:t>
+              <a:t>4/6/2016</a:t>
             </a:fld>
             <a:endParaRPr lang="en-SG"/>
           </a:p>
@@ -648,7 +930,7 @@
     </p:spTree>
     <p:extLst>
       <p:ext uri="{BB962C8B-B14F-4D97-AF65-F5344CB8AC3E}">
-        <p14:creationId xmlns:p14="http://schemas.microsoft.com/office/powerpoint/2010/main" val="2548849772"/>
+        <p14:creationId xmlns:p14="http://schemas.microsoft.com/office/powerpoint/2010/main" val="267094128"/>
       </p:ext>
     </p:extLst>
   </p:cSld>
@@ -694,7 +976,7 @@
               <a:rPr lang="en-US" smtClean="0"/>
               <a:t>Click to edit Master title style</a:t>
             </a:r>
-            <a:endParaRPr lang="en-SG"/>
+            <a:endParaRPr lang="en-US" dirty="0"/>
           </a:p>
         </p:txBody>
       </p:sp>
@@ -746,7 +1028,7 @@
               <a:rPr lang="en-US" smtClean="0"/>
               <a:t>Fifth level</a:t>
             </a:r>
-            <a:endParaRPr lang="en-SG"/>
+            <a:endParaRPr lang="en-US" dirty="0"/>
           </a:p>
         </p:txBody>
       </p:sp>
@@ -767,7 +1049,7 @@
           <a:p>
             <a:fld id="{EDC85F88-DEE8-4C33-BF3F-E4E9FCBA1085}" type="datetimeFigureOut">
               <a:rPr lang="en-SG" smtClean="0"/>
-              <a:t>21/5/16</a:t>
+              <a:t>4/6/2016</a:t>
             </a:fld>
             <a:endParaRPr lang="en-SG"/>
           </a:p>
@@ -818,7 +1100,7 @@
     </p:spTree>
     <p:extLst>
       <p:ext uri="{BB962C8B-B14F-4D97-AF65-F5344CB8AC3E}">
-        <p14:creationId xmlns:p14="http://schemas.microsoft.com/office/powerpoint/2010/main" val="2990107756"/>
+        <p14:creationId xmlns:p14="http://schemas.microsoft.com/office/powerpoint/2010/main" val="3562897098"/>
       </p:ext>
     </p:extLst>
   </p:cSld>
@@ -829,7 +1111,7 @@
 </file>
 
 <file path=ppt/slideLayouts/slideLayout3.xml><?xml version="1.0" encoding="utf-8"?>
-<p:sldLayout xmlns:a="http://schemas.openxmlformats.org/drawingml/2006/main" xmlns:r="http://schemas.openxmlformats.org/officeDocument/2006/relationships" xmlns:p="http://schemas.openxmlformats.org/presentationml/2006/main" type="secHead" preserve="1">
+<p:sldLayout xmlns:a="http://schemas.openxmlformats.org/drawingml/2006/main" xmlns:r="http://schemas.openxmlformats.org/officeDocument/2006/relationships" xmlns:p="http://schemas.openxmlformats.org/presentationml/2006/main" showMasterSp="0" type="secHead" preserve="1">
   <p:cSld name="Section Header">
     <p:spTree>
       <p:nvGrpSpPr>
@@ -847,25 +1129,87 @@
       </p:grpSpPr>
       <p:sp>
         <p:nvSpPr>
-          <p:cNvPr id="2" name="Title 1"/>
-          <p:cNvSpPr>
-            <a:spLocks noGrp="1"/>
-          </p:cNvSpPr>
-          <p:nvPr>
-            <p:ph type="title"/>
-          </p:nvPr>
+          <p:cNvPr id="7" name="Rectangle 6"/>
+          <p:cNvSpPr/>
+          <p:nvPr/>
         </p:nvSpPr>
         <p:spPr>
           <a:xfrm>
-            <a:off x="831850" y="1709738"/>
-            <a:ext cx="10515600" cy="2852737"/>
+            <a:off x="0" y="4917989"/>
+            <a:ext cx="12192000" cy="1940010"/>
+          </a:xfrm>
+          <a:prstGeom prst="rect">
+            <a:avLst/>
+          </a:prstGeom>
+          <a:blipFill dpi="0" rotWithShape="1">
+            <a:blip r:embed="rId2">
+              <a:alphaModFix amt="85000"/>
+              <a:lum bright="70000" contrast="-70000"/>
+              <a:extLst>
+                <a:ext uri="{BEBA8EAE-BF5A-486C-A8C5-ECC9F3942E4B}">
+                  <a14:imgProps xmlns:a14="http://schemas.microsoft.com/office/drawing/2010/main">
+                    <a14:imgLayer r:embed="rId3">
+                      <a14:imgEffect>
+                        <a14:sharpenSoften amount="61000"/>
+                      </a14:imgEffect>
+                    </a14:imgLayer>
+                  </a14:imgProps>
+                </a:ext>
+                <a:ext uri="{28A0092B-C50C-407E-A947-70E740481C1C}">
+                  <a14:useLocalDpi xmlns:a14="http://schemas.microsoft.com/office/drawing/2010/main" val="0"/>
+                </a:ext>
+              </a:extLst>
+            </a:blip>
+            <a:srcRect/>
+            <a:tile tx="0" ty="-704850" sx="92000" sy="89000" flip="xy" algn="ctr"/>
+          </a:blipFill>
+          <a:ln>
+            <a:noFill/>
+          </a:ln>
+        </p:spPr>
+        <p:style>
+          <a:lnRef idx="2">
+            <a:schemeClr val="accent1">
+              <a:shade val="50000"/>
+            </a:schemeClr>
+          </a:lnRef>
+          <a:fillRef idx="1">
+            <a:schemeClr val="accent1"/>
+          </a:fillRef>
+          <a:effectRef idx="0">
+            <a:schemeClr val="accent1"/>
+          </a:effectRef>
+          <a:fontRef idx="minor">
+            <a:schemeClr val="lt1"/>
+          </a:fontRef>
+        </p:style>
+      </p:sp>
+      <p:sp>
+        <p:nvSpPr>
+          <p:cNvPr id="2" name="Title 1"/>
+          <p:cNvSpPr>
+            <a:spLocks noGrp="1"/>
+          </p:cNvSpPr>
+          <p:nvPr>
+            <p:ph type="title"/>
+          </p:nvPr>
+        </p:nvSpPr>
+        <p:spPr>
+          <a:xfrm>
+            <a:off x="2167128" y="1225296"/>
+            <a:ext cx="9281160" cy="3520440"/>
           </a:xfrm>
         </p:spPr>
         <p:txBody>
-          <a:bodyPr anchor="b"/>
+          <a:bodyPr anchor="ctr">
+            <a:normAutofit/>
+          </a:bodyPr>
           <a:lstStyle>
             <a:lvl1pPr>
-              <a:defRPr sz="6000"/>
+              <a:lnSpc>
+                <a:spcPct val="80000"/>
+              </a:lnSpc>
+              <a:defRPr sz="8000" b="0"/>
             </a:lvl1pPr>
           </a:lstStyle>
           <a:p>
@@ -873,7 +1217,7 @@
               <a:rPr lang="en-US" smtClean="0"/>
               <a:t>Click to edit Master title style</a:t>
             </a:r>
-            <a:endParaRPr lang="en-SG"/>
+            <a:endParaRPr lang="en-US" dirty="0"/>
           </a:p>
         </p:txBody>
       </p:sp>
@@ -889,26 +1233,26 @@
         </p:nvSpPr>
         <p:spPr>
           <a:xfrm>
-            <a:off x="831850" y="4589463"/>
-            <a:ext cx="10515600" cy="1500187"/>
+            <a:off x="2165774" y="5020056"/>
+            <a:ext cx="9052560" cy="1066800"/>
           </a:xfrm>
         </p:spPr>
         <p:txBody>
-          <a:bodyPr/>
+          <a:bodyPr anchor="t">
+            <a:normAutofit/>
+          </a:bodyPr>
           <a:lstStyle>
             <a:lvl1pPr marL="0" indent="0">
               <a:buNone/>
-              <a:defRPr sz="2400">
+              <a:defRPr sz="2000">
                 <a:solidFill>
-                  <a:schemeClr val="tx1">
-                    <a:tint val="75000"/>
-                  </a:schemeClr>
+                  <a:schemeClr val="tx1"/>
                 </a:solidFill>
               </a:defRPr>
             </a:lvl1pPr>
             <a:lvl2pPr marL="457200" indent="0">
               <a:buNone/>
-              <a:defRPr sz="2000">
+              <a:defRPr sz="1800">
                 <a:solidFill>
                   <a:schemeClr val="tx1">
                     <a:tint val="75000"/>
@@ -918,7 +1262,7 @@
             </a:lvl2pPr>
             <a:lvl3pPr marL="914400" indent="0">
               <a:buNone/>
-              <a:defRPr sz="1800">
+              <a:defRPr sz="1600">
                 <a:solidFill>
                   <a:schemeClr val="tx1">
                     <a:tint val="75000"/>
@@ -928,7 +1272,7 @@
             </a:lvl3pPr>
             <a:lvl4pPr marL="1371600" indent="0">
               <a:buNone/>
-              <a:defRPr sz="1600">
+              <a:defRPr sz="1400">
                 <a:solidFill>
                   <a:schemeClr val="tx1">
                     <a:tint val="75000"/>
@@ -938,7 +1282,7 @@
             </a:lvl4pPr>
             <a:lvl5pPr marL="1828800" indent="0">
               <a:buNone/>
-              <a:defRPr sz="1600">
+              <a:defRPr sz="1400">
                 <a:solidFill>
                   <a:schemeClr val="tx1">
                     <a:tint val="75000"/>
@@ -948,7 +1292,7 @@
             </a:lvl5pPr>
             <a:lvl6pPr marL="2286000" indent="0">
               <a:buNone/>
-              <a:defRPr sz="1600">
+              <a:defRPr sz="1400">
                 <a:solidFill>
                   <a:schemeClr val="tx1">
                     <a:tint val="75000"/>
@@ -958,7 +1302,7 @@
             </a:lvl6pPr>
             <a:lvl7pPr marL="2743200" indent="0">
               <a:buNone/>
-              <a:defRPr sz="1600">
+              <a:defRPr sz="1400">
                 <a:solidFill>
                   <a:schemeClr val="tx1">
                     <a:tint val="75000"/>
@@ -968,7 +1312,7 @@
             </a:lvl7pPr>
             <a:lvl8pPr marL="3200400" indent="0">
               <a:buNone/>
-              <a:defRPr sz="1600">
+              <a:defRPr sz="1400">
                 <a:solidFill>
                   <a:schemeClr val="tx1">
                     <a:tint val="75000"/>
@@ -978,7 +1322,7 @@
             </a:lvl8pPr>
             <a:lvl9pPr marL="3657600" indent="0">
               <a:buNone/>
-              <a:defRPr sz="1600">
+              <a:defRPr sz="1400">
                 <a:solidFill>
                   <a:schemeClr val="tx1">
                     <a:tint val="75000"/>
@@ -1006,14 +1350,19 @@
             <p:ph type="dt" sz="half" idx="10"/>
           </p:nvPr>
         </p:nvSpPr>
-        <p:spPr/>
+        <p:spPr>
+          <a:xfrm>
+            <a:off x="8593667" y="6272784"/>
+            <a:ext cx="2644309" cy="365125"/>
+          </a:xfrm>
+        </p:spPr>
         <p:txBody>
           <a:bodyPr/>
           <a:lstStyle/>
           <a:p>
             <a:fld id="{EDC85F88-DEE8-4C33-BF3F-E4E9FCBA1085}" type="datetimeFigureOut">
               <a:rPr lang="en-SG" smtClean="0"/>
-              <a:t>21/5/16</a:t>
+              <a:t>4/6/2016</a:t>
             </a:fld>
             <a:endParaRPr lang="en-SG"/>
           </a:p>
@@ -1029,7 +1378,12 @@
             <p:ph type="ftr" sz="quarter" idx="11"/>
           </p:nvPr>
         </p:nvSpPr>
-        <p:spPr/>
+        <p:spPr>
+          <a:xfrm>
+            <a:off x="2182708" y="6272784"/>
+            <a:ext cx="6327648" cy="365125"/>
+          </a:xfrm>
+        </p:spPr>
         <p:txBody>
           <a:bodyPr/>
           <a:lstStyle/>
@@ -1038,6 +1392,90 @@
           </a:p>
         </p:txBody>
       </p:sp>
+      <p:grpSp>
+        <p:nvGrpSpPr>
+          <p:cNvPr id="8" name="Group 7"/>
+          <p:cNvGrpSpPr/>
+          <p:nvPr/>
+        </p:nvGrpSpPr>
+        <p:grpSpPr>
+          <a:xfrm>
+            <a:off x="897399" y="2325848"/>
+            <a:ext cx="1080904" cy="1080902"/>
+            <a:chOff x="9685338" y="4460675"/>
+            <a:chExt cx="1080904" cy="1080902"/>
+          </a:xfrm>
+        </p:grpSpPr>
+        <p:sp>
+          <p:nvSpPr>
+            <p:cNvPr id="9" name="Oval 8"/>
+            <p:cNvSpPr/>
+            <p:nvPr/>
+          </p:nvSpPr>
+          <p:spPr>
+            <a:xfrm>
+              <a:off x="9685338" y="4460675"/>
+              <a:ext cx="1080904" cy="1080902"/>
+            </a:xfrm>
+            <a:prstGeom prst="ellipse">
+              <a:avLst/>
+            </a:prstGeom>
+            <a:blipFill dpi="0" rotWithShape="1">
+              <a:blip r:embed="rId4">
+                <a:duotone>
+                  <a:schemeClr val="accent1">
+                    <a:shade val="45000"/>
+                    <a:satMod val="135000"/>
+                  </a:schemeClr>
+                  <a:prstClr val="white"/>
+                </a:duotone>
+                <a:extLst>
+                  <a:ext uri="{BEBA8EAE-BF5A-486C-A8C5-ECC9F3942E4B}">
+                    <a14:imgProps xmlns:a14="http://schemas.microsoft.com/office/drawing/2010/main">
+                      <a14:imgLayer r:embed="rId5">
+                        <a14:imgEffect>
+                          <a14:saturation sat="95000"/>
+                        </a14:imgEffect>
+                      </a14:imgLayer>
+                    </a14:imgProps>
+                  </a:ext>
+                </a:extLst>
+              </a:blip>
+              <a:srcRect/>
+              <a:tile tx="0" ty="0" sx="85000" sy="85000" flip="none" algn="tl"/>
+            </a:blipFill>
+            <a:ln w="25400" cap="flat" cmpd="sng" algn="ctr">
+              <a:noFill/>
+              <a:prstDash val="solid"/>
+            </a:ln>
+            <a:effectLst/>
+          </p:spPr>
+        </p:sp>
+        <p:sp>
+          <p:nvSpPr>
+            <p:cNvPr id="10" name="Oval 9"/>
+            <p:cNvSpPr/>
+            <p:nvPr/>
+          </p:nvSpPr>
+          <p:spPr>
+            <a:xfrm>
+              <a:off x="9793429" y="4568765"/>
+              <a:ext cx="864723" cy="864722"/>
+            </a:xfrm>
+            <a:prstGeom prst="ellipse">
+              <a:avLst/>
+            </a:prstGeom>
+            <a:noFill/>
+            <a:ln w="25400" cap="flat" cmpd="sng" algn="ctr">
+              <a:solidFill>
+                <a:sysClr val="window" lastClr="FFFFFF"/>
+              </a:solidFill>
+              <a:prstDash val="solid"/>
+            </a:ln>
+            <a:effectLst/>
+          </p:spPr>
+        </p:sp>
+      </p:grpSp>
       <p:sp>
         <p:nvSpPr>
           <p:cNvPr id="6" name="Slide Number Placeholder 5"/>
@@ -1048,10 +1486,19 @@
             <p:ph type="sldNum" sz="quarter" idx="12"/>
           </p:nvPr>
         </p:nvSpPr>
-        <p:spPr/>
+        <p:spPr>
+          <a:xfrm>
+            <a:off x="843702" y="2506133"/>
+            <a:ext cx="1188298" cy="720332"/>
+          </a:xfrm>
+        </p:spPr>
         <p:txBody>
           <a:bodyPr/>
-          <a:lstStyle/>
+          <a:lstStyle>
+            <a:lvl1pPr>
+              <a:defRPr sz="2800"/>
+            </a:lvl1pPr>
+          </a:lstStyle>
           <a:p>
             <a:fld id="{01C3FDC0-F125-4E0A-A87D-04646BE0EFA3}" type="slidenum">
               <a:rPr lang="en-SG" smtClean="0"/>
@@ -1064,7 +1511,7 @@
     </p:spTree>
     <p:extLst>
       <p:ext uri="{BB962C8B-B14F-4D97-AF65-F5344CB8AC3E}">
-        <p14:creationId xmlns:p14="http://schemas.microsoft.com/office/powerpoint/2010/main" val="1012169777"/>
+        <p14:creationId xmlns:p14="http://schemas.microsoft.com/office/powerpoint/2010/main" val="1620676539"/>
       </p:ext>
     </p:extLst>
   </p:cSld>
@@ -1110,7 +1557,7 @@
               <a:rPr lang="en-US" smtClean="0"/>
               <a:t>Click to edit Master title style</a:t>
             </a:r>
-            <a:endParaRPr lang="en-SG"/>
+            <a:endParaRPr lang="en-US" dirty="0"/>
           </a:p>
         </p:txBody>
       </p:sp>
@@ -1126,13 +1573,41 @@
         </p:nvSpPr>
         <p:spPr>
           <a:xfrm>
-            <a:off x="838200" y="1825625"/>
-            <a:ext cx="5181600" cy="4351338"/>
+            <a:off x="1069848" y="2194560"/>
+            <a:ext cx="4754880" cy="3977640"/>
           </a:xfrm>
         </p:spPr>
         <p:txBody>
           <a:bodyPr/>
-          <a:lstStyle/>
+          <a:lstStyle>
+            <a:lvl1pPr>
+              <a:defRPr sz="2000"/>
+            </a:lvl1pPr>
+            <a:lvl2pPr>
+              <a:defRPr sz="1800"/>
+            </a:lvl2pPr>
+            <a:lvl3pPr>
+              <a:defRPr sz="1600"/>
+            </a:lvl3pPr>
+            <a:lvl4pPr>
+              <a:defRPr sz="1600"/>
+            </a:lvl4pPr>
+            <a:lvl5pPr>
+              <a:defRPr sz="1600"/>
+            </a:lvl5pPr>
+            <a:lvl6pPr>
+              <a:defRPr sz="1600"/>
+            </a:lvl6pPr>
+            <a:lvl7pPr>
+              <a:defRPr sz="1600"/>
+            </a:lvl7pPr>
+            <a:lvl8pPr>
+              <a:defRPr sz="1600"/>
+            </a:lvl8pPr>
+            <a:lvl9pPr>
+              <a:defRPr sz="1600"/>
+            </a:lvl9pPr>
+          </a:lstStyle>
           <a:p>
             <a:pPr lvl="0"/>
             <a:r>
@@ -1167,7 +1642,7 @@
               <a:rPr lang="en-US" smtClean="0"/>
               <a:t>Fifth level</a:t>
             </a:r>
-            <a:endParaRPr lang="en-SG"/>
+            <a:endParaRPr lang="en-US" dirty="0"/>
           </a:p>
         </p:txBody>
       </p:sp>
@@ -1183,13 +1658,41 @@
         </p:nvSpPr>
         <p:spPr>
           <a:xfrm>
-            <a:off x="6172200" y="1825625"/>
-            <a:ext cx="5181600" cy="4351338"/>
+            <a:off x="6364224" y="2194560"/>
+            <a:ext cx="4754880" cy="3977640"/>
           </a:xfrm>
         </p:spPr>
         <p:txBody>
           <a:bodyPr/>
-          <a:lstStyle/>
+          <a:lstStyle>
+            <a:lvl1pPr>
+              <a:defRPr sz="2000"/>
+            </a:lvl1pPr>
+            <a:lvl2pPr>
+              <a:defRPr sz="1800"/>
+            </a:lvl2pPr>
+            <a:lvl3pPr>
+              <a:defRPr sz="1600"/>
+            </a:lvl3pPr>
+            <a:lvl4pPr>
+              <a:defRPr sz="1600"/>
+            </a:lvl4pPr>
+            <a:lvl5pPr>
+              <a:defRPr sz="1600"/>
+            </a:lvl5pPr>
+            <a:lvl6pPr>
+              <a:defRPr sz="1600"/>
+            </a:lvl6pPr>
+            <a:lvl7pPr>
+              <a:defRPr sz="1600"/>
+            </a:lvl7pPr>
+            <a:lvl8pPr>
+              <a:defRPr sz="1600"/>
+            </a:lvl8pPr>
+            <a:lvl9pPr>
+              <a:defRPr sz="1600"/>
+            </a:lvl9pPr>
+          </a:lstStyle>
           <a:p>
             <a:pPr lvl="0"/>
             <a:r>
@@ -1224,7 +1727,7 @@
               <a:rPr lang="en-US" smtClean="0"/>
               <a:t>Fifth level</a:t>
             </a:r>
-            <a:endParaRPr lang="en-SG"/>
+            <a:endParaRPr lang="en-US" dirty="0"/>
           </a:p>
         </p:txBody>
       </p:sp>
@@ -1245,7 +1748,7 @@
           <a:p>
             <a:fld id="{EDC85F88-DEE8-4C33-BF3F-E4E9FCBA1085}" type="datetimeFigureOut">
               <a:rPr lang="en-SG" smtClean="0"/>
-              <a:t>21/5/16</a:t>
+              <a:t>4/6/2016</a:t>
             </a:fld>
             <a:endParaRPr lang="en-SG"/>
           </a:p>
@@ -1296,7 +1799,7 @@
     </p:spTree>
     <p:extLst>
       <p:ext uri="{BB962C8B-B14F-4D97-AF65-F5344CB8AC3E}">
-        <p14:creationId xmlns:p14="http://schemas.microsoft.com/office/powerpoint/2010/main" val="548660133"/>
+        <p14:creationId xmlns:p14="http://schemas.microsoft.com/office/powerpoint/2010/main" val="152273486"/>
       </p:ext>
     </p:extLst>
   </p:cSld>
@@ -1325,54 +1828,57 @@
       </p:grpSpPr>
       <p:sp>
         <p:nvSpPr>
-          <p:cNvPr id="2" name="Title 1"/>
+          <p:cNvPr id="10" name="Title 9"/>
           <p:cNvSpPr>
             <a:spLocks noGrp="1"/>
           </p:cNvSpPr>
           <p:nvPr>
             <p:ph type="title"/>
+          </p:nvPr>
+        </p:nvSpPr>
+        <p:spPr/>
+        <p:txBody>
+          <a:bodyPr/>
+          <a:lstStyle/>
+          <a:p>
+            <a:r>
+              <a:rPr lang="en-US" smtClean="0"/>
+              <a:t>Click to edit Master title style</a:t>
+            </a:r>
+            <a:endParaRPr lang="en-US" dirty="0"/>
+          </a:p>
+        </p:txBody>
+      </p:sp>
+      <p:sp>
+        <p:nvSpPr>
+          <p:cNvPr id="3" name="Text Placeholder 2"/>
+          <p:cNvSpPr>
+            <a:spLocks noGrp="1"/>
+          </p:cNvSpPr>
+          <p:nvPr>
+            <p:ph type="body" idx="1"/>
           </p:nvPr>
         </p:nvSpPr>
         <p:spPr>
           <a:xfrm>
-            <a:off x="839788" y="365125"/>
-            <a:ext cx="10515600" cy="1325563"/>
+            <a:off x="1066800" y="2048256"/>
+            <a:ext cx="4754880" cy="640080"/>
           </a:xfrm>
         </p:spPr>
         <p:txBody>
-          <a:bodyPr/>
-          <a:lstStyle/>
-          <a:p>
-            <a:r>
-              <a:rPr lang="en-US" smtClean="0"/>
-              <a:t>Click to edit Master title style</a:t>
-            </a:r>
-            <a:endParaRPr lang="en-SG"/>
-          </a:p>
-        </p:txBody>
-      </p:sp>
-      <p:sp>
-        <p:nvSpPr>
-          <p:cNvPr id="3" name="Text Placeholder 2"/>
-          <p:cNvSpPr>
-            <a:spLocks noGrp="1"/>
-          </p:cNvSpPr>
-          <p:nvPr>
-            <p:ph type="body" idx="1"/>
-          </p:nvPr>
-        </p:nvSpPr>
-        <p:spPr>
-          <a:xfrm>
-            <a:off x="839788" y="1681163"/>
-            <a:ext cx="5157787" cy="823912"/>
-          </a:xfrm>
-        </p:spPr>
-        <p:txBody>
-          <a:bodyPr anchor="b"/>
+          <a:bodyPr anchor="ctr">
+            <a:normAutofit/>
+          </a:bodyPr>
           <a:lstStyle>
             <a:lvl1pPr marL="0" indent="0">
               <a:buNone/>
-              <a:defRPr sz="2400" b="1"/>
+              <a:defRPr sz="2000" b="1">
+                <a:solidFill>
+                  <a:schemeClr val="accent1">
+                    <a:lumMod val="75000"/>
+                  </a:schemeClr>
+                </a:solidFill>
+              </a:defRPr>
             </a:lvl1pPr>
             <a:lvl2pPr marL="457200" indent="0">
               <a:buNone/>
@@ -1428,13 +1934,41 @@
         </p:nvSpPr>
         <p:spPr>
           <a:xfrm>
-            <a:off x="839788" y="2505075"/>
-            <a:ext cx="5157787" cy="3684588"/>
+            <a:off x="1069848" y="2743200"/>
+            <a:ext cx="4754880" cy="3291840"/>
           </a:xfrm>
         </p:spPr>
         <p:txBody>
           <a:bodyPr/>
-          <a:lstStyle/>
+          <a:lstStyle>
+            <a:lvl1pPr>
+              <a:defRPr sz="2000"/>
+            </a:lvl1pPr>
+            <a:lvl2pPr>
+              <a:defRPr sz="1800"/>
+            </a:lvl2pPr>
+            <a:lvl3pPr>
+              <a:defRPr sz="1600"/>
+            </a:lvl3pPr>
+            <a:lvl4pPr>
+              <a:defRPr sz="1600"/>
+            </a:lvl4pPr>
+            <a:lvl5pPr>
+              <a:defRPr sz="1600"/>
+            </a:lvl5pPr>
+            <a:lvl6pPr>
+              <a:defRPr sz="1600"/>
+            </a:lvl6pPr>
+            <a:lvl7pPr>
+              <a:defRPr sz="1600"/>
+            </a:lvl7pPr>
+            <a:lvl8pPr>
+              <a:defRPr sz="1600"/>
+            </a:lvl8pPr>
+            <a:lvl9pPr>
+              <a:defRPr sz="1600"/>
+            </a:lvl9pPr>
+          </a:lstStyle>
           <a:p>
             <a:pPr lvl="0"/>
             <a:r>
@@ -1469,7 +2003,7 @@
               <a:rPr lang="en-US" smtClean="0"/>
               <a:t>Fifth level</a:t>
             </a:r>
-            <a:endParaRPr lang="en-SG"/>
+            <a:endParaRPr lang="en-US" dirty="0"/>
           </a:p>
         </p:txBody>
       </p:sp>
@@ -1485,16 +2019,24 @@
         </p:nvSpPr>
         <p:spPr>
           <a:xfrm>
-            <a:off x="6172200" y="1681163"/>
-            <a:ext cx="5183188" cy="823912"/>
+            <a:off x="6364224" y="2048256"/>
+            <a:ext cx="4754880" cy="640080"/>
           </a:xfrm>
         </p:spPr>
         <p:txBody>
-          <a:bodyPr anchor="b"/>
+          <a:bodyPr anchor="ctr">
+            <a:normAutofit/>
+          </a:bodyPr>
           <a:lstStyle>
             <a:lvl1pPr marL="0" indent="0">
               <a:buNone/>
-              <a:defRPr sz="2400" b="1"/>
+              <a:defRPr sz="2000" b="1">
+                <a:solidFill>
+                  <a:schemeClr val="accent1">
+                    <a:lumMod val="75000"/>
+                  </a:schemeClr>
+                </a:solidFill>
+              </a:defRPr>
             </a:lvl1pPr>
             <a:lvl2pPr marL="457200" indent="0">
               <a:buNone/>
@@ -1550,13 +2092,41 @@
         </p:nvSpPr>
         <p:spPr>
           <a:xfrm>
-            <a:off x="6172200" y="2505075"/>
-            <a:ext cx="5183188" cy="3684588"/>
+            <a:off x="6364224" y="2743200"/>
+            <a:ext cx="4754880" cy="3291840"/>
           </a:xfrm>
         </p:spPr>
         <p:txBody>
           <a:bodyPr/>
-          <a:lstStyle/>
+          <a:lstStyle>
+            <a:lvl1pPr>
+              <a:defRPr sz="2000"/>
+            </a:lvl1pPr>
+            <a:lvl2pPr>
+              <a:defRPr sz="1800"/>
+            </a:lvl2pPr>
+            <a:lvl3pPr>
+              <a:defRPr sz="1600"/>
+            </a:lvl3pPr>
+            <a:lvl4pPr>
+              <a:defRPr sz="1600"/>
+            </a:lvl4pPr>
+            <a:lvl5pPr>
+              <a:defRPr sz="1600"/>
+            </a:lvl5pPr>
+            <a:lvl6pPr>
+              <a:defRPr sz="1600"/>
+            </a:lvl6pPr>
+            <a:lvl7pPr>
+              <a:defRPr sz="1600"/>
+            </a:lvl7pPr>
+            <a:lvl8pPr>
+              <a:defRPr sz="1600"/>
+            </a:lvl8pPr>
+            <a:lvl9pPr>
+              <a:defRPr sz="1600"/>
+            </a:lvl9pPr>
+          </a:lstStyle>
           <a:p>
             <a:pPr lvl="0"/>
             <a:r>
@@ -1591,7 +2161,7 @@
               <a:rPr lang="en-US" smtClean="0"/>
               <a:t>Fifth level</a:t>
             </a:r>
-            <a:endParaRPr lang="en-SG"/>
+            <a:endParaRPr lang="en-US" dirty="0"/>
           </a:p>
         </p:txBody>
       </p:sp>
@@ -1612,7 +2182,7 @@
           <a:p>
             <a:fld id="{EDC85F88-DEE8-4C33-BF3F-E4E9FCBA1085}" type="datetimeFigureOut">
               <a:rPr lang="en-SG" smtClean="0"/>
-              <a:t>21/5/16</a:t>
+              <a:t>4/6/2016</a:t>
             </a:fld>
             <a:endParaRPr lang="en-SG"/>
           </a:p>
@@ -1663,7 +2233,7 @@
     </p:spTree>
     <p:extLst>
       <p:ext uri="{BB962C8B-B14F-4D97-AF65-F5344CB8AC3E}">
-        <p14:creationId xmlns:p14="http://schemas.microsoft.com/office/powerpoint/2010/main" val="1830311034"/>
+        <p14:creationId xmlns:p14="http://schemas.microsoft.com/office/powerpoint/2010/main" val="893196733"/>
       </p:ext>
     </p:extLst>
   </p:cSld>
@@ -1692,7 +2262,7 @@
       </p:grpSpPr>
       <p:sp>
         <p:nvSpPr>
-          <p:cNvPr id="2" name="Title 1"/>
+          <p:cNvPr id="6" name="Title 5"/>
           <p:cNvSpPr>
             <a:spLocks noGrp="1"/>
           </p:cNvSpPr>
@@ -1709,7 +2279,7 @@
               <a:rPr lang="en-US" smtClean="0"/>
               <a:t>Click to edit Master title style</a:t>
             </a:r>
-            <a:endParaRPr lang="en-SG"/>
+            <a:endParaRPr lang="en-US" dirty="0"/>
           </a:p>
         </p:txBody>
       </p:sp>
@@ -1730,7 +2300,7 @@
           <a:p>
             <a:fld id="{EDC85F88-DEE8-4C33-BF3F-E4E9FCBA1085}" type="datetimeFigureOut">
               <a:rPr lang="en-SG" smtClean="0"/>
-              <a:t>21/5/16</a:t>
+              <a:t>4/6/2016</a:t>
             </a:fld>
             <a:endParaRPr lang="en-SG"/>
           </a:p>
@@ -1781,7 +2351,7 @@
     </p:spTree>
     <p:extLst>
       <p:ext uri="{BB962C8B-B14F-4D97-AF65-F5344CB8AC3E}">
-        <p14:creationId xmlns:p14="http://schemas.microsoft.com/office/powerpoint/2010/main" val="3348207125"/>
+        <p14:creationId xmlns:p14="http://schemas.microsoft.com/office/powerpoint/2010/main" val="4082649528"/>
       </p:ext>
     </p:extLst>
   </p:cSld>
@@ -1825,7 +2395,7 @@
           <a:p>
             <a:fld id="{EDC85F88-DEE8-4C33-BF3F-E4E9FCBA1085}" type="datetimeFigureOut">
               <a:rPr lang="en-SG" smtClean="0"/>
-              <a:t>21/5/16</a:t>
+              <a:t>4/6/2016</a:t>
             </a:fld>
             <a:endParaRPr lang="en-SG"/>
           </a:p>
@@ -1876,7 +2446,7 @@
     </p:spTree>
     <p:extLst>
       <p:ext uri="{BB962C8B-B14F-4D97-AF65-F5344CB8AC3E}">
-        <p14:creationId xmlns:p14="http://schemas.microsoft.com/office/powerpoint/2010/main" val="2256413992"/>
+        <p14:creationId xmlns:p14="http://schemas.microsoft.com/office/powerpoint/2010/main" val="1114950740"/>
       </p:ext>
     </p:extLst>
   </p:cSld>
@@ -1887,7 +2457,7 @@
 </file>
 
 <file path=ppt/slideLayouts/slideLayout8.xml><?xml version="1.0" encoding="utf-8"?>
-<p:sldLayout xmlns:a="http://schemas.openxmlformats.org/drawingml/2006/main" xmlns:r="http://schemas.openxmlformats.org/officeDocument/2006/relationships" xmlns:p="http://schemas.openxmlformats.org/presentationml/2006/main" type="objTx" preserve="1">
+<p:sldLayout xmlns:a="http://schemas.openxmlformats.org/drawingml/2006/main" xmlns:r="http://schemas.openxmlformats.org/officeDocument/2006/relationships" xmlns:p="http://schemas.openxmlformats.org/presentationml/2006/main" showMasterSp="0" type="objTx" preserve="1">
   <p:cSld name="Content with Caption">
     <p:spTree>
       <p:nvGrpSpPr>
@@ -1905,25 +2475,84 @@
       </p:grpSpPr>
       <p:sp>
         <p:nvSpPr>
-          <p:cNvPr id="2" name="Title 1"/>
-          <p:cNvSpPr>
-            <a:spLocks noGrp="1"/>
-          </p:cNvSpPr>
-          <p:nvPr>
-            <p:ph type="title"/>
-          </p:nvPr>
+          <p:cNvPr id="8" name="Rectangle 7"/>
+          <p:cNvSpPr/>
+          <p:nvPr/>
         </p:nvSpPr>
         <p:spPr>
           <a:xfrm>
-            <a:off x="839788" y="457200"/>
-            <a:ext cx="3932237" cy="1600200"/>
+            <a:off x="8303740" y="0"/>
+            <a:ext cx="3888259" cy="6857999"/>
+          </a:xfrm>
+          <a:prstGeom prst="rect">
+            <a:avLst/>
+          </a:prstGeom>
+          <a:blipFill dpi="0" rotWithShape="1">
+            <a:blip r:embed="rId2">
+              <a:alphaModFix amt="60000"/>
+              <a:lum bright="70000" contrast="-70000"/>
+              <a:extLst>
+                <a:ext uri="{BEBA8EAE-BF5A-486C-A8C5-ECC9F3942E4B}">
+                  <a14:imgProps xmlns:a14="http://schemas.microsoft.com/office/drawing/2010/main">
+                    <a14:imgLayer r:embed="rId3">
+                      <a14:imgEffect>
+                        <a14:sharpenSoften amount="61000"/>
+                      </a14:imgEffect>
+                    </a14:imgLayer>
+                  </a14:imgProps>
+                </a:ext>
+                <a:ext uri="{28A0092B-C50C-407E-A947-70E740481C1C}">
+                  <a14:useLocalDpi xmlns:a14="http://schemas.microsoft.com/office/drawing/2010/main" val="0"/>
+                </a:ext>
+              </a:extLst>
+            </a:blip>
+            <a:srcRect/>
+            <a:tile tx="0" ty="-704850" sx="92000" sy="89000" flip="xy" algn="ctr"/>
+          </a:blipFill>
+          <a:ln>
+            <a:noFill/>
+          </a:ln>
+        </p:spPr>
+        <p:style>
+          <a:lnRef idx="2">
+            <a:schemeClr val="accent1">
+              <a:shade val="50000"/>
+            </a:schemeClr>
+          </a:lnRef>
+          <a:fillRef idx="1">
+            <a:schemeClr val="accent1"/>
+          </a:fillRef>
+          <a:effectRef idx="0">
+            <a:schemeClr val="accent1"/>
+          </a:effectRef>
+          <a:fontRef idx="minor">
+            <a:schemeClr val="lt1"/>
+          </a:fontRef>
+        </p:style>
+      </p:sp>
+      <p:sp>
+        <p:nvSpPr>
+          <p:cNvPr id="2" name="Title 1"/>
+          <p:cNvSpPr>
+            <a:spLocks noGrp="1"/>
+          </p:cNvSpPr>
+          <p:nvPr>
+            <p:ph type="title"/>
+          </p:nvPr>
+        </p:nvSpPr>
+        <p:spPr>
+          <a:xfrm>
+            <a:off x="8549640" y="685800"/>
+            <a:ext cx="3200400" cy="1737360"/>
           </a:xfrm>
         </p:spPr>
         <p:txBody>
-          <a:bodyPr anchor="b"/>
+          <a:bodyPr anchor="b">
+            <a:normAutofit/>
+          </a:bodyPr>
           <a:lstStyle>
             <a:lvl1pPr>
-              <a:defRPr sz="3200"/>
+              <a:defRPr sz="3200" b="1"/>
             </a:lvl1pPr>
           </a:lstStyle>
           <a:p>
@@ -1931,7 +2560,7 @@
               <a:rPr lang="en-US" smtClean="0"/>
               <a:t>Click to edit Master title style</a:t>
             </a:r>
-            <a:endParaRPr lang="en-SG"/>
+            <a:endParaRPr lang="en-US" dirty="0"/>
           </a:p>
         </p:txBody>
       </p:sp>
@@ -1947,39 +2576,39 @@
         </p:nvSpPr>
         <p:spPr>
           <a:xfrm>
-            <a:off x="5183188" y="987425"/>
-            <a:ext cx="6172200" cy="4873625"/>
+            <a:off x="838200" y="685800"/>
+            <a:ext cx="6711696" cy="5020056"/>
           </a:xfrm>
         </p:spPr>
         <p:txBody>
           <a:bodyPr/>
           <a:lstStyle>
             <a:lvl1pPr>
-              <a:defRPr sz="3200"/>
+              <a:defRPr sz="2000"/>
             </a:lvl1pPr>
             <a:lvl2pPr>
-              <a:defRPr sz="2800"/>
+              <a:defRPr sz="1800"/>
             </a:lvl2pPr>
             <a:lvl3pPr>
-              <a:defRPr sz="2400"/>
+              <a:defRPr sz="1600"/>
             </a:lvl3pPr>
             <a:lvl4pPr>
-              <a:defRPr sz="2000"/>
+              <a:defRPr sz="1600"/>
             </a:lvl4pPr>
             <a:lvl5pPr>
-              <a:defRPr sz="2000"/>
+              <a:defRPr sz="1600"/>
             </a:lvl5pPr>
             <a:lvl6pPr>
-              <a:defRPr sz="2000"/>
+              <a:defRPr sz="1600"/>
             </a:lvl6pPr>
             <a:lvl7pPr>
-              <a:defRPr sz="2000"/>
+              <a:defRPr sz="1600"/>
             </a:lvl7pPr>
             <a:lvl8pPr>
-              <a:defRPr sz="2000"/>
+              <a:defRPr sz="1600"/>
             </a:lvl8pPr>
             <a:lvl9pPr>
-              <a:defRPr sz="2000"/>
+              <a:defRPr sz="1600"/>
             </a:lvl9pPr>
           </a:lstStyle>
           <a:p>
@@ -2016,7 +2645,7 @@
               <a:rPr lang="en-US" smtClean="0"/>
               <a:t>Fifth level</a:t>
             </a:r>
-            <a:endParaRPr lang="en-SG"/>
+            <a:endParaRPr lang="en-US" dirty="0"/>
           </a:p>
         </p:txBody>
       </p:sp>
@@ -2032,48 +2661,62 @@
         </p:nvSpPr>
         <p:spPr>
           <a:xfrm>
-            <a:off x="839788" y="2057400"/>
-            <a:ext cx="3932237" cy="3811588"/>
+            <a:off x="8549640" y="2423160"/>
+            <a:ext cx="3200400" cy="3291840"/>
           </a:xfrm>
         </p:spPr>
         <p:txBody>
-          <a:bodyPr/>
+          <a:bodyPr>
+            <a:normAutofit/>
+          </a:bodyPr>
           <a:lstStyle>
             <a:lvl1pPr marL="0" indent="0">
-              <a:buNone/>
-              <a:defRPr sz="1600"/>
+              <a:lnSpc>
+                <a:spcPct val="100000"/>
+              </a:lnSpc>
+              <a:spcBef>
+                <a:spcPts val="1000"/>
+              </a:spcBef>
+              <a:buNone/>
+              <a:defRPr sz="1400">
+                <a:solidFill>
+                  <a:schemeClr val="accent1">
+                    <a:lumMod val="75000"/>
+                  </a:schemeClr>
+                </a:solidFill>
+              </a:defRPr>
             </a:lvl1pPr>
             <a:lvl2pPr marL="457200" indent="0">
               <a:buNone/>
-              <a:defRPr sz="1400"/>
+              <a:defRPr sz="1200"/>
             </a:lvl2pPr>
             <a:lvl3pPr marL="914400" indent="0">
               <a:buNone/>
-              <a:defRPr sz="1200"/>
+              <a:defRPr sz="1000"/>
             </a:lvl3pPr>
             <a:lvl4pPr marL="1371600" indent="0">
               <a:buNone/>
-              <a:defRPr sz="1000"/>
+              <a:defRPr sz="900"/>
             </a:lvl4pPr>
             <a:lvl5pPr marL="1828800" indent="0">
               <a:buNone/>
-              <a:defRPr sz="1000"/>
+              <a:defRPr sz="900"/>
             </a:lvl5pPr>
             <a:lvl6pPr marL="2286000" indent="0">
               <a:buNone/>
-              <a:defRPr sz="1000"/>
+              <a:defRPr sz="900"/>
             </a:lvl6pPr>
             <a:lvl7pPr marL="2743200" indent="0">
               <a:buNone/>
-              <a:defRPr sz="1000"/>
+              <a:defRPr sz="900"/>
             </a:lvl7pPr>
             <a:lvl8pPr marL="3200400" indent="0">
               <a:buNone/>
-              <a:defRPr sz="1000"/>
+              <a:defRPr sz="900"/>
             </a:lvl8pPr>
             <a:lvl9pPr marL="3657600" indent="0">
               <a:buNone/>
-              <a:defRPr sz="1000"/>
+              <a:defRPr sz="900"/>
             </a:lvl9pPr>
           </a:lstStyle>
           <a:p>
@@ -2102,7 +2745,7 @@
           <a:p>
             <a:fld id="{EDC85F88-DEE8-4C33-BF3F-E4E9FCBA1085}" type="datetimeFigureOut">
               <a:rPr lang="en-SG" smtClean="0"/>
-              <a:t>21/5/16</a:t>
+              <a:t>4/6/2016</a:t>
             </a:fld>
             <a:endParaRPr lang="en-SG"/>
           </a:p>
@@ -2127,6 +2770,95 @@
           </a:p>
         </p:txBody>
       </p:sp>
+      <p:grpSp>
+        <p:nvGrpSpPr>
+          <p:cNvPr id="9" name="Group 8"/>
+          <p:cNvGrpSpPr>
+            <a:grpSpLocks noChangeAspect="1"/>
+          </p:cNvGrpSpPr>
+          <p:nvPr/>
+        </p:nvGrpSpPr>
+        <p:grpSpPr>
+          <a:xfrm>
+            <a:off x="11401725" y="6229681"/>
+            <a:ext cx="457200" cy="457200"/>
+            <a:chOff x="11361456" y="6195813"/>
+            <a:chExt cx="548640" cy="548640"/>
+          </a:xfrm>
+        </p:grpSpPr>
+        <p:sp>
+          <p:nvSpPr>
+            <p:cNvPr id="10" name="Oval 9"/>
+            <p:cNvSpPr/>
+            <p:nvPr/>
+          </p:nvSpPr>
+          <p:spPr>
+            <a:xfrm>
+              <a:off x="11361456" y="6195813"/>
+              <a:ext cx="548640" cy="548640"/>
+            </a:xfrm>
+            <a:prstGeom prst="ellipse">
+              <a:avLst/>
+            </a:prstGeom>
+            <a:blipFill dpi="0" rotWithShape="1">
+              <a:blip r:embed="rId4">
+                <a:duotone>
+                  <a:schemeClr val="accent1">
+                    <a:shade val="45000"/>
+                    <a:satMod val="135000"/>
+                  </a:schemeClr>
+                  <a:prstClr val="white"/>
+                </a:duotone>
+                <a:extLst>
+                  <a:ext uri="{BEBA8EAE-BF5A-486C-A8C5-ECC9F3942E4B}">
+                    <a14:imgProps xmlns:a14="http://schemas.microsoft.com/office/drawing/2010/main">
+                      <a14:imgLayer r:embed="rId5">
+                        <a14:imgEffect>
+                          <a14:saturation sat="95000"/>
+                        </a14:imgEffect>
+                        <a14:imgEffect>
+                          <a14:brightnessContrast bright="-40000" contrast="20000"/>
+                        </a14:imgEffect>
+                      </a14:imgLayer>
+                    </a14:imgProps>
+                  </a:ext>
+                </a:extLst>
+              </a:blip>
+              <a:srcRect/>
+              <a:tile tx="50800" ty="0" sx="85000" sy="85000" flip="none" algn="tl"/>
+            </a:blipFill>
+            <a:ln w="25400" cap="flat" cmpd="sng" algn="ctr">
+              <a:noFill/>
+              <a:prstDash val="solid"/>
+            </a:ln>
+            <a:effectLst/>
+          </p:spPr>
+        </p:sp>
+        <p:sp>
+          <p:nvSpPr>
+            <p:cNvPr id="11" name="Oval 10"/>
+            <p:cNvSpPr/>
+            <p:nvPr/>
+          </p:nvSpPr>
+          <p:spPr>
+            <a:xfrm>
+              <a:off x="11396488" y="6230844"/>
+              <a:ext cx="478576" cy="478578"/>
+            </a:xfrm>
+            <a:prstGeom prst="ellipse">
+              <a:avLst/>
+            </a:prstGeom>
+            <a:noFill/>
+            <a:ln w="12700" cap="flat" cmpd="sng" algn="ctr">
+              <a:solidFill>
+                <a:sysClr val="window" lastClr="FFFFFF"/>
+              </a:solidFill>
+              <a:prstDash val="solid"/>
+            </a:ln>
+            <a:effectLst/>
+          </p:spPr>
+        </p:sp>
+      </p:grpSp>
       <p:sp>
         <p:nvSpPr>
           <p:cNvPr id="7" name="Slide Number Placeholder 6"/>
@@ -2153,7 +2885,7 @@
     </p:spTree>
     <p:extLst>
       <p:ext uri="{BB962C8B-B14F-4D97-AF65-F5344CB8AC3E}">
-        <p14:creationId xmlns:p14="http://schemas.microsoft.com/office/powerpoint/2010/main" val="3798941779"/>
+        <p14:creationId xmlns:p14="http://schemas.microsoft.com/office/powerpoint/2010/main" val="1851641785"/>
       </p:ext>
     </p:extLst>
   </p:cSld>
@@ -2164,7 +2896,7 @@
 </file>
 
 <file path=ppt/slideLayouts/slideLayout9.xml><?xml version="1.0" encoding="utf-8"?>
-<p:sldLayout xmlns:a="http://schemas.openxmlformats.org/drawingml/2006/main" xmlns:r="http://schemas.openxmlformats.org/officeDocument/2006/relationships" xmlns:p="http://schemas.openxmlformats.org/presentationml/2006/main" type="picTx" preserve="1">
+<p:sldLayout xmlns:a="http://schemas.openxmlformats.org/drawingml/2006/main" xmlns:r="http://schemas.openxmlformats.org/officeDocument/2006/relationships" xmlns:p="http://schemas.openxmlformats.org/presentationml/2006/main" showMasterSp="0" type="picTx" preserve="1">
   <p:cSld name="Picture with Caption">
     <p:spTree>
       <p:nvGrpSpPr>
@@ -2182,25 +2914,84 @@
       </p:grpSpPr>
       <p:sp>
         <p:nvSpPr>
-          <p:cNvPr id="2" name="Title 1"/>
-          <p:cNvSpPr>
-            <a:spLocks noGrp="1"/>
-          </p:cNvSpPr>
-          <p:nvPr>
-            <p:ph type="title"/>
-          </p:nvPr>
+          <p:cNvPr id="11" name="Rectangle 10"/>
+          <p:cNvSpPr/>
+          <p:nvPr/>
         </p:nvSpPr>
         <p:spPr>
           <a:xfrm>
-            <a:off x="839788" y="457200"/>
-            <a:ext cx="3932237" cy="1600200"/>
+            <a:off x="8303740" y="0"/>
+            <a:ext cx="3888259" cy="6857999"/>
+          </a:xfrm>
+          <a:prstGeom prst="rect">
+            <a:avLst/>
+          </a:prstGeom>
+          <a:blipFill dpi="0" rotWithShape="1">
+            <a:blip r:embed="rId2">
+              <a:alphaModFix amt="60000"/>
+              <a:lum bright="70000" contrast="-70000"/>
+              <a:extLst>
+                <a:ext uri="{BEBA8EAE-BF5A-486C-A8C5-ECC9F3942E4B}">
+                  <a14:imgProps xmlns:a14="http://schemas.microsoft.com/office/drawing/2010/main">
+                    <a14:imgLayer r:embed="rId3">
+                      <a14:imgEffect>
+                        <a14:sharpenSoften amount="61000"/>
+                      </a14:imgEffect>
+                    </a14:imgLayer>
+                  </a14:imgProps>
+                </a:ext>
+                <a:ext uri="{28A0092B-C50C-407E-A947-70E740481C1C}">
+                  <a14:useLocalDpi xmlns:a14="http://schemas.microsoft.com/office/drawing/2010/main" val="0"/>
+                </a:ext>
+              </a:extLst>
+            </a:blip>
+            <a:srcRect/>
+            <a:tile tx="0" ty="-704850" sx="92000" sy="89000" flip="xy" algn="ctr"/>
+          </a:blipFill>
+          <a:ln>
+            <a:noFill/>
+          </a:ln>
+        </p:spPr>
+        <p:style>
+          <a:lnRef idx="2">
+            <a:schemeClr val="accent1">
+              <a:shade val="50000"/>
+            </a:schemeClr>
+          </a:lnRef>
+          <a:fillRef idx="1">
+            <a:schemeClr val="accent1"/>
+          </a:fillRef>
+          <a:effectRef idx="0">
+            <a:schemeClr val="accent1"/>
+          </a:effectRef>
+          <a:fontRef idx="minor">
+            <a:schemeClr val="lt1"/>
+          </a:fontRef>
+        </p:style>
+      </p:sp>
+      <p:sp>
+        <p:nvSpPr>
+          <p:cNvPr id="2" name="Title 1"/>
+          <p:cNvSpPr>
+            <a:spLocks noGrp="1"/>
+          </p:cNvSpPr>
+          <p:nvPr>
+            <p:ph type="title"/>
+          </p:nvPr>
+        </p:nvSpPr>
+        <p:spPr>
+          <a:xfrm>
+            <a:off x="8549640" y="685800"/>
+            <a:ext cx="3200400" cy="1737360"/>
           </a:xfrm>
         </p:spPr>
         <p:txBody>
-          <a:bodyPr anchor="b"/>
+          <a:bodyPr anchor="b">
+            <a:normAutofit/>
+          </a:bodyPr>
           <a:lstStyle>
             <a:lvl1pPr>
-              <a:defRPr sz="3200"/>
+              <a:defRPr sz="3200" b="1"/>
             </a:lvl1pPr>
           </a:lstStyle>
           <a:p>
@@ -2208,7 +2999,7 @@
               <a:rPr lang="en-US" smtClean="0"/>
               <a:t>Click to edit Master title style</a:t>
             </a:r>
-            <a:endParaRPr lang="en-SG"/>
+            <a:endParaRPr lang="en-US" dirty="0"/>
           </a:p>
         </p:txBody>
       </p:sp>
@@ -2216,7 +3007,7 @@
         <p:nvSpPr>
           <p:cNvPr id="3" name="Picture Placeholder 2"/>
           <p:cNvSpPr>
-            <a:spLocks noGrp="1"/>
+            <a:spLocks noGrp="1" noChangeAspect="1"/>
           </p:cNvSpPr>
           <p:nvPr>
             <p:ph type="pic" idx="1"/>
@@ -2224,12 +3015,18 @@
         </p:nvSpPr>
         <p:spPr>
           <a:xfrm>
-            <a:off x="5183188" y="987425"/>
-            <a:ext cx="6172200" cy="4873625"/>
+            <a:off x="0" y="0"/>
+            <a:ext cx="8303740" cy="6858000"/>
           </a:xfrm>
+          <a:solidFill>
+            <a:schemeClr val="tx2">
+              <a:lumMod val="20000"/>
+              <a:lumOff val="80000"/>
+            </a:schemeClr>
+          </a:solidFill>
         </p:spPr>
         <p:txBody>
-          <a:bodyPr/>
+          <a:bodyPr anchor="t"/>
           <a:lstStyle>
             <a:lvl1pPr marL="0" indent="0">
               <a:buNone/>
@@ -2269,7 +3066,11 @@
             </a:lvl9pPr>
           </a:lstStyle>
           <a:p>
-            <a:endParaRPr lang="en-SG"/>
+            <a:r>
+              <a:rPr lang="en-US" smtClean="0"/>
+              <a:t>Click icon to add picture</a:t>
+            </a:r>
+            <a:endParaRPr lang="en-US" dirty="0"/>
           </a:p>
         </p:txBody>
       </p:sp>
@@ -2285,48 +3086,62 @@
         </p:nvSpPr>
         <p:spPr>
           <a:xfrm>
-            <a:off x="839788" y="2057400"/>
-            <a:ext cx="3932237" cy="3811588"/>
+            <a:off x="8549640" y="2423160"/>
+            <a:ext cx="3200400" cy="3291840"/>
           </a:xfrm>
         </p:spPr>
         <p:txBody>
-          <a:bodyPr/>
+          <a:bodyPr>
+            <a:normAutofit/>
+          </a:bodyPr>
           <a:lstStyle>
             <a:lvl1pPr marL="0" indent="0">
-              <a:buNone/>
-              <a:defRPr sz="1600"/>
+              <a:lnSpc>
+                <a:spcPct val="100000"/>
+              </a:lnSpc>
+              <a:spcBef>
+                <a:spcPts val="1000"/>
+              </a:spcBef>
+              <a:buNone/>
+              <a:defRPr sz="1400">
+                <a:solidFill>
+                  <a:schemeClr val="accent1">
+                    <a:lumMod val="75000"/>
+                  </a:schemeClr>
+                </a:solidFill>
+              </a:defRPr>
             </a:lvl1pPr>
             <a:lvl2pPr marL="457200" indent="0">
               <a:buNone/>
-              <a:defRPr sz="1400"/>
+              <a:defRPr sz="1200"/>
             </a:lvl2pPr>
             <a:lvl3pPr marL="914400" indent="0">
               <a:buNone/>
-              <a:defRPr sz="1200"/>
+              <a:defRPr sz="1000"/>
             </a:lvl3pPr>
             <a:lvl4pPr marL="1371600" indent="0">
               <a:buNone/>
-              <a:defRPr sz="1000"/>
+              <a:defRPr sz="900"/>
             </a:lvl4pPr>
             <a:lvl5pPr marL="1828800" indent="0">
               <a:buNone/>
-              <a:defRPr sz="1000"/>
+              <a:defRPr sz="900"/>
             </a:lvl5pPr>
             <a:lvl6pPr marL="2286000" indent="0">
               <a:buNone/>
-              <a:defRPr sz="1000"/>
+              <a:defRPr sz="900"/>
             </a:lvl6pPr>
             <a:lvl7pPr marL="2743200" indent="0">
               <a:buNone/>
-              <a:defRPr sz="1000"/>
+              <a:defRPr sz="900"/>
             </a:lvl7pPr>
             <a:lvl8pPr marL="3200400" indent="0">
               <a:buNone/>
-              <a:defRPr sz="1000"/>
+              <a:defRPr sz="900"/>
             </a:lvl8pPr>
             <a:lvl9pPr marL="3657600" indent="0">
               <a:buNone/>
-              <a:defRPr sz="1000"/>
+              <a:defRPr sz="900"/>
             </a:lvl9pPr>
           </a:lstStyle>
           <a:p>
@@ -2355,31 +3170,101 @@
           <a:p>
             <a:fld id="{EDC85F88-DEE8-4C33-BF3F-E4E9FCBA1085}" type="datetimeFigureOut">
               <a:rPr lang="en-SG" smtClean="0"/>
-              <a:t>21/5/16</a:t>
+              <a:t>4/6/2016</a:t>
             </a:fld>
             <a:endParaRPr lang="en-SG"/>
           </a:p>
         </p:txBody>
       </p:sp>
-      <p:sp>
-        <p:nvSpPr>
-          <p:cNvPr id="6" name="Footer Placeholder 5"/>
-          <p:cNvSpPr>
-            <a:spLocks noGrp="1"/>
-          </p:cNvSpPr>
-          <p:nvPr>
-            <p:ph type="ftr" sz="quarter" idx="11"/>
-          </p:nvPr>
-        </p:nvSpPr>
-        <p:spPr/>
-        <p:txBody>
-          <a:bodyPr/>
-          <a:lstStyle/>
-          <a:p>
-            <a:endParaRPr lang="en-SG"/>
-          </a:p>
-        </p:txBody>
-      </p:sp>
+      <p:grpSp>
+        <p:nvGrpSpPr>
+          <p:cNvPr id="8" name="Group 7"/>
+          <p:cNvGrpSpPr>
+            <a:grpSpLocks noChangeAspect="1"/>
+          </p:cNvGrpSpPr>
+          <p:nvPr/>
+        </p:nvGrpSpPr>
+        <p:grpSpPr>
+          <a:xfrm>
+            <a:off x="11401725" y="6229681"/>
+            <a:ext cx="457200" cy="457200"/>
+            <a:chOff x="11361456" y="6195813"/>
+            <a:chExt cx="548640" cy="548640"/>
+          </a:xfrm>
+        </p:grpSpPr>
+        <p:sp>
+          <p:nvSpPr>
+            <p:cNvPr id="9" name="Oval 8"/>
+            <p:cNvSpPr/>
+            <p:nvPr/>
+          </p:nvSpPr>
+          <p:spPr>
+            <a:xfrm>
+              <a:off x="11361456" y="6195813"/>
+              <a:ext cx="548640" cy="548640"/>
+            </a:xfrm>
+            <a:prstGeom prst="ellipse">
+              <a:avLst/>
+            </a:prstGeom>
+            <a:blipFill dpi="0" rotWithShape="1">
+              <a:blip r:embed="rId4">
+                <a:duotone>
+                  <a:schemeClr val="accent1">
+                    <a:shade val="45000"/>
+                    <a:satMod val="135000"/>
+                  </a:schemeClr>
+                  <a:prstClr val="white"/>
+                </a:duotone>
+                <a:extLst>
+                  <a:ext uri="{BEBA8EAE-BF5A-486C-A8C5-ECC9F3942E4B}">
+                    <a14:imgProps xmlns:a14="http://schemas.microsoft.com/office/drawing/2010/main">
+                      <a14:imgLayer r:embed="rId5">
+                        <a14:imgEffect>
+                          <a14:saturation sat="95000"/>
+                        </a14:imgEffect>
+                        <a14:imgEffect>
+                          <a14:brightnessContrast bright="-40000" contrast="20000"/>
+                        </a14:imgEffect>
+                      </a14:imgLayer>
+                    </a14:imgProps>
+                  </a:ext>
+                </a:extLst>
+              </a:blip>
+              <a:srcRect/>
+              <a:tile tx="50800" ty="0" sx="85000" sy="85000" flip="none" algn="tl"/>
+            </a:blipFill>
+            <a:ln w="25400" cap="flat" cmpd="sng" algn="ctr">
+              <a:noFill/>
+              <a:prstDash val="solid"/>
+            </a:ln>
+            <a:effectLst/>
+          </p:spPr>
+        </p:sp>
+        <p:sp>
+          <p:nvSpPr>
+            <p:cNvPr id="10" name="Oval 9"/>
+            <p:cNvSpPr/>
+            <p:nvPr/>
+          </p:nvSpPr>
+          <p:spPr>
+            <a:xfrm>
+              <a:off x="11396488" y="6230844"/>
+              <a:ext cx="478576" cy="478578"/>
+            </a:xfrm>
+            <a:prstGeom prst="ellipse">
+              <a:avLst/>
+            </a:prstGeom>
+            <a:noFill/>
+            <a:ln w="12700" cap="flat" cmpd="sng" algn="ctr">
+              <a:solidFill>
+                <a:sysClr val="window" lastClr="FFFFFF"/>
+              </a:solidFill>
+              <a:prstDash val="solid"/>
+            </a:ln>
+            <a:effectLst/>
+          </p:spPr>
+        </p:sp>
+      </p:grpSp>
       <p:sp>
         <p:nvSpPr>
           <p:cNvPr id="7" name="Slide Number Placeholder 6"/>
@@ -2406,7 +3291,7 @@
     </p:spTree>
     <p:extLst>
       <p:ext uri="{BB962C8B-B14F-4D97-AF65-F5344CB8AC3E}">
-        <p14:creationId xmlns:p14="http://schemas.microsoft.com/office/powerpoint/2010/main" val="328321307"/>
+        <p14:creationId xmlns:p14="http://schemas.microsoft.com/office/powerpoint/2010/main" val="3971177923"/>
       </p:ext>
     </p:extLst>
   </p:cSld>
@@ -2450,8 +3335,8 @@
         </p:nvSpPr>
         <p:spPr>
           <a:xfrm>
-            <a:off x="838200" y="365125"/>
-            <a:ext cx="10515600" cy="1325563"/>
+            <a:off x="1069848" y="484632"/>
+            <a:ext cx="10058400" cy="1609344"/>
           </a:xfrm>
           <a:prstGeom prst="rect">
             <a:avLst/>
@@ -2467,7 +3352,7 @@
               <a:rPr lang="en-US" smtClean="0"/>
               <a:t>Click to edit Master title style</a:t>
             </a:r>
-            <a:endParaRPr lang="en-SG"/>
+            <a:endParaRPr lang="en-US" dirty="0"/>
           </a:p>
         </p:txBody>
       </p:sp>
@@ -2483,8 +3368,8 @@
         </p:nvSpPr>
         <p:spPr>
           <a:xfrm>
-            <a:off x="838200" y="1825625"/>
-            <a:ext cx="10515600" cy="4351338"/>
+            <a:off x="1069848" y="2121408"/>
+            <a:ext cx="10058400" cy="4050792"/>
           </a:xfrm>
           <a:prstGeom prst="rect">
             <a:avLst/>
@@ -2529,7 +3414,7 @@
               <a:rPr lang="en-US" smtClean="0"/>
               <a:t>Fifth level</a:t>
             </a:r>
-            <a:endParaRPr lang="en-SG"/>
+            <a:endParaRPr lang="en-US" dirty="0"/>
           </a:p>
         </p:txBody>
       </p:sp>
@@ -2545,8 +3430,8 @@
         </p:nvSpPr>
         <p:spPr>
           <a:xfrm>
-            <a:off x="838200" y="6356350"/>
-            <a:ext cx="2743200" cy="365125"/>
+            <a:off x="7964424" y="6272784"/>
+            <a:ext cx="3273552" cy="365125"/>
           </a:xfrm>
           <a:prstGeom prst="rect">
             <a:avLst/>
@@ -2555,12 +3440,10 @@
         <p:txBody>
           <a:bodyPr vert="horz" lIns="91440" tIns="45720" rIns="91440" bIns="45720" rtlCol="0" anchor="ctr"/>
           <a:lstStyle>
-            <a:lvl1pPr algn="l">
-              <a:defRPr sz="1200">
+            <a:lvl1pPr algn="r">
+              <a:defRPr sz="1100">
                 <a:solidFill>
-                  <a:schemeClr val="tx1">
-                    <a:tint val="75000"/>
-                  </a:schemeClr>
+                  <a:schemeClr val="tx2"/>
                 </a:solidFill>
               </a:defRPr>
             </a:lvl1pPr>
@@ -2568,7 +3451,7 @@
           <a:p>
             <a:fld id="{EDC85F88-DEE8-4C33-BF3F-E4E9FCBA1085}" type="datetimeFigureOut">
               <a:rPr lang="en-SG" smtClean="0"/>
-              <a:t>21/5/16</a:t>
+              <a:t>4/6/2016</a:t>
             </a:fld>
             <a:endParaRPr lang="en-SG"/>
           </a:p>
@@ -2586,8 +3469,8 @@
         </p:nvSpPr>
         <p:spPr>
           <a:xfrm>
-            <a:off x="4038600" y="6356350"/>
-            <a:ext cx="4114800" cy="365125"/>
+            <a:off x="1088136" y="6272784"/>
+            <a:ext cx="6327648" cy="365125"/>
           </a:xfrm>
           <a:prstGeom prst="rect">
             <a:avLst/>
@@ -2596,12 +3479,10 @@
         <p:txBody>
           <a:bodyPr vert="horz" lIns="91440" tIns="45720" rIns="91440" bIns="45720" rtlCol="0" anchor="ctr"/>
           <a:lstStyle>
-            <a:lvl1pPr algn="ctr">
-              <a:defRPr sz="1200">
+            <a:lvl1pPr algn="l">
+              <a:defRPr sz="1100">
                 <a:solidFill>
-                  <a:schemeClr val="tx1">
-                    <a:tint val="75000"/>
-                  </a:schemeClr>
+                  <a:schemeClr val="tx2"/>
                 </a:solidFill>
               </a:defRPr>
             </a:lvl1pPr>
@@ -2611,6 +3492,95 @@
           </a:p>
         </p:txBody>
       </p:sp>
+      <p:grpSp>
+        <p:nvGrpSpPr>
+          <p:cNvPr id="7" name="Group 6"/>
+          <p:cNvGrpSpPr>
+            <a:grpSpLocks noChangeAspect="1"/>
+          </p:cNvGrpSpPr>
+          <p:nvPr/>
+        </p:nvGrpSpPr>
+        <p:grpSpPr>
+          <a:xfrm>
+            <a:off x="11401725" y="6229681"/>
+            <a:ext cx="457200" cy="457200"/>
+            <a:chOff x="11361456" y="6195813"/>
+            <a:chExt cx="548640" cy="548640"/>
+          </a:xfrm>
+        </p:grpSpPr>
+        <p:sp>
+          <p:nvSpPr>
+            <p:cNvPr id="8" name="Oval 7"/>
+            <p:cNvSpPr/>
+            <p:nvPr/>
+          </p:nvSpPr>
+          <p:spPr>
+            <a:xfrm>
+              <a:off x="11361456" y="6195813"/>
+              <a:ext cx="548640" cy="548640"/>
+            </a:xfrm>
+            <a:prstGeom prst="ellipse">
+              <a:avLst/>
+            </a:prstGeom>
+            <a:blipFill dpi="0" rotWithShape="1">
+              <a:blip r:embed="rId13">
+                <a:duotone>
+                  <a:schemeClr val="accent1">
+                    <a:shade val="45000"/>
+                    <a:satMod val="135000"/>
+                  </a:schemeClr>
+                  <a:prstClr val="white"/>
+                </a:duotone>
+                <a:extLst>
+                  <a:ext uri="{BEBA8EAE-BF5A-486C-A8C5-ECC9F3942E4B}">
+                    <a14:imgProps xmlns:a14="http://schemas.microsoft.com/office/drawing/2010/main">
+                      <a14:imgLayer r:embed="rId14">
+                        <a14:imgEffect>
+                          <a14:saturation sat="95000"/>
+                        </a14:imgEffect>
+                        <a14:imgEffect>
+                          <a14:brightnessContrast bright="-40000" contrast="20000"/>
+                        </a14:imgEffect>
+                      </a14:imgLayer>
+                    </a14:imgProps>
+                  </a:ext>
+                </a:extLst>
+              </a:blip>
+              <a:srcRect/>
+              <a:tile tx="50800" ty="0" sx="85000" sy="85000" flip="none" algn="tl"/>
+            </a:blipFill>
+            <a:ln w="25400" cap="flat" cmpd="sng" algn="ctr">
+              <a:noFill/>
+              <a:prstDash val="solid"/>
+            </a:ln>
+            <a:effectLst/>
+          </p:spPr>
+        </p:sp>
+        <p:sp>
+          <p:nvSpPr>
+            <p:cNvPr id="9" name="Oval 8"/>
+            <p:cNvSpPr/>
+            <p:nvPr/>
+          </p:nvSpPr>
+          <p:spPr>
+            <a:xfrm>
+              <a:off x="11396488" y="6230844"/>
+              <a:ext cx="478576" cy="478578"/>
+            </a:xfrm>
+            <a:prstGeom prst="ellipse">
+              <a:avLst/>
+            </a:prstGeom>
+            <a:noFill/>
+            <a:ln w="12700" cap="flat" cmpd="sng" algn="ctr">
+              <a:solidFill>
+                <a:srgbClr val="FFFFFF"/>
+              </a:solidFill>
+              <a:prstDash val="solid"/>
+            </a:ln>
+            <a:effectLst/>
+          </p:spPr>
+        </p:sp>
+      </p:grpSp>
       <p:sp>
         <p:nvSpPr>
           <p:cNvPr id="6" name="Slide Number Placeholder 5"/>
@@ -2623,8 +3593,8 @@
         </p:nvSpPr>
         <p:spPr>
           <a:xfrm>
-            <a:off x="8610600" y="6356350"/>
-            <a:ext cx="2743200" cy="365125"/>
+            <a:off x="11311128" y="6272784"/>
+            <a:ext cx="640080" cy="365125"/>
           </a:xfrm>
           <a:prstGeom prst="rect">
             <a:avLst/>
@@ -2633,13 +3603,12 @@
         <p:txBody>
           <a:bodyPr vert="horz" lIns="91440" tIns="45720" rIns="91440" bIns="45720" rtlCol="0" anchor="ctr"/>
           <a:lstStyle>
-            <a:lvl1pPr algn="r">
-              <a:defRPr sz="1200">
+            <a:lvl1pPr algn="ctr">
+              <a:defRPr sz="1400" b="1">
                 <a:solidFill>
-                  <a:schemeClr val="tx1">
-                    <a:tint val="75000"/>
-                  </a:schemeClr>
+                  <a:srgbClr val="FFFFFF"/>
                 </a:solidFill>
+                <a:latin typeface="+mj-lt"/>
               </a:defRPr>
             </a:lvl1pPr>
           </a:lstStyle>
@@ -2655,23 +3624,23 @@
     </p:spTree>
     <p:extLst>
       <p:ext uri="{BB962C8B-B14F-4D97-AF65-F5344CB8AC3E}">
-        <p14:creationId xmlns:p14="http://schemas.microsoft.com/office/powerpoint/2010/main" val="2858934179"/>
+        <p14:creationId xmlns:p14="http://schemas.microsoft.com/office/powerpoint/2010/main" val="3974779459"/>
       </p:ext>
     </p:extLst>
   </p:cSld>
   <p:clrMap bg1="lt1" tx1="dk1" bg2="lt2" tx2="dk2" accent1="accent1" accent2="accent2" accent3="accent3" accent4="accent4" accent5="accent5" accent6="accent6" hlink="hlink" folHlink="folHlink"/>
   <p:sldLayoutIdLst>
-    <p:sldLayoutId id="2147483649" r:id="rId1"/>
-    <p:sldLayoutId id="2147483650" r:id="rId2"/>
-    <p:sldLayoutId id="2147483651" r:id="rId3"/>
-    <p:sldLayoutId id="2147483652" r:id="rId4"/>
-    <p:sldLayoutId id="2147483653" r:id="rId5"/>
-    <p:sldLayoutId id="2147483654" r:id="rId6"/>
-    <p:sldLayoutId id="2147483655" r:id="rId7"/>
-    <p:sldLayoutId id="2147483656" r:id="rId8"/>
-    <p:sldLayoutId id="2147483657" r:id="rId9"/>
-    <p:sldLayoutId id="2147483658" r:id="rId10"/>
-    <p:sldLayoutId id="2147483659" r:id="rId11"/>
+    <p:sldLayoutId id="2147483803" r:id="rId1"/>
+    <p:sldLayoutId id="2147483804" r:id="rId2"/>
+    <p:sldLayoutId id="2147483805" r:id="rId3"/>
+    <p:sldLayoutId id="2147483806" r:id="rId4"/>
+    <p:sldLayoutId id="2147483807" r:id="rId5"/>
+    <p:sldLayoutId id="2147483808" r:id="rId6"/>
+    <p:sldLayoutId id="2147483809" r:id="rId7"/>
+    <p:sldLayoutId id="2147483810" r:id="rId8"/>
+    <p:sldLayoutId id="2147483811" r:id="rId9"/>
+    <p:sldLayoutId id="2147483812" r:id="rId10"/>
+    <p:sldLayoutId id="2147483813" r:id="rId11"/>
   </p:sldLayoutIdLst>
   <p:txStyles>
     <p:titleStyle>
@@ -2683,10 +3652,17 @@
           <a:spcPct val="0"/>
         </a:spcBef>
         <a:buNone/>
-        <a:defRPr sz="4400" kern="1200">
-          <a:solidFill>
-            <a:schemeClr val="tx1"/>
-          </a:solidFill>
+        <a:defRPr sz="5400" kern="1200" cap="all" baseline="0">
+          <a:blipFill>
+            <a:blip r:embed="rId15">
+              <a:extLst>
+                <a:ext uri="{28A0092B-C50C-407E-A947-70E740481C1C}">
+                  <a14:useLocalDpi xmlns:a14="http://schemas.microsoft.com/office/drawing/2010/main" val="0"/>
+                </a:ext>
+              </a:extLst>
+            </a:blip>
+            <a:tile tx="6350" ty="-127000" sx="65000" sy="64000" flip="none" algn="tl"/>
+          </a:blipFill>
           <a:latin typeface="+mj-lt"/>
           <a:ea typeface="+mj-ea"/>
           <a:cs typeface="+mj-cs"/>
@@ -2694,16 +3670,22 @@
       </a:lvl1pPr>
     </p:titleStyle>
     <p:bodyStyle>
-      <a:lvl1pPr marL="228600" indent="-228600" algn="l" defTabSz="914400" rtl="0" eaLnBrk="1" latinLnBrk="0" hangingPunct="1">
+      <a:lvl1pPr marL="182880" indent="-182880" algn="l" defTabSz="914400" rtl="0" eaLnBrk="1" latinLnBrk="0" hangingPunct="1">
         <a:lnSpc>
           <a:spcPct val="90000"/>
         </a:lnSpc>
         <a:spcBef>
-          <a:spcPts val="1000"/>
+          <a:spcPts val="1200"/>
         </a:spcBef>
-        <a:buFont typeface="Arial" panose="020B0604020202020204" pitchFamily="34" charset="0"/>
-        <a:buChar char="•"/>
-        <a:defRPr sz="2800" kern="1200">
+        <a:buClr>
+          <a:schemeClr val="accent1">
+            <a:lumMod val="75000"/>
+          </a:schemeClr>
+        </a:buClr>
+        <a:buSzPct val="85000"/>
+        <a:buFont typeface="Wingdings" pitchFamily="2" charset="2"/>
+        <a:buChar char="§"/>
+        <a:defRPr sz="2000" kern="1200">
           <a:solidFill>
             <a:schemeClr val="tx1"/>
           </a:solidFill>
@@ -2712,16 +3694,25 @@
           <a:cs typeface="+mn-cs"/>
         </a:defRPr>
       </a:lvl1pPr>
-      <a:lvl2pPr marL="685800" indent="-228600" algn="l" defTabSz="914400" rtl="0" eaLnBrk="1" latinLnBrk="0" hangingPunct="1">
+      <a:lvl2pPr marL="457200" indent="-182880" algn="l" defTabSz="914400" rtl="0" eaLnBrk="1" latinLnBrk="0" hangingPunct="1">
         <a:lnSpc>
           <a:spcPct val="90000"/>
         </a:lnSpc>
         <a:spcBef>
-          <a:spcPts val="500"/>
+          <a:spcPts val="400"/>
         </a:spcBef>
-        <a:buFont typeface="Arial" panose="020B0604020202020204" pitchFamily="34" charset="0"/>
-        <a:buChar char="•"/>
-        <a:defRPr sz="2400" kern="1200">
+        <a:spcAft>
+          <a:spcPts val="200"/>
+        </a:spcAft>
+        <a:buClr>
+          <a:schemeClr val="accent1">
+            <a:lumMod val="75000"/>
+          </a:schemeClr>
+        </a:buClr>
+        <a:buSzPct val="85000"/>
+        <a:buFont typeface="Wingdings" pitchFamily="2" charset="2"/>
+        <a:buChar char="§"/>
+        <a:defRPr sz="1800" kern="1200">
           <a:solidFill>
             <a:schemeClr val="tx1"/>
           </a:solidFill>
@@ -2730,16 +3721,25 @@
           <a:cs typeface="+mn-cs"/>
         </a:defRPr>
       </a:lvl2pPr>
-      <a:lvl3pPr marL="1143000" indent="-228600" algn="l" defTabSz="914400" rtl="0" eaLnBrk="1" latinLnBrk="0" hangingPunct="1">
+      <a:lvl3pPr marL="731520" indent="-182880" algn="l" defTabSz="914400" rtl="0" eaLnBrk="1" latinLnBrk="0" hangingPunct="1">
         <a:lnSpc>
           <a:spcPct val="90000"/>
         </a:lnSpc>
         <a:spcBef>
-          <a:spcPts val="500"/>
+          <a:spcPts val="400"/>
         </a:spcBef>
-        <a:buFont typeface="Arial" panose="020B0604020202020204" pitchFamily="34" charset="0"/>
-        <a:buChar char="•"/>
-        <a:defRPr sz="2000" kern="1200">
+        <a:spcAft>
+          <a:spcPts val="200"/>
+        </a:spcAft>
+        <a:buClr>
+          <a:schemeClr val="accent1">
+            <a:lumMod val="75000"/>
+          </a:schemeClr>
+        </a:buClr>
+        <a:buSzPct val="85000"/>
+        <a:buFont typeface="Wingdings" pitchFamily="2" charset="2"/>
+        <a:buChar char="§"/>
+        <a:defRPr sz="1600" kern="1200">
           <a:solidFill>
             <a:schemeClr val="tx1"/>
           </a:solidFill>
@@ -2748,16 +3748,25 @@
           <a:cs typeface="+mn-cs"/>
         </a:defRPr>
       </a:lvl3pPr>
-      <a:lvl4pPr marL="1600200" indent="-228600" algn="l" defTabSz="914400" rtl="0" eaLnBrk="1" latinLnBrk="0" hangingPunct="1">
+      <a:lvl4pPr marL="1005840" indent="-182880" algn="l" defTabSz="914400" rtl="0" eaLnBrk="1" latinLnBrk="0" hangingPunct="1">
         <a:lnSpc>
           <a:spcPct val="90000"/>
         </a:lnSpc>
         <a:spcBef>
-          <a:spcPts val="500"/>
+          <a:spcPts val="400"/>
         </a:spcBef>
-        <a:buFont typeface="Arial" panose="020B0604020202020204" pitchFamily="34" charset="0"/>
-        <a:buChar char="•"/>
-        <a:defRPr sz="1800" kern="1200">
+        <a:spcAft>
+          <a:spcPts val="200"/>
+        </a:spcAft>
+        <a:buClr>
+          <a:schemeClr val="accent1">
+            <a:lumMod val="75000"/>
+          </a:schemeClr>
+        </a:buClr>
+        <a:buSzPct val="85000"/>
+        <a:buFont typeface="Wingdings" pitchFamily="2" charset="2"/>
+        <a:buChar char="§"/>
+        <a:defRPr sz="1600" kern="1200">
           <a:solidFill>
             <a:schemeClr val="tx1"/>
           </a:solidFill>
@@ -2766,16 +3775,25 @@
           <a:cs typeface="+mn-cs"/>
         </a:defRPr>
       </a:lvl4pPr>
-      <a:lvl5pPr marL="2057400" indent="-228600" algn="l" defTabSz="914400" rtl="0" eaLnBrk="1" latinLnBrk="0" hangingPunct="1">
+      <a:lvl5pPr marL="1280160" indent="-182880" algn="l" defTabSz="914400" rtl="0" eaLnBrk="1" latinLnBrk="0" hangingPunct="1">
         <a:lnSpc>
           <a:spcPct val="90000"/>
         </a:lnSpc>
         <a:spcBef>
-          <a:spcPts val="500"/>
+          <a:spcPts val="400"/>
         </a:spcBef>
-        <a:buFont typeface="Arial" panose="020B0604020202020204" pitchFamily="34" charset="0"/>
-        <a:buChar char="•"/>
-        <a:defRPr sz="1800" kern="1200">
+        <a:spcAft>
+          <a:spcPts val="200"/>
+        </a:spcAft>
+        <a:buClr>
+          <a:schemeClr val="accent1">
+            <a:lumMod val="75000"/>
+          </a:schemeClr>
+        </a:buClr>
+        <a:buSzPct val="85000"/>
+        <a:buFont typeface="Wingdings" pitchFamily="2" charset="2"/>
+        <a:buChar char="§"/>
+        <a:defRPr sz="1600" kern="1200">
           <a:solidFill>
             <a:schemeClr val="tx1"/>
           </a:solidFill>
@@ -2784,16 +3802,25 @@
           <a:cs typeface="+mn-cs"/>
         </a:defRPr>
       </a:lvl5pPr>
-      <a:lvl6pPr marL="2514600" indent="-228600" algn="l" defTabSz="914400" rtl="0" eaLnBrk="1" latinLnBrk="0" hangingPunct="1">
+      <a:lvl6pPr marL="1600000" indent="-228600" algn="l" defTabSz="914400" rtl="0" eaLnBrk="1" latinLnBrk="0" hangingPunct="1">
         <a:lnSpc>
           <a:spcPct val="90000"/>
         </a:lnSpc>
         <a:spcBef>
-          <a:spcPts val="500"/>
+          <a:spcPts val="400"/>
         </a:spcBef>
-        <a:buFont typeface="Arial" panose="020B0604020202020204" pitchFamily="34" charset="0"/>
-        <a:buChar char="•"/>
-        <a:defRPr sz="1800" kern="1200">
+        <a:spcAft>
+          <a:spcPts val="200"/>
+        </a:spcAft>
+        <a:buClr>
+          <a:schemeClr val="accent1">
+            <a:lumMod val="75000"/>
+          </a:schemeClr>
+        </a:buClr>
+        <a:buSzPct val="85000"/>
+        <a:buFont typeface="Wingdings" pitchFamily="2" charset="2"/>
+        <a:buChar char="§"/>
+        <a:defRPr sz="1600" kern="1200">
           <a:solidFill>
             <a:schemeClr val="tx1"/>
           </a:solidFill>
@@ -2802,16 +3829,25 @@
           <a:cs typeface="+mn-cs"/>
         </a:defRPr>
       </a:lvl6pPr>
-      <a:lvl7pPr marL="2971800" indent="-228600" algn="l" defTabSz="914400" rtl="0" eaLnBrk="1" latinLnBrk="0" hangingPunct="1">
+      <a:lvl7pPr marL="1900000" indent="-228600" algn="l" defTabSz="914400" rtl="0" eaLnBrk="1" latinLnBrk="0" hangingPunct="1">
         <a:lnSpc>
           <a:spcPct val="90000"/>
         </a:lnSpc>
         <a:spcBef>
-          <a:spcPts val="500"/>
+          <a:spcPts val="400"/>
         </a:spcBef>
-        <a:buFont typeface="Arial" panose="020B0604020202020204" pitchFamily="34" charset="0"/>
-        <a:buChar char="•"/>
-        <a:defRPr sz="1800" kern="1200">
+        <a:spcAft>
+          <a:spcPts val="200"/>
+        </a:spcAft>
+        <a:buClr>
+          <a:schemeClr val="accent1">
+            <a:lumMod val="75000"/>
+          </a:schemeClr>
+        </a:buClr>
+        <a:buSzPct val="85000"/>
+        <a:buFont typeface="Wingdings" pitchFamily="2" charset="2"/>
+        <a:buChar char="§"/>
+        <a:defRPr sz="1600" kern="1200">
           <a:solidFill>
             <a:schemeClr val="tx1"/>
           </a:solidFill>
@@ -2820,16 +3856,25 @@
           <a:cs typeface="+mn-cs"/>
         </a:defRPr>
       </a:lvl7pPr>
-      <a:lvl8pPr marL="3429000" indent="-228600" algn="l" defTabSz="914400" rtl="0" eaLnBrk="1" latinLnBrk="0" hangingPunct="1">
+      <a:lvl8pPr marL="2200000" indent="-228600" algn="l" defTabSz="914400" rtl="0" eaLnBrk="1" latinLnBrk="0" hangingPunct="1">
         <a:lnSpc>
           <a:spcPct val="90000"/>
         </a:lnSpc>
         <a:spcBef>
-          <a:spcPts val="500"/>
+          <a:spcPts val="400"/>
         </a:spcBef>
-        <a:buFont typeface="Arial" panose="020B0604020202020204" pitchFamily="34" charset="0"/>
-        <a:buChar char="•"/>
-        <a:defRPr sz="1800" kern="1200">
+        <a:spcAft>
+          <a:spcPts val="200"/>
+        </a:spcAft>
+        <a:buClr>
+          <a:schemeClr val="accent1">
+            <a:lumMod val="75000"/>
+          </a:schemeClr>
+        </a:buClr>
+        <a:buSzPct val="85000"/>
+        <a:buFont typeface="Wingdings" pitchFamily="2" charset="2"/>
+        <a:buChar char="§"/>
+        <a:defRPr sz="1600" kern="1200">
           <a:solidFill>
             <a:schemeClr val="tx1"/>
           </a:solidFill>
@@ -2838,16 +3883,25 @@
           <a:cs typeface="+mn-cs"/>
         </a:defRPr>
       </a:lvl8pPr>
-      <a:lvl9pPr marL="3886200" indent="-228600" algn="l" defTabSz="914400" rtl="0" eaLnBrk="1" latinLnBrk="0" hangingPunct="1">
+      <a:lvl9pPr marL="2500000" indent="-228600" algn="l" defTabSz="914400" rtl="0" eaLnBrk="1" latinLnBrk="0" hangingPunct="1">
         <a:lnSpc>
           <a:spcPct val="90000"/>
         </a:lnSpc>
         <a:spcBef>
-          <a:spcPts val="500"/>
+          <a:spcPts val="400"/>
         </a:spcBef>
-        <a:buFont typeface="Arial" panose="020B0604020202020204" pitchFamily="34" charset="0"/>
-        <a:buChar char="•"/>
-        <a:defRPr sz="1800" kern="1200">
+        <a:spcAft>
+          <a:spcPts val="200"/>
+        </a:spcAft>
+        <a:buClr>
+          <a:schemeClr val="accent1">
+            <a:lumMod val="75000"/>
+          </a:schemeClr>
+        </a:buClr>
+        <a:buSzPct val="85000"/>
+        <a:buFont typeface="Wingdings" pitchFamily="2" charset="2"/>
+        <a:buChar char="§"/>
+        <a:defRPr sz="1600" kern="1200">
           <a:solidFill>
             <a:schemeClr val="tx1"/>
           </a:solidFill>
@@ -3013,7 +4067,7 @@
         <p:spPr/>
         <p:txBody>
           <a:bodyPr>
-            <a:normAutofit lnSpcReduction="10000"/>
+            <a:normAutofit fontScale="55000" lnSpcReduction="20000"/>
           </a:bodyPr>
           <a:lstStyle/>
           <a:p>
@@ -3117,326 +4171,275 @@
       </p:sp>
       <p:grpSp>
         <p:nvGrpSpPr>
-          <p:cNvPr id="41" name="Group 40"/>
+          <p:cNvPr id="9" name="Group 8"/>
           <p:cNvGrpSpPr/>
           <p:nvPr/>
         </p:nvGrpSpPr>
         <p:grpSpPr>
           <a:xfrm>
-            <a:off x="679704" y="1800416"/>
-            <a:ext cx="7879080" cy="4490656"/>
-            <a:chOff x="679704" y="1800416"/>
-            <a:chExt cx="7879080" cy="4490656"/>
+            <a:off x="679703" y="1808653"/>
+            <a:ext cx="9634069" cy="4023735"/>
+            <a:chOff x="679704" y="1808654"/>
+            <a:chExt cx="7879080" cy="3072452"/>
           </a:xfrm>
         </p:grpSpPr>
+        <p:cxnSp>
+          <p:nvCxnSpPr>
+            <p:cNvPr id="23" name="Straight Arrow Connector 22"/>
+            <p:cNvCxnSpPr/>
+            <p:nvPr/>
+          </p:nvCxnSpPr>
+          <p:spPr>
+            <a:xfrm flipH="1" flipV="1">
+              <a:off x="5802693" y="3215170"/>
+              <a:ext cx="739556" cy="525101"/>
+            </a:xfrm>
+            <a:prstGeom prst="straightConnector1">
+              <a:avLst/>
+            </a:prstGeom>
+            <a:ln w="38100">
+              <a:headEnd type="triangle"/>
+              <a:tailEnd type="triangle"/>
+            </a:ln>
+          </p:spPr>
+          <p:style>
+            <a:lnRef idx="1">
+              <a:schemeClr val="accent1"/>
+            </a:lnRef>
+            <a:fillRef idx="0">
+              <a:schemeClr val="accent1"/>
+            </a:fillRef>
+            <a:effectRef idx="0">
+              <a:schemeClr val="accent1"/>
+            </a:effectRef>
+            <a:fontRef idx="minor">
+              <a:schemeClr val="tx1"/>
+            </a:fontRef>
+          </p:style>
+        </p:cxnSp>
         <p:grpSp>
           <p:nvGrpSpPr>
-            <p:cNvPr id="37" name="Group 36"/>
+            <p:cNvPr id="8" name="Group 7"/>
             <p:cNvGrpSpPr/>
             <p:nvPr/>
           </p:nvGrpSpPr>
           <p:grpSpPr>
             <a:xfrm>
-              <a:off x="679704" y="1800416"/>
-              <a:ext cx="7879080" cy="4490656"/>
+              <a:off x="679704" y="1808654"/>
+              <a:ext cx="7879080" cy="3072452"/>
               <a:chOff x="679704" y="1800416"/>
-              <a:chExt cx="8330184" cy="5387387"/>
+              <a:chExt cx="7879080" cy="3072452"/>
             </a:xfrm>
           </p:grpSpPr>
           <p:grpSp>
             <p:nvGrpSpPr>
-              <p:cNvPr id="34" name="Group 33"/>
+              <p:cNvPr id="33" name="Group 32"/>
               <p:cNvGrpSpPr/>
               <p:nvPr/>
             </p:nvGrpSpPr>
             <p:grpSpPr>
               <a:xfrm>
                 <a:off x="679704" y="1800416"/>
-                <a:ext cx="8330184" cy="3685984"/>
+                <a:ext cx="7879080" cy="3072452"/>
                 <a:chOff x="679704" y="1800416"/>
-                <a:chExt cx="8330184" cy="3685984"/>
+                <a:chExt cx="9391396" cy="4028884"/>
               </a:xfrm>
             </p:grpSpPr>
-            <p:cxnSp>
-              <p:nvCxnSpPr>
-                <p:cNvPr id="23" name="Straight Arrow Connector 22"/>
-                <p:cNvCxnSpPr/>
-                <p:nvPr/>
-              </p:nvCxnSpPr>
-              <p:spPr>
-                <a:xfrm flipH="1" flipV="1">
-                  <a:off x="6096001" y="3497679"/>
-                  <a:ext cx="781898" cy="629958"/>
-                </a:xfrm>
-                <a:prstGeom prst="straightConnector1">
-                  <a:avLst/>
-                </a:prstGeom>
-                <a:ln w="38100">
-                  <a:headEnd type="triangle"/>
-                  <a:tailEnd type="triangle"/>
-                </a:ln>
-              </p:spPr>
-              <p:style>
-                <a:lnRef idx="1">
-                  <a:schemeClr val="accent1"/>
-                </a:lnRef>
-                <a:fillRef idx="0">
-                  <a:schemeClr val="accent1"/>
-                </a:fillRef>
-                <a:effectRef idx="0">
-                  <a:schemeClr val="accent1"/>
-                </a:effectRef>
-                <a:fontRef idx="minor">
-                  <a:schemeClr val="tx1"/>
-                </a:fontRef>
-              </p:style>
-            </p:cxnSp>
             <p:grpSp>
               <p:nvGrpSpPr>
-                <p:cNvPr id="33" name="Group 32"/>
+                <p:cNvPr id="4" name="Group 3"/>
                 <p:cNvGrpSpPr/>
                 <p:nvPr/>
               </p:nvGrpSpPr>
               <p:grpSpPr>
                 <a:xfrm>
                   <a:off x="679704" y="1800416"/>
-                  <a:ext cx="8330184" cy="3685984"/>
-                  <a:chOff x="679704" y="1800416"/>
-                  <a:chExt cx="9391396" cy="4028884"/>
+                  <a:ext cx="9391396" cy="4028884"/>
+                  <a:chOff x="711200" y="1473007"/>
+                  <a:chExt cx="5404104" cy="3236382"/>
                 </a:xfrm>
               </p:grpSpPr>
-              <p:grpSp>
-                <p:nvGrpSpPr>
-                  <p:cNvPr id="4" name="Group 3"/>
-                  <p:cNvGrpSpPr/>
+              <p:sp>
+                <p:nvSpPr>
+                  <p:cNvPr id="5" name="Rectangle 4"/>
+                  <p:cNvSpPr/>
                   <p:nvPr/>
-                </p:nvGrpSpPr>
-                <p:grpSpPr>
+                </p:nvSpPr>
+                <p:spPr>
                   <a:xfrm>
-                    <a:off x="679704" y="1800416"/>
-                    <a:ext cx="9391396" cy="4028884"/>
-                    <a:chOff x="711200" y="1473007"/>
-                    <a:chExt cx="5404104" cy="3236382"/>
+                    <a:off x="711200" y="3516363"/>
+                    <a:ext cx="1837968" cy="1193026"/>
                   </a:xfrm>
-                </p:grpSpPr>
-                <p:sp>
-                  <p:nvSpPr>
-                    <p:cNvPr id="5" name="Rectangle 4"/>
-                    <p:cNvSpPr/>
-                    <p:nvPr/>
-                  </p:nvSpPr>
-                  <p:spPr>
-                    <a:xfrm>
-                      <a:off x="711200" y="3516363"/>
-                      <a:ext cx="1837968" cy="1193026"/>
-                    </a:xfrm>
-                    <a:prstGeom prst="rect">
-                      <a:avLst/>
-                    </a:prstGeom>
-                    <a:solidFill>
-                      <a:schemeClr val="bg1"/>
-                    </a:solidFill>
-                  </p:spPr>
-                  <p:style>
-                    <a:lnRef idx="2">
-                      <a:schemeClr val="accent1">
-                        <a:shade val="50000"/>
-                      </a:schemeClr>
-                    </a:lnRef>
-                    <a:fillRef idx="1">
-                      <a:schemeClr val="accent1"/>
-                    </a:fillRef>
-                    <a:effectRef idx="0">
-                      <a:schemeClr val="accent1"/>
-                    </a:effectRef>
-                    <a:fontRef idx="minor">
-                      <a:schemeClr val="lt1"/>
-                    </a:fontRef>
-                  </p:style>
-                  <p:txBody>
-                    <a:bodyPr rtlCol="0" anchor="t"/>
-                    <a:lstStyle/>
-                    <a:p>
-                      <a:pPr algn="ctr"/>
-                      <a:r>
-                        <a:rPr lang="en-SG" dirty="0" smtClean="0">
-                          <a:solidFill>
-                            <a:schemeClr val="tx1"/>
-                          </a:solidFill>
-                        </a:rPr>
-                        <a:t>Interface Project</a:t>
-                      </a:r>
-                      <a:endParaRPr lang="en-SG" dirty="0">
+                  <a:prstGeom prst="rect">
+                    <a:avLst/>
+                  </a:prstGeom>
+                  <a:solidFill>
+                    <a:schemeClr val="bg1"/>
+                  </a:solidFill>
+                </p:spPr>
+                <p:style>
+                  <a:lnRef idx="2">
+                    <a:schemeClr val="accent1">
+                      <a:shade val="50000"/>
+                    </a:schemeClr>
+                  </a:lnRef>
+                  <a:fillRef idx="1">
+                    <a:schemeClr val="accent1"/>
+                  </a:fillRef>
+                  <a:effectRef idx="0">
+                    <a:schemeClr val="accent1"/>
+                  </a:effectRef>
+                  <a:fontRef idx="minor">
+                    <a:schemeClr val="lt1"/>
+                  </a:fontRef>
+                </p:style>
+                <p:txBody>
+                  <a:bodyPr rtlCol="0" anchor="t"/>
+                  <a:lstStyle/>
+                  <a:p>
+                    <a:pPr algn="ctr"/>
+                    <a:r>
+                      <a:rPr lang="en-SG" dirty="0" smtClean="0">
                         <a:solidFill>
                           <a:schemeClr val="tx1"/>
                         </a:solidFill>
-                      </a:endParaRPr>
-                    </a:p>
-                  </p:txBody>
-                </p:sp>
-                <p:sp>
-                  <p:nvSpPr>
-                    <p:cNvPr id="6" name="Rectangle 5"/>
-                    <p:cNvSpPr/>
-                    <p:nvPr/>
-                  </p:nvSpPr>
-                  <p:spPr>
-                    <a:xfrm>
-                      <a:off x="2649489" y="1473007"/>
-                      <a:ext cx="1771967" cy="1514820"/>
-                    </a:xfrm>
-                    <a:prstGeom prst="rect">
-                      <a:avLst/>
-                    </a:prstGeom>
-                    <a:solidFill>
-                      <a:schemeClr val="bg1"/>
-                    </a:solidFill>
-                  </p:spPr>
-                  <p:style>
-                    <a:lnRef idx="2">
-                      <a:schemeClr val="accent1">
-                        <a:shade val="50000"/>
-                      </a:schemeClr>
-                    </a:lnRef>
-                    <a:fillRef idx="1">
-                      <a:schemeClr val="accent1"/>
-                    </a:fillRef>
-                    <a:effectRef idx="0">
-                      <a:schemeClr val="accent1"/>
-                    </a:effectRef>
-                    <a:fontRef idx="minor">
-                      <a:schemeClr val="lt1"/>
-                    </a:fontRef>
-                  </p:style>
-                  <p:txBody>
-                    <a:bodyPr rtlCol="0" anchor="t"/>
-                    <a:lstStyle/>
-                    <a:p>
-                      <a:pPr algn="ctr"/>
-                      <a:r>
-                        <a:rPr lang="en-SG" dirty="0" smtClean="0">
-                          <a:solidFill>
-                            <a:schemeClr val="tx1"/>
-                          </a:solidFill>
-                        </a:rPr>
-                        <a:t>Service Host</a:t>
-                      </a:r>
-                      <a:endParaRPr lang="en-SG" dirty="0">
+                      </a:rPr>
+                      <a:t>Interface Project</a:t>
+                    </a:r>
+                    <a:endParaRPr lang="en-SG" dirty="0">
+                      <a:solidFill>
+                        <a:schemeClr val="tx1"/>
+                      </a:solidFill>
+                    </a:endParaRPr>
+                  </a:p>
+                </p:txBody>
+              </p:sp>
+              <p:sp>
+                <p:nvSpPr>
+                  <p:cNvPr id="6" name="Rectangle 5"/>
+                  <p:cNvSpPr/>
+                  <p:nvPr/>
+                </p:nvSpPr>
+                <p:spPr>
+                  <a:xfrm>
+                    <a:off x="2649489" y="1473007"/>
+                    <a:ext cx="1771967" cy="1514820"/>
+                  </a:xfrm>
+                  <a:prstGeom prst="rect">
+                    <a:avLst/>
+                  </a:prstGeom>
+                  <a:solidFill>
+                    <a:schemeClr val="bg1"/>
+                  </a:solidFill>
+                </p:spPr>
+                <p:style>
+                  <a:lnRef idx="2">
+                    <a:schemeClr val="accent1">
+                      <a:shade val="50000"/>
+                    </a:schemeClr>
+                  </a:lnRef>
+                  <a:fillRef idx="1">
+                    <a:schemeClr val="accent1"/>
+                  </a:fillRef>
+                  <a:effectRef idx="0">
+                    <a:schemeClr val="accent1"/>
+                  </a:effectRef>
+                  <a:fontRef idx="minor">
+                    <a:schemeClr val="lt1"/>
+                  </a:fontRef>
+                </p:style>
+                <p:txBody>
+                  <a:bodyPr rtlCol="0" anchor="t"/>
+                  <a:lstStyle/>
+                  <a:p>
+                    <a:pPr algn="ctr"/>
+                    <a:r>
+                      <a:rPr lang="en-SG" dirty="0" smtClean="0">
                         <a:solidFill>
                           <a:schemeClr val="tx1"/>
                         </a:solidFill>
-                      </a:endParaRPr>
-                    </a:p>
-                  </p:txBody>
-                </p:sp>
-                <p:sp>
-                  <p:nvSpPr>
-                    <p:cNvPr id="10" name="Rectangle 9"/>
-                    <p:cNvSpPr/>
-                    <p:nvPr/>
-                  </p:nvSpPr>
-                  <p:spPr>
-                    <a:xfrm>
-                      <a:off x="4421456" y="3516363"/>
-                      <a:ext cx="1693848" cy="1193026"/>
-                    </a:xfrm>
-                    <a:prstGeom prst="rect">
-                      <a:avLst/>
-                    </a:prstGeom>
-                    <a:solidFill>
-                      <a:schemeClr val="bg1"/>
-                    </a:solidFill>
-                  </p:spPr>
-                  <p:style>
-                    <a:lnRef idx="2">
-                      <a:schemeClr val="accent1">
-                        <a:shade val="50000"/>
-                      </a:schemeClr>
-                    </a:lnRef>
-                    <a:fillRef idx="1">
-                      <a:schemeClr val="accent1"/>
-                    </a:fillRef>
-                    <a:effectRef idx="0">
-                      <a:schemeClr val="accent1"/>
-                    </a:effectRef>
-                    <a:fontRef idx="minor">
-                      <a:schemeClr val="lt1"/>
-                    </a:fontRef>
-                  </p:style>
-                  <p:txBody>
-                    <a:bodyPr rtlCol="0" anchor="t"/>
-                    <a:lstStyle/>
-                    <a:p>
-                      <a:pPr algn="ctr"/>
-                      <a:r>
-                        <a:rPr lang="en-SG" dirty="0" smtClean="0">
-                          <a:solidFill>
-                            <a:schemeClr val="tx1"/>
-                          </a:solidFill>
-                        </a:rPr>
-                        <a:t>Services Project</a:t>
-                      </a:r>
-                      <a:endParaRPr lang="en-SG" dirty="0">
+                      </a:rPr>
+                      <a:t>Service Host</a:t>
+                    </a:r>
+                    <a:endParaRPr lang="en-SG" dirty="0">
+                      <a:solidFill>
+                        <a:schemeClr val="tx1"/>
+                      </a:solidFill>
+                    </a:endParaRPr>
+                  </a:p>
+                </p:txBody>
+              </p:sp>
+              <p:sp>
+                <p:nvSpPr>
+                  <p:cNvPr id="10" name="Rectangle 9"/>
+                  <p:cNvSpPr/>
+                  <p:nvPr/>
+                </p:nvSpPr>
+                <p:spPr>
+                  <a:xfrm>
+                    <a:off x="4421456" y="3516363"/>
+                    <a:ext cx="1693848" cy="1193026"/>
+                  </a:xfrm>
+                  <a:prstGeom prst="rect">
+                    <a:avLst/>
+                  </a:prstGeom>
+                  <a:solidFill>
+                    <a:schemeClr val="bg1"/>
+                  </a:solidFill>
+                </p:spPr>
+                <p:style>
+                  <a:lnRef idx="2">
+                    <a:schemeClr val="accent1">
+                      <a:shade val="50000"/>
+                    </a:schemeClr>
+                  </a:lnRef>
+                  <a:fillRef idx="1">
+                    <a:schemeClr val="accent1"/>
+                  </a:fillRef>
+                  <a:effectRef idx="0">
+                    <a:schemeClr val="accent1"/>
+                  </a:effectRef>
+                  <a:fontRef idx="minor">
+                    <a:schemeClr val="lt1"/>
+                  </a:fontRef>
+                </p:style>
+                <p:txBody>
+                  <a:bodyPr rtlCol="0" anchor="t"/>
+                  <a:lstStyle/>
+                  <a:p>
+                    <a:pPr algn="ctr"/>
+                    <a:r>
+                      <a:rPr lang="en-SG" dirty="0" smtClean="0">
                         <a:solidFill>
                           <a:schemeClr val="tx1"/>
                         </a:solidFill>
-                      </a:endParaRPr>
-                    </a:p>
-                  </p:txBody>
-                </p:sp>
-                <p:cxnSp>
-                  <p:nvCxnSpPr>
-                    <p:cNvPr id="15" name="Straight Arrow Connector 14"/>
-                    <p:cNvCxnSpPr/>
-                    <p:nvPr/>
-                  </p:nvCxnSpPr>
-                  <p:spPr>
-                    <a:xfrm flipV="1">
-                      <a:off x="2439063" y="3007303"/>
-                      <a:ext cx="420852" cy="509060"/>
-                    </a:xfrm>
-                    <a:prstGeom prst="straightConnector1">
-                      <a:avLst/>
-                    </a:prstGeom>
-                    <a:ln w="38100">
-                      <a:headEnd type="triangle"/>
-                      <a:tailEnd type="triangle"/>
-                    </a:ln>
-                  </p:spPr>
-                  <p:style>
-                    <a:lnRef idx="1">
-                      <a:schemeClr val="accent1"/>
-                    </a:lnRef>
-                    <a:fillRef idx="0">
-                      <a:schemeClr val="accent1"/>
-                    </a:fillRef>
-                    <a:effectRef idx="0">
-                      <a:schemeClr val="accent1"/>
-                    </a:effectRef>
-                    <a:fontRef idx="minor">
-                      <a:schemeClr val="tx1"/>
-                    </a:fontRef>
-                  </p:style>
-                </p:cxnSp>
-              </p:grpSp>
+                      </a:rPr>
+                      <a:t>Services Project</a:t>
+                    </a:r>
+                    <a:endParaRPr lang="en-SG" dirty="0">
+                      <a:solidFill>
+                        <a:schemeClr val="tx1"/>
+                      </a:solidFill>
+                    </a:endParaRPr>
+                  </a:p>
+                </p:txBody>
+              </p:sp>
               <p:cxnSp>
                 <p:nvCxnSpPr>
-                  <p:cNvPr id="30" name="Straight Arrow Connector 29"/>
-                  <p:cNvCxnSpPr>
-                    <a:stCxn id="5" idx="3"/>
-                    <a:endCxn id="10" idx="1"/>
-                  </p:cNvCxnSpPr>
+                  <p:cNvPr id="15" name="Straight Arrow Connector 14"/>
+                  <p:cNvCxnSpPr/>
                   <p:nvPr/>
                 </p:nvCxnSpPr>
                 <p:spPr>
-                  <a:xfrm>
-                    <a:off x="3873774" y="5086717"/>
-                    <a:ext cx="3253712" cy="0"/>
+                  <a:xfrm flipV="1">
+                    <a:off x="2439063" y="3007303"/>
+                    <a:ext cx="420852" cy="509060"/>
                   </a:xfrm>
                   <a:prstGeom prst="straightConnector1">
                     <a:avLst/>
                   </a:prstGeom>
                   <a:ln w="38100">
+                    <a:headEnd type="triangle"/>
                     <a:tailEnd type="triangle"/>
                   </a:ln>
                 </p:spPr>
@@ -3456,6 +4459,41 @@
                 </p:style>
               </p:cxnSp>
             </p:grpSp>
+            <p:cxnSp>
+              <p:nvCxnSpPr>
+                <p:cNvPr id="30" name="Straight Arrow Connector 29"/>
+                <p:cNvCxnSpPr>
+                  <a:endCxn id="5" idx="3"/>
+                </p:cNvCxnSpPr>
+                <p:nvPr/>
+              </p:nvCxnSpPr>
+              <p:spPr>
+                <a:xfrm flipH="1">
+                  <a:off x="3873774" y="5032695"/>
+                  <a:ext cx="3253712" cy="54023"/>
+                </a:xfrm>
+                <a:prstGeom prst="straightConnector1">
+                  <a:avLst/>
+                </a:prstGeom>
+                <a:ln w="38100">
+                  <a:tailEnd type="triangle"/>
+                </a:ln>
+              </p:spPr>
+              <p:style>
+                <a:lnRef idx="1">
+                  <a:schemeClr val="accent1"/>
+                </a:lnRef>
+                <a:fillRef idx="0">
+                  <a:schemeClr val="accent1"/>
+                </a:fillRef>
+                <a:effectRef idx="0">
+                  <a:schemeClr val="accent1"/>
+                </a:effectRef>
+                <a:fontRef idx="minor">
+                  <a:schemeClr val="tx1"/>
+                </a:fontRef>
+              </p:style>
+            </p:cxnSp>
           </p:grpSp>
           <p:sp>
             <p:nvSpPr>
@@ -3465,8 +4503,8 @@
             </p:nvSpPr>
             <p:spPr>
               <a:xfrm>
-                <a:off x="4061571" y="5895945"/>
-                <a:ext cx="1788604" cy="1291858"/>
+                <a:off x="1520076" y="4306569"/>
+                <a:ext cx="948940" cy="379248"/>
               </a:xfrm>
               <a:prstGeom prst="rect">
                 <a:avLst/>
@@ -3513,74 +4551,6 @@
             </p:txBody>
           </p:sp>
         </p:grpSp>
-        <p:cxnSp>
-          <p:nvCxnSpPr>
-            <p:cNvPr id="38" name="Straight Arrow Connector 37"/>
-            <p:cNvCxnSpPr/>
-            <p:nvPr/>
-          </p:nvCxnSpPr>
-          <p:spPr>
-            <a:xfrm flipV="1">
-              <a:off x="5475592" y="4730969"/>
-              <a:ext cx="613594" cy="483275"/>
-            </a:xfrm>
-            <a:prstGeom prst="straightConnector1">
-              <a:avLst/>
-            </a:prstGeom>
-            <a:ln w="38100">
-              <a:headEnd type="triangle"/>
-              <a:tailEnd type="triangle"/>
-            </a:ln>
-          </p:spPr>
-          <p:style>
-            <a:lnRef idx="1">
-              <a:schemeClr val="accent1"/>
-            </a:lnRef>
-            <a:fillRef idx="0">
-              <a:schemeClr val="accent1"/>
-            </a:fillRef>
-            <a:effectRef idx="0">
-              <a:schemeClr val="accent1"/>
-            </a:effectRef>
-            <a:fontRef idx="minor">
-              <a:schemeClr val="tx1"/>
-            </a:fontRef>
-          </p:style>
-        </p:cxnSp>
-        <p:cxnSp>
-          <p:nvCxnSpPr>
-            <p:cNvPr id="39" name="Straight Arrow Connector 38"/>
-            <p:cNvCxnSpPr/>
-            <p:nvPr/>
-          </p:nvCxnSpPr>
-          <p:spPr>
-            <a:xfrm flipH="1" flipV="1">
-              <a:off x="3359426" y="4849534"/>
-              <a:ext cx="608040" cy="364710"/>
-            </a:xfrm>
-            <a:prstGeom prst="straightConnector1">
-              <a:avLst/>
-            </a:prstGeom>
-            <a:ln w="38100">
-              <a:headEnd type="triangle"/>
-              <a:tailEnd type="triangle"/>
-            </a:ln>
-          </p:spPr>
-          <p:style>
-            <a:lnRef idx="1">
-              <a:schemeClr val="accent1"/>
-            </a:lnRef>
-            <a:fillRef idx="0">
-              <a:schemeClr val="accent1"/>
-            </a:fillRef>
-            <a:effectRef idx="0">
-              <a:schemeClr val="accent1"/>
-            </a:effectRef>
-            <a:fontRef idx="minor">
-              <a:schemeClr val="tx1"/>
-            </a:fontRef>
-          </p:style>
-        </p:cxnSp>
       </p:grpSp>
     </p:spTree>
     <p:extLst>
@@ -3663,33 +4633,20 @@
             </a:r>
             <a:r>
               <a:rPr lang="en-SG" dirty="0"/>
-              <a:t>level security using </a:t>
+              <a:t>level security </a:t>
             </a:r>
             <a:r>
               <a:rPr lang="en-SG" dirty="0" smtClean="0"/>
-              <a:t>certificate authentication</a:t>
-            </a:r>
+              <a:t>Mode</a:t>
+            </a:r>
+            <a:endParaRPr lang="en-SG" dirty="0" smtClean="0"/>
           </a:p>
           <a:p>
             <a:r>
               <a:rPr lang="en-SG" dirty="0" smtClean="0"/>
-              <a:t>Only authenticated clients can make call to service</a:t>
+              <a:t>Certificate : Client credential type</a:t>
             </a:r>
             <a:endParaRPr lang="en-SG" dirty="0" smtClean="0"/>
-          </a:p>
-          <a:p>
-            <a:r>
-              <a:rPr lang="en-SG" dirty="0" smtClean="0"/>
-              <a:t>Message Security Mode</a:t>
-            </a:r>
-          </a:p>
-          <a:p>
-            <a:pPr lvl="1"/>
-            <a:r>
-              <a:rPr lang="en-SG" dirty="0" smtClean="0"/>
-              <a:t>End-to-end encryption</a:t>
-            </a:r>
-            <a:endParaRPr lang="en-SG" dirty="0"/>
           </a:p>
         </p:txBody>
       </p:sp>
@@ -3775,9 +4732,30 @@
           </a:p>
           <a:p>
             <a:r>
+              <a:rPr lang="en-US" dirty="0"/>
+              <a:t>C</a:t>
+            </a:r>
+            <a:r>
               <a:rPr lang="en-US" dirty="0" smtClean="0"/>
-              <a:t>Authenticated client must invoke login with username and password</a:t>
-            </a:r>
+              <a:t>lient </a:t>
+            </a:r>
+            <a:r>
+              <a:rPr lang="en-US" dirty="0" smtClean="0"/>
+              <a:t>must invoke </a:t>
+            </a:r>
+            <a:r>
+              <a:rPr lang="en-US" dirty="0" smtClean="0"/>
+              <a:t>login(method) </a:t>
+            </a:r>
+            <a:r>
+              <a:rPr lang="en-US" dirty="0" smtClean="0"/>
+              <a:t>with username and </a:t>
+            </a:r>
+            <a:r>
+              <a:rPr lang="en-US" dirty="0" smtClean="0"/>
+              <a:t>password to be authenticated</a:t>
+            </a:r>
+            <a:endParaRPr lang="en-US" dirty="0" smtClean="0"/>
           </a:p>
           <a:p>
             <a:pPr lvl="1"/>
@@ -3789,7 +4767,15 @@
           <a:p>
             <a:r>
               <a:rPr lang="en-US" dirty="0" smtClean="0"/>
-              <a:t>Subsequent service calls will  use his user id and role access to determine his access to methods.</a:t>
+              <a:t>Subsequent service calls will  use his user id and role access to determine his access to </a:t>
+            </a:r>
+            <a:r>
+              <a:rPr lang="en-US" dirty="0" smtClean="0"/>
+              <a:t>service methods</a:t>
+            </a:r>
+            <a:r>
+              <a:rPr lang="en-US" dirty="0" smtClean="0"/>
+              <a:t>.</a:t>
             </a:r>
             <a:endParaRPr lang="en-US" dirty="0"/>
           </a:p>
@@ -3805,6 +4791,13 @@
   <p:clrMapOvr>
     <a:masterClrMapping/>
   </p:clrMapOvr>
+  <p:timing>
+    <p:tnLst>
+      <p:par>
+        <p:cTn id="1" dur="indefinite" restart="never" nodeType="tmRoot"/>
+      </p:par>
+    </p:tnLst>
+  </p:timing>
 </p:sld>
 </file>
 
@@ -3842,7 +4835,7 @@
           <a:p>
             <a:r>
               <a:rPr lang="en-SG" b="1" dirty="0" smtClean="0"/>
-              <a:t>Asynchronous</a:t>
+              <a:t>Logging</a:t>
             </a:r>
             <a:endParaRPr lang="en-SG" dirty="0"/>
           </a:p>
@@ -3888,13 +4881,296 @@
   <p:clrMapOvr>
     <a:masterClrMapping/>
   </p:clrMapOvr>
+  <p:timing>
+    <p:tnLst>
+      <p:par>
+        <p:cTn id="1" dur="indefinite" restart="never" nodeType="tmRoot"/>
+      </p:par>
+    </p:tnLst>
+  </p:timing>
+</p:sld>
+</file>
+
+<file path=ppt/slides/slide6.xml><?xml version="1.0" encoding="utf-8"?>
+<p:sld xmlns:a="http://schemas.openxmlformats.org/drawingml/2006/main" xmlns:r="http://schemas.openxmlformats.org/officeDocument/2006/relationships" xmlns:p="http://schemas.openxmlformats.org/presentationml/2006/main">
+  <p:cSld>
+    <p:spTree>
+      <p:nvGrpSpPr>
+        <p:cNvPr id="1" name=""/>
+        <p:cNvGrpSpPr/>
+        <p:nvPr/>
+      </p:nvGrpSpPr>
+      <p:grpSpPr>
+        <a:xfrm>
+          <a:off x="0" y="0"/>
+          <a:ext cx="0" cy="0"/>
+          <a:chOff x="0" y="0"/>
+          <a:chExt cx="0" cy="0"/>
+        </a:xfrm>
+      </p:grpSpPr>
+      <p:sp>
+        <p:nvSpPr>
+          <p:cNvPr id="2" name="Title 1"/>
+          <p:cNvSpPr>
+            <a:spLocks noGrp="1"/>
+          </p:cNvSpPr>
+          <p:nvPr>
+            <p:ph type="title"/>
+          </p:nvPr>
+        </p:nvSpPr>
+        <p:spPr/>
+        <p:txBody>
+          <a:bodyPr/>
+          <a:lstStyle/>
+          <a:p>
+            <a:r>
+              <a:rPr lang="en-US" dirty="0" smtClean="0"/>
+              <a:t>Services</a:t>
+            </a:r>
+            <a:endParaRPr lang="en-US" dirty="0"/>
+          </a:p>
+        </p:txBody>
+      </p:sp>
+      <p:sp>
+        <p:nvSpPr>
+          <p:cNvPr id="3" name="Content Placeholder 2"/>
+          <p:cNvSpPr>
+            <a:spLocks noGrp="1"/>
+          </p:cNvSpPr>
+          <p:nvPr>
+            <p:ph idx="1"/>
+          </p:nvPr>
+        </p:nvSpPr>
+        <p:spPr/>
+        <p:txBody>
+          <a:bodyPr/>
+          <a:lstStyle/>
+          <a:p>
+            <a:r>
+              <a:rPr lang="en-US" dirty="0" smtClean="0"/>
+              <a:t>Authentication </a:t>
+            </a:r>
+            <a:r>
+              <a:rPr lang="en-US" dirty="0"/>
+              <a:t>of User ID and </a:t>
+            </a:r>
+            <a:r>
+              <a:rPr lang="en-US" dirty="0" smtClean="0"/>
+              <a:t>password</a:t>
+            </a:r>
+          </a:p>
+          <a:p>
+            <a:pPr lvl="1"/>
+            <a:r>
+              <a:rPr lang="en-US" dirty="0" smtClean="0"/>
+              <a:t>Login service method</a:t>
+            </a:r>
+            <a:endParaRPr lang="en-US" dirty="0"/>
+          </a:p>
+          <a:p>
+            <a:r>
+              <a:rPr lang="en-US" dirty="0" smtClean="0"/>
+              <a:t>List </a:t>
+            </a:r>
+            <a:r>
+              <a:rPr lang="en-US" dirty="0"/>
+              <a:t>of courses taken by the </a:t>
+            </a:r>
+            <a:r>
+              <a:rPr lang="en-US" dirty="0" smtClean="0"/>
+              <a:t>student</a:t>
+            </a:r>
+          </a:p>
+          <a:p>
+            <a:pPr lvl="1"/>
+            <a:r>
+              <a:rPr lang="en-US" dirty="0" smtClean="0"/>
+              <a:t>Only student can invoke this service method : </a:t>
+            </a:r>
+            <a:r>
+              <a:rPr lang="en-US" dirty="0" err="1" smtClean="0"/>
+              <a:t>GetCourses</a:t>
+            </a:r>
+            <a:r>
+              <a:rPr lang="en-US" dirty="0" smtClean="0"/>
+              <a:t>()</a:t>
+            </a:r>
+            <a:endParaRPr lang="en-US" dirty="0"/>
+          </a:p>
+          <a:p>
+            <a:r>
+              <a:rPr lang="en-US" dirty="0" smtClean="0"/>
+              <a:t>List </a:t>
+            </a:r>
+            <a:r>
+              <a:rPr lang="en-US" dirty="0"/>
+              <a:t>of material for a particular </a:t>
+            </a:r>
+            <a:r>
+              <a:rPr lang="en-US" dirty="0" smtClean="0"/>
+              <a:t>course</a:t>
+            </a:r>
+          </a:p>
+          <a:p>
+            <a:pPr lvl="1"/>
+            <a:r>
+              <a:rPr lang="en-US" dirty="0"/>
+              <a:t>Only student can invoke this service </a:t>
+            </a:r>
+            <a:r>
+              <a:rPr lang="en-US" dirty="0" smtClean="0"/>
+              <a:t>method :</a:t>
+            </a:r>
+            <a:r>
+              <a:rPr lang="en-US" dirty="0" err="1"/>
+              <a:t>GetContentsByCourseSid</a:t>
+            </a:r>
+            <a:r>
+              <a:rPr lang="en-US" dirty="0"/>
+              <a:t>(</a:t>
+            </a:r>
+            <a:r>
+              <a:rPr lang="en-US" dirty="0" err="1"/>
+              <a:t>int</a:t>
+            </a:r>
+            <a:r>
+              <a:rPr lang="en-US" dirty="0"/>
+              <a:t> </a:t>
+            </a:r>
+            <a:r>
+              <a:rPr lang="en-US" dirty="0" err="1"/>
+              <a:t>courseSid</a:t>
+            </a:r>
+            <a:r>
+              <a:rPr lang="en-US" dirty="0"/>
+              <a:t>)</a:t>
+            </a:r>
+          </a:p>
+          <a:p>
+            <a:r>
+              <a:rPr lang="en-US" dirty="0" smtClean="0"/>
+              <a:t>Services </a:t>
+            </a:r>
+            <a:r>
+              <a:rPr lang="en-US" dirty="0"/>
+              <a:t>to allow quiz </a:t>
+            </a:r>
+            <a:r>
+              <a:rPr lang="en-US" dirty="0" smtClean="0"/>
+              <a:t>taking</a:t>
+            </a:r>
+          </a:p>
+          <a:p>
+            <a:pPr lvl="1"/>
+            <a:r>
+              <a:rPr lang="en-US" dirty="0"/>
+              <a:t>Only student can </a:t>
+            </a:r>
+            <a:r>
+              <a:rPr lang="en-US" dirty="0" smtClean="0"/>
+              <a:t>invoke.</a:t>
+            </a:r>
+          </a:p>
+          <a:p>
+            <a:pPr lvl="1"/>
+            <a:r>
+              <a:rPr lang="en-US" dirty="0" smtClean="0"/>
+              <a:t>2 service methods:</a:t>
+            </a:r>
+          </a:p>
+          <a:p>
+            <a:pPr lvl="2"/>
+            <a:r>
+              <a:rPr lang="en-US" dirty="0" err="1"/>
+              <a:t>GetNextQuizQuestionByCourseSid</a:t>
+            </a:r>
+            <a:r>
+              <a:rPr lang="en-US" dirty="0"/>
+              <a:t>(</a:t>
+            </a:r>
+            <a:r>
+              <a:rPr lang="en-US" dirty="0" err="1"/>
+              <a:t>int</a:t>
+            </a:r>
+            <a:r>
+              <a:rPr lang="en-US" dirty="0"/>
+              <a:t> </a:t>
+            </a:r>
+            <a:r>
+              <a:rPr lang="en-US" dirty="0" err="1"/>
+              <a:t>courseSid</a:t>
+            </a:r>
+            <a:r>
+              <a:rPr lang="en-US" dirty="0" smtClean="0"/>
+              <a:t>)</a:t>
+            </a:r>
+          </a:p>
+          <a:p>
+            <a:pPr lvl="2"/>
+            <a:r>
+              <a:rPr lang="en-US" dirty="0" err="1"/>
+              <a:t>AnswerQuiz</a:t>
+            </a:r>
+            <a:r>
+              <a:rPr lang="en-US" dirty="0"/>
+              <a:t>(</a:t>
+            </a:r>
+            <a:r>
+              <a:rPr lang="en-US" dirty="0" err="1"/>
+              <a:t>int</a:t>
+            </a:r>
+            <a:r>
+              <a:rPr lang="en-US" dirty="0"/>
+              <a:t> </a:t>
+            </a:r>
+            <a:r>
+              <a:rPr lang="en-US" dirty="0" err="1"/>
+              <a:t>quizQuestionSid</a:t>
+            </a:r>
+            <a:r>
+              <a:rPr lang="en-US" dirty="0"/>
+              <a:t>, </a:t>
+            </a:r>
+            <a:r>
+              <a:rPr lang="en-US" dirty="0" err="1"/>
+              <a:t>int</a:t>
+            </a:r>
+            <a:r>
+              <a:rPr lang="en-US" dirty="0"/>
+              <a:t> </a:t>
+            </a:r>
+            <a:r>
+              <a:rPr lang="en-US" dirty="0" err="1"/>
+              <a:t>quizOptionSid</a:t>
+            </a:r>
+            <a:r>
+              <a:rPr lang="en-US" dirty="0"/>
+              <a:t>)</a:t>
+            </a:r>
+            <a:endParaRPr lang="en-US" dirty="0" smtClean="0"/>
+          </a:p>
+          <a:p>
+            <a:endParaRPr lang="en-US" dirty="0"/>
+          </a:p>
+        </p:txBody>
+      </p:sp>
+    </p:spTree>
+    <p:extLst>
+      <p:ext uri="{BB962C8B-B14F-4D97-AF65-F5344CB8AC3E}">
+        <p14:creationId xmlns:p14="http://schemas.microsoft.com/office/powerpoint/2010/main" val="1433213405"/>
+      </p:ext>
+    </p:extLst>
+  </p:cSld>
+  <p:clrMapOvr>
+    <a:masterClrMapping/>
+  </p:clrMapOvr>
 </p:sld>
 </file>
 
 <file path=ppt/theme/theme1.xml><?xml version="1.0" encoding="utf-8"?>
-<a:theme xmlns:a="http://schemas.openxmlformats.org/drawingml/2006/main" name="Office Theme">
+<a:theme xmlns:a="http://schemas.openxmlformats.org/drawingml/2006/main" name="Wood Type">
   <a:themeElements>
-    <a:clrScheme name="Office">
+    <a:clrScheme name="Wood Type">
       <a:dk1>
         <a:sysClr val="windowText" lastClr="000000"/>
       </a:dk1>
@@ -3902,48 +5178,86 @@
         <a:sysClr val="window" lastClr="FFFFFF"/>
       </a:lt1>
       <a:dk2>
-        <a:srgbClr val="44546A"/>
+        <a:srgbClr val="696464"/>
       </a:dk2>
       <a:lt2>
-        <a:srgbClr val="E7E6E6"/>
+        <a:srgbClr val="E9E5DC"/>
       </a:lt2>
       <a:accent1>
-        <a:srgbClr val="5B9BD5"/>
+        <a:srgbClr val="D34817"/>
       </a:accent1>
       <a:accent2>
-        <a:srgbClr val="ED7D31"/>
+        <a:srgbClr val="9B2D1F"/>
       </a:accent2>
       <a:accent3>
-        <a:srgbClr val="A5A5A5"/>
+        <a:srgbClr val="A28E6A"/>
       </a:accent3>
       <a:accent4>
-        <a:srgbClr val="FFC000"/>
+        <a:srgbClr val="956251"/>
       </a:accent4>
       <a:accent5>
-        <a:srgbClr val="4472C4"/>
+        <a:srgbClr val="918485"/>
       </a:accent5>
       <a:accent6>
-        <a:srgbClr val="70AD47"/>
+        <a:srgbClr val="855D5D"/>
       </a:accent6>
       <a:hlink>
-        <a:srgbClr val="0563C1"/>
+        <a:srgbClr val="CC9900"/>
       </a:hlink>
       <a:folHlink>
-        <a:srgbClr val="954F72"/>
+        <a:srgbClr val="96A9A9"/>
       </a:folHlink>
     </a:clrScheme>
-    <a:fontScheme name="Office">
+    <a:fontScheme name="Wood Type">
       <a:majorFont>
-        <a:latin typeface="Calibri Light" panose="020F0302020204030204"/>
+        <a:latin typeface="Rockwell Condensed" panose="02060603050405020104"/>
         <a:ea typeface=""/>
         <a:cs typeface=""/>
-        <a:font script="Jpan" typeface="ＭＳ Ｐゴシック"/>
-        <a:font script="Hang" typeface="맑은 고딕"/>
-        <a:font script="Hans" typeface="宋体"/>
-        <a:font script="Hant" typeface="新細明體"/>
+        <a:font script="Grek" typeface="Cambria"/>
+        <a:font script="Cyrl" typeface="Cambria"/>
+        <a:font script="Jpan" typeface="HG明朝B"/>
+        <a:font script="Hang" typeface="바탕"/>
+        <a:font script="Hans" typeface="方正姚体"/>
+        <a:font script="Hant" typeface="微軟正黑體"/>
         <a:font script="Arab" typeface="Times New Roman"/>
-        <a:font script="Hebr" typeface="Times New Roman"/>
-        <a:font script="Thai" typeface="Angsana New"/>
+        <a:font script="Hebr" typeface="David"/>
+        <a:font script="Thai" typeface="JasmineUPC"/>
+        <a:font script="Ethi" typeface="Nyala"/>
+        <a:font script="Beng" typeface="Vrinda"/>
+        <a:font script="Gujr" typeface="Shruti"/>
+        <a:font script="Khmr" typeface="MoolBoran"/>
+        <a:font script="Knda" typeface="Tunga"/>
+        <a:font script="Guru" typeface="Raavi"/>
+        <a:font script="Cans" typeface="Euphemia"/>
+        <a:font script="Cher" typeface="Plantagenet Cherokee"/>
+        <a:font script="Yiii" typeface="Microsoft Yi Baiti"/>
+        <a:font script="Tibt" typeface="Microsoft Himalaya"/>
+        <a:font script="Thaa" typeface="MV Boli"/>
+        <a:font script="Deva" typeface="Mangal"/>
+        <a:font script="Telu" typeface="Gautami"/>
+        <a:font script="Taml" typeface="Latha"/>
+        <a:font script="Syrc" typeface="Estrangelo Edessa"/>
+        <a:font script="Orya" typeface="Kalinga"/>
+        <a:font script="Mlym" typeface="Kartika"/>
+        <a:font script="Laoo" typeface="DokChampa"/>
+        <a:font script="Sinh" typeface="Iskoola Pota"/>
+        <a:font script="Mong" typeface="Mongolian Baiti"/>
+        <a:font script="Viet" typeface="Arial"/>
+        <a:font script="Uigh" typeface="Microsoft Uighur"/>
+      </a:majorFont>
+      <a:minorFont>
+        <a:latin typeface="Rockwell" panose="02060603020205020403"/>
+        <a:ea typeface=""/>
+        <a:cs typeface=""/>
+        <a:font script="Grek" typeface="Cambria"/>
+        <a:font script="Cyrl" typeface="Cambria"/>
+        <a:font script="Jpan" typeface="HG明朝B"/>
+        <a:font script="Hang" typeface="바탕"/>
+        <a:font script="Hans" typeface="方正姚体"/>
+        <a:font script="Hant" typeface="標楷體"/>
+        <a:font script="Arab" typeface="Times New Roman"/>
+        <a:font script="Hebr" typeface="David"/>
+        <a:font script="Thai" typeface="JasmineUPC"/>
         <a:font script="Ethi" typeface="Nyala"/>
         <a:font script="Beng" typeface="Vrinda"/>
         <a:font script="Gujr" typeface="Shruti"/>
@@ -3966,101 +5280,42 @@
         <a:font script="Mong" typeface="Mongolian Baiti"/>
         <a:font script="Viet" typeface="Times New Roman"/>
         <a:font script="Uigh" typeface="Microsoft Uighur"/>
-        <a:font script="Geor" typeface="Sylfaen"/>
-      </a:majorFont>
-      <a:minorFont>
-        <a:latin typeface="Calibri" panose="020F0502020204030204"/>
-        <a:ea typeface=""/>
-        <a:cs typeface=""/>
-        <a:font script="Jpan" typeface="ＭＳ Ｐゴシック"/>
-        <a:font script="Hang" typeface="맑은 고딕"/>
-        <a:font script="Hans" typeface="宋体"/>
-        <a:font script="Hant" typeface="新細明體"/>
-        <a:font script="Arab" typeface="Arial"/>
-        <a:font script="Hebr" typeface="Arial"/>
-        <a:font script="Thai" typeface="Cordia New"/>
-        <a:font script="Ethi" typeface="Nyala"/>
-        <a:font script="Beng" typeface="Vrinda"/>
-        <a:font script="Gujr" typeface="Shruti"/>
-        <a:font script="Khmr" typeface="DaunPenh"/>
-        <a:font script="Knda" typeface="Tunga"/>
-        <a:font script="Guru" typeface="Raavi"/>
-        <a:font script="Cans" typeface="Euphemia"/>
-        <a:font script="Cher" typeface="Plantagenet Cherokee"/>
-        <a:font script="Yiii" typeface="Microsoft Yi Baiti"/>
-        <a:font script="Tibt" typeface="Microsoft Himalaya"/>
-        <a:font script="Thaa" typeface="MV Boli"/>
-        <a:font script="Deva" typeface="Mangal"/>
-        <a:font script="Telu" typeface="Gautami"/>
-        <a:font script="Taml" typeface="Latha"/>
-        <a:font script="Syrc" typeface="Estrangelo Edessa"/>
-        <a:font script="Orya" typeface="Kalinga"/>
-        <a:font script="Mlym" typeface="Kartika"/>
-        <a:font script="Laoo" typeface="DokChampa"/>
-        <a:font script="Sinh" typeface="Iskoola Pota"/>
-        <a:font script="Mong" typeface="Mongolian Baiti"/>
-        <a:font script="Viet" typeface="Arial"/>
-        <a:font script="Uigh" typeface="Microsoft Uighur"/>
-        <a:font script="Geor" typeface="Sylfaen"/>
       </a:minorFont>
     </a:fontScheme>
-    <a:fmtScheme name="Office">
+    <a:fmtScheme name="Wood Type">
       <a:fillStyleLst>
         <a:solidFill>
           <a:schemeClr val="phClr"/>
         </a:solidFill>
-        <a:gradFill rotWithShape="1">
-          <a:gsLst>
-            <a:gs pos="0">
+        <a:blipFill rotWithShape="1">
+          <a:blip xmlns:r="http://schemas.openxmlformats.org/officeDocument/2006/relationships" r:embed="rId1">
+            <a:duotone>
               <a:schemeClr val="phClr">
-                <a:lumMod val="110000"/>
-                <a:satMod val="105000"/>
-                <a:tint val="67000"/>
+                <a:tint val="70000"/>
+                <a:shade val="63000"/>
               </a:schemeClr>
-            </a:gs>
-            <a:gs pos="50000">
               <a:schemeClr val="phClr">
-                <a:lumMod val="105000"/>
-                <a:satMod val="103000"/>
-                <a:tint val="73000"/>
+                <a:tint val="10000"/>
+                <a:satMod val="150000"/>
               </a:schemeClr>
-            </a:gs>
-            <a:gs pos="100000">
+            </a:duotone>
+          </a:blip>
+          <a:tile tx="0" ty="0" sx="60000" sy="59000" flip="none" algn="tl"/>
+        </a:blipFill>
+        <a:blipFill rotWithShape="1">
+          <a:blip xmlns:r="http://schemas.openxmlformats.org/officeDocument/2006/relationships" r:embed="rId1">
+            <a:duotone>
               <a:schemeClr val="phClr">
-                <a:lumMod val="105000"/>
-                <a:satMod val="109000"/>
-                <a:tint val="81000"/>
+                <a:shade val="36000"/>
+                <a:satMod val="120000"/>
               </a:schemeClr>
-            </a:gs>
-          </a:gsLst>
-          <a:lin ang="5400000" scaled="0"/>
-        </a:gradFill>
-        <a:gradFill rotWithShape="1">
-          <a:gsLst>
-            <a:gs pos="0">
               <a:schemeClr val="phClr">
-                <a:satMod val="103000"/>
-                <a:lumMod val="102000"/>
-                <a:tint val="94000"/>
+                <a:tint val="40000"/>
               </a:schemeClr>
-            </a:gs>
-            <a:gs pos="50000">
-              <a:schemeClr val="phClr">
-                <a:satMod val="110000"/>
-                <a:lumMod val="100000"/>
-                <a:shade val="100000"/>
-              </a:schemeClr>
-            </a:gs>
-            <a:gs pos="100000">
-              <a:schemeClr val="phClr">
-                <a:lumMod val="99000"/>
-                <a:satMod val="120000"/>
-                <a:shade val="78000"/>
-              </a:schemeClr>
-            </a:gs>
-          </a:gsLst>
-          <a:lin ang="5400000" scaled="0"/>
-        </a:gradFill>
+            </a:duotone>
+          </a:blip>
+          <a:tile tx="0" ty="0" sx="60000" sy="59000" flip="none" algn="tl"/>
+        </a:blipFill>
       </a:fillStyleLst>
       <a:lnStyleLst>
         <a:ln w="6350" cap="flat" cmpd="sng" algn="ctr">
@@ -4068,21 +5323,18 @@
             <a:schemeClr val="phClr"/>
           </a:solidFill>
           <a:prstDash val="solid"/>
-          <a:miter lim="800000"/>
         </a:ln>
         <a:ln w="12700" cap="flat" cmpd="sng" algn="ctr">
           <a:solidFill>
             <a:schemeClr val="phClr"/>
           </a:solidFill>
           <a:prstDash val="solid"/>
-          <a:miter lim="800000"/>
         </a:ln>
         <a:ln w="19050" cap="flat" cmpd="sng" algn="ctr">
           <a:solidFill>
             <a:schemeClr val="phClr"/>
           </a:solidFill>
           <a:prstDash val="solid"/>
-          <a:miter lim="800000"/>
         </a:ln>
       </a:lnStyleLst>
       <a:effectStyleLst>
@@ -4090,15 +5342,18 @@
           <a:effectLst/>
         </a:effectStyle>
         <a:effectStyle>
-          <a:effectLst/>
+          <a:effectLst>
+            <a:softEdge rad="12700"/>
+          </a:effectLst>
         </a:effectStyle>
         <a:effectStyle>
           <a:effectLst>
-            <a:outerShdw blurRad="57150" dist="19050" dir="5400000" algn="ctr" rotWithShape="0">
+            <a:outerShdw blurRad="50800" dist="19050" dir="5400000" algn="tl" rotWithShape="0">
               <a:srgbClr val="000000">
-                <a:alpha val="63000"/>
+                <a:alpha val="60000"/>
               </a:srgbClr>
             </a:outerShdw>
+            <a:softEdge rad="12700"/>
           </a:effectLst>
         </a:effectStyle>
       </a:effectStyleLst>
@@ -4108,37 +5363,26 @@
         </a:solidFill>
         <a:solidFill>
           <a:schemeClr val="phClr">
-            <a:tint val="95000"/>
-            <a:satMod val="170000"/>
+            <a:shade val="97000"/>
+            <a:satMod val="150000"/>
           </a:schemeClr>
         </a:solidFill>
-        <a:gradFill rotWithShape="1">
-          <a:gsLst>
-            <a:gs pos="0">
+        <a:blipFill rotWithShape="1">
+          <a:blip xmlns:r="http://schemas.openxmlformats.org/officeDocument/2006/relationships" r:embed="rId1">
+            <a:duotone>
               <a:schemeClr val="phClr">
-                <a:tint val="93000"/>
-                <a:satMod val="150000"/>
-                <a:shade val="98000"/>
-                <a:lumMod val="102000"/>
-              </a:schemeClr>
-            </a:gs>
-            <a:gs pos="50000">
-              <a:schemeClr val="phClr">
-                <a:tint val="98000"/>
-                <a:satMod val="130000"/>
-                <a:shade val="90000"/>
-                <a:lumMod val="103000"/>
-              </a:schemeClr>
-            </a:gs>
-            <a:gs pos="100000">
-              <a:schemeClr val="phClr">
-                <a:shade val="63000"/>
+                <a:tint val="75000"/>
+                <a:shade val="58000"/>
                 <a:satMod val="120000"/>
               </a:schemeClr>
-            </a:gs>
-          </a:gsLst>
-          <a:lin ang="5400000" scaled="0"/>
-        </a:gradFill>
+              <a:schemeClr val="phClr">
+                <a:tint val="50000"/>
+                <a:shade val="96000"/>
+              </a:schemeClr>
+            </a:duotone>
+          </a:blip>
+          <a:tile tx="0" ty="0" sx="100000" sy="100000" flip="none" algn="tl"/>
+        </a:blipFill>
       </a:bgFillStyleLst>
     </a:fmtScheme>
   </a:themeElements>
@@ -4146,7 +5390,7 @@
   <a:extraClrSchemeLst/>
   <a:extLst>
     <a:ext uri="{05A4C25C-085E-4340-85A3-A5531E510DB2}">
-      <thm15:themeFamily xmlns:thm15="http://schemas.microsoft.com/office/thememl/2012/main" name="Office Theme" id="{62F939B6-93AF-4DB8-9C6B-D6C7DFDC589F}" vid="{4A3C46E8-61CC-4603-A589-7422A47A8E4A}"/>
+      <thm15:themeFamily xmlns:thm15="http://schemas.microsoft.com/office/thememl/2012/main" name="Wood Type" id="{7ACABC62-BF99-48CF-A9DC-4DB89C7B13DC}" vid="{142A1326-48AB-42A9-8428-CB14AA30176D}"/>
     </a:ext>
   </a:extLst>
 </a:theme>

--- a/Doc/WCF.pptx
+++ b/Doc/WCF.pptx
@@ -9,8 +9,8 @@
     <p:sldId id="259" r:id="rId3"/>
     <p:sldId id="257" r:id="rId4"/>
     <p:sldId id="260" r:id="rId5"/>
-    <p:sldId id="258" r:id="rId6"/>
-    <p:sldId id="261" r:id="rId7"/>
+    <p:sldId id="261" r:id="rId6"/>
+    <p:sldId id="258" r:id="rId7"/>
   </p:sldIdLst>
   <p:sldSz cx="12192000" cy="6858000"/>
   <p:notesSz cx="6858000" cy="9144000"/>
@@ -520,7 +520,7 @@
           <a:p>
             <a:fld id="{EDC85F88-DEE8-4C33-BF3F-E4E9FCBA1085}" type="datetimeFigureOut">
               <a:rPr lang="en-SG" smtClean="0"/>
-              <a:t>4/6/2016</a:t>
+              <a:t>7/6/2016</a:t>
             </a:fld>
             <a:endParaRPr lang="en-SG"/>
           </a:p>
@@ -699,7 +699,7 @@
           <a:p>
             <a:fld id="{EDC85F88-DEE8-4C33-BF3F-E4E9FCBA1085}" type="datetimeFigureOut">
               <a:rPr lang="en-SG" smtClean="0"/>
-              <a:t>4/6/2016</a:t>
+              <a:t>7/6/2016</a:t>
             </a:fld>
             <a:endParaRPr lang="en-SG"/>
           </a:p>
@@ -879,7 +879,7 @@
           <a:p>
             <a:fld id="{EDC85F88-DEE8-4C33-BF3F-E4E9FCBA1085}" type="datetimeFigureOut">
               <a:rPr lang="en-SG" smtClean="0"/>
-              <a:t>4/6/2016</a:t>
+              <a:t>7/6/2016</a:t>
             </a:fld>
             <a:endParaRPr lang="en-SG"/>
           </a:p>
@@ -1049,7 +1049,7 @@
           <a:p>
             <a:fld id="{EDC85F88-DEE8-4C33-BF3F-E4E9FCBA1085}" type="datetimeFigureOut">
               <a:rPr lang="en-SG" smtClean="0"/>
-              <a:t>4/6/2016</a:t>
+              <a:t>7/6/2016</a:t>
             </a:fld>
             <a:endParaRPr lang="en-SG"/>
           </a:p>
@@ -1362,7 +1362,7 @@
           <a:p>
             <a:fld id="{EDC85F88-DEE8-4C33-BF3F-E4E9FCBA1085}" type="datetimeFigureOut">
               <a:rPr lang="en-SG" smtClean="0"/>
-              <a:t>4/6/2016</a:t>
+              <a:t>7/6/2016</a:t>
             </a:fld>
             <a:endParaRPr lang="en-SG"/>
           </a:p>
@@ -1748,7 +1748,7 @@
           <a:p>
             <a:fld id="{EDC85F88-DEE8-4C33-BF3F-E4E9FCBA1085}" type="datetimeFigureOut">
               <a:rPr lang="en-SG" smtClean="0"/>
-              <a:t>4/6/2016</a:t>
+              <a:t>7/6/2016</a:t>
             </a:fld>
             <a:endParaRPr lang="en-SG"/>
           </a:p>
@@ -2182,7 +2182,7 @@
           <a:p>
             <a:fld id="{EDC85F88-DEE8-4C33-BF3F-E4E9FCBA1085}" type="datetimeFigureOut">
               <a:rPr lang="en-SG" smtClean="0"/>
-              <a:t>4/6/2016</a:t>
+              <a:t>7/6/2016</a:t>
             </a:fld>
             <a:endParaRPr lang="en-SG"/>
           </a:p>
@@ -2300,7 +2300,7 @@
           <a:p>
             <a:fld id="{EDC85F88-DEE8-4C33-BF3F-E4E9FCBA1085}" type="datetimeFigureOut">
               <a:rPr lang="en-SG" smtClean="0"/>
-              <a:t>4/6/2016</a:t>
+              <a:t>7/6/2016</a:t>
             </a:fld>
             <a:endParaRPr lang="en-SG"/>
           </a:p>
@@ -2395,7 +2395,7 @@
           <a:p>
             <a:fld id="{EDC85F88-DEE8-4C33-BF3F-E4E9FCBA1085}" type="datetimeFigureOut">
               <a:rPr lang="en-SG" smtClean="0"/>
-              <a:t>4/6/2016</a:t>
+              <a:t>7/6/2016</a:t>
             </a:fld>
             <a:endParaRPr lang="en-SG"/>
           </a:p>
@@ -2745,7 +2745,7 @@
           <a:p>
             <a:fld id="{EDC85F88-DEE8-4C33-BF3F-E4E9FCBA1085}" type="datetimeFigureOut">
               <a:rPr lang="en-SG" smtClean="0"/>
-              <a:t>4/6/2016</a:t>
+              <a:t>7/6/2016</a:t>
             </a:fld>
             <a:endParaRPr lang="en-SG"/>
           </a:p>
@@ -3170,7 +3170,7 @@
           <a:p>
             <a:fld id="{EDC85F88-DEE8-4C33-BF3F-E4E9FCBA1085}" type="datetimeFigureOut">
               <a:rPr lang="en-SG" smtClean="0"/>
-              <a:t>4/6/2016</a:t>
+              <a:t>7/6/2016</a:t>
             </a:fld>
             <a:endParaRPr lang="en-SG"/>
           </a:p>
@@ -3451,7 +3451,7 @@
           <a:p>
             <a:fld id="{EDC85F88-DEE8-4C33-BF3F-E4E9FCBA1085}" type="datetimeFigureOut">
               <a:rPr lang="en-SG" smtClean="0"/>
-              <a:t>4/6/2016</a:t>
+              <a:t>7/6/2016</a:t>
             </a:fld>
             <a:endParaRPr lang="en-SG"/>
           </a:p>
@@ -4639,14 +4639,12 @@
               <a:rPr lang="en-SG" dirty="0" smtClean="0"/>
               <a:t>Mode</a:t>
             </a:r>
-            <a:endParaRPr lang="en-SG" dirty="0" smtClean="0"/>
           </a:p>
           <a:p>
             <a:r>
               <a:rPr lang="en-SG" dirty="0" smtClean="0"/>
               <a:t>Certificate : Client credential type</a:t>
             </a:r>
-            <a:endParaRPr lang="en-SG" dirty="0" smtClean="0"/>
           </a:p>
         </p:txBody>
       </p:sp>
@@ -4737,25 +4735,8 @@
             </a:r>
             <a:r>
               <a:rPr lang="en-US" dirty="0" smtClean="0"/>
-              <a:t>lient </a:t>
-            </a:r>
-            <a:r>
-              <a:rPr lang="en-US" dirty="0" smtClean="0"/>
-              <a:t>must invoke </a:t>
-            </a:r>
-            <a:r>
-              <a:rPr lang="en-US" dirty="0" smtClean="0"/>
-              <a:t>login(method) </a:t>
-            </a:r>
-            <a:r>
-              <a:rPr lang="en-US" dirty="0" smtClean="0"/>
-              <a:t>with username and </a:t>
-            </a:r>
-            <a:r>
-              <a:rPr lang="en-US" dirty="0" smtClean="0"/>
-              <a:t>password to be authenticated</a:t>
-            </a:r>
-            <a:endParaRPr lang="en-US" dirty="0" smtClean="0"/>
+              <a:t>lient must invoke login(method) with username and password to be authenticated</a:t>
+            </a:r>
           </a:p>
           <a:p>
             <a:pPr lvl="1"/>
@@ -4767,15 +4748,7 @@
           <a:p>
             <a:r>
               <a:rPr lang="en-US" dirty="0" smtClean="0"/>
-              <a:t>Subsequent service calls will  use his user id and role access to determine his access to </a:t>
-            </a:r>
-            <a:r>
-              <a:rPr lang="en-US" dirty="0" smtClean="0"/>
-              <a:t>service methods</a:t>
-            </a:r>
-            <a:r>
-              <a:rPr lang="en-US" dirty="0" smtClean="0"/>
-              <a:t>.</a:t>
+              <a:t>Subsequent service calls will  use his user id and role access to determine his access to service methods.</a:t>
             </a:r>
             <a:endParaRPr lang="en-US" dirty="0"/>
           </a:p>
@@ -4834,10 +4807,10 @@
           <a:lstStyle/>
           <a:p>
             <a:r>
-              <a:rPr lang="en-SG" b="1" dirty="0" smtClean="0"/>
-              <a:t>Logging</a:t>
-            </a:r>
-            <a:endParaRPr lang="en-SG" dirty="0"/>
+              <a:rPr lang="en-US" dirty="0" smtClean="0"/>
+              <a:t>Services</a:t>
+            </a:r>
+            <a:endParaRPr lang="en-US" dirty="0"/>
           </a:p>
         </p:txBody>
       </p:sp>
@@ -4853,41 +4826,229 @@
         </p:nvSpPr>
         <p:spPr/>
         <p:txBody>
-          <a:bodyPr/>
+          <a:bodyPr>
+            <a:normAutofit lnSpcReduction="10000"/>
+          </a:bodyPr>
           <a:lstStyle/>
           <a:p>
             <a:r>
-              <a:rPr lang="en-SG" dirty="0" smtClean="0"/>
-              <a:t>Only Task-Based </a:t>
-            </a:r>
-            <a:r>
-              <a:rPr lang="en-SG" dirty="0"/>
-              <a:t>A</a:t>
-            </a:r>
-            <a:r>
-              <a:rPr lang="en-SG" dirty="0" smtClean="0"/>
-              <a:t>synchronous Methods are offered</a:t>
-            </a:r>
+              <a:rPr lang="en-US" dirty="0" smtClean="0"/>
+              <a:t>Authentication </a:t>
+            </a:r>
+            <a:r>
+              <a:rPr lang="en-US" dirty="0"/>
+              <a:t>of User ID and </a:t>
+            </a:r>
+            <a:r>
+              <a:rPr lang="en-US" dirty="0" smtClean="0"/>
+              <a:t>password</a:t>
+            </a:r>
+          </a:p>
+          <a:p>
+            <a:pPr lvl="1"/>
+            <a:r>
+              <a:rPr lang="en-US" dirty="0" smtClean="0"/>
+              <a:t>Login service method</a:t>
+            </a:r>
+            <a:endParaRPr lang="en-US" dirty="0"/>
+          </a:p>
+          <a:p>
+            <a:r>
+              <a:rPr lang="en-US" dirty="0" smtClean="0"/>
+              <a:t>List </a:t>
+            </a:r>
+            <a:r>
+              <a:rPr lang="en-US" dirty="0"/>
+              <a:t>of courses taken by the </a:t>
+            </a:r>
+            <a:r>
+              <a:rPr lang="en-US" dirty="0" smtClean="0"/>
+              <a:t>student</a:t>
+            </a:r>
+          </a:p>
+          <a:p>
+            <a:pPr lvl="1"/>
+            <a:r>
+              <a:rPr lang="en-US" dirty="0" smtClean="0"/>
+              <a:t>Only student can invoke this service method : </a:t>
+            </a:r>
+            <a:r>
+              <a:rPr lang="en-US" dirty="0" err="1" smtClean="0"/>
+              <a:t>GetCourses</a:t>
+            </a:r>
+            <a:r>
+              <a:rPr lang="en-US" dirty="0" smtClean="0"/>
+              <a:t>()</a:t>
+            </a:r>
+            <a:endParaRPr lang="en-US" dirty="0"/>
+          </a:p>
+          <a:p>
+            <a:r>
+              <a:rPr lang="en-US" dirty="0" smtClean="0"/>
+              <a:t>List </a:t>
+            </a:r>
+            <a:r>
+              <a:rPr lang="en-US" dirty="0"/>
+              <a:t>of material for a particular </a:t>
+            </a:r>
+            <a:r>
+              <a:rPr lang="en-US" dirty="0" smtClean="0"/>
+              <a:t>course</a:t>
+            </a:r>
+          </a:p>
+          <a:p>
+            <a:pPr lvl="1"/>
+            <a:r>
+              <a:rPr lang="en-US" dirty="0"/>
+              <a:t>Only student can invoke this service </a:t>
+            </a:r>
+            <a:r>
+              <a:rPr lang="en-US" dirty="0" smtClean="0"/>
+              <a:t>method :</a:t>
+            </a:r>
+            <a:r>
+              <a:rPr lang="en-US" dirty="0" err="1"/>
+              <a:t>GetContentsByCourseSid</a:t>
+            </a:r>
+            <a:r>
+              <a:rPr lang="en-US" dirty="0"/>
+              <a:t>(</a:t>
+            </a:r>
+            <a:r>
+              <a:rPr lang="en-US" dirty="0" err="1"/>
+              <a:t>int</a:t>
+            </a:r>
+            <a:r>
+              <a:rPr lang="en-US" dirty="0"/>
+              <a:t> </a:t>
+            </a:r>
+            <a:r>
+              <a:rPr lang="en-US" dirty="0" err="1"/>
+              <a:t>courseSid</a:t>
+            </a:r>
+            <a:r>
+              <a:rPr lang="en-US" dirty="0"/>
+              <a:t>)</a:t>
+            </a:r>
+          </a:p>
+          <a:p>
+            <a:r>
+              <a:rPr lang="en-US" dirty="0" smtClean="0"/>
+              <a:t>Services </a:t>
+            </a:r>
+            <a:r>
+              <a:rPr lang="en-US" dirty="0"/>
+              <a:t>to allow quiz </a:t>
+            </a:r>
+            <a:r>
+              <a:rPr lang="en-US" dirty="0" smtClean="0"/>
+              <a:t>taking</a:t>
+            </a:r>
+          </a:p>
+          <a:p>
+            <a:pPr lvl="1"/>
+            <a:r>
+              <a:rPr lang="en-US" dirty="0"/>
+              <a:t>Only student can </a:t>
+            </a:r>
+            <a:r>
+              <a:rPr lang="en-US" dirty="0" smtClean="0"/>
+              <a:t>invoke.</a:t>
+            </a:r>
+          </a:p>
+          <a:p>
+            <a:pPr lvl="1"/>
+            <a:r>
+              <a:rPr lang="en-US" dirty="0" smtClean="0"/>
+              <a:t>2 service methods:</a:t>
+            </a:r>
+          </a:p>
+          <a:p>
+            <a:pPr lvl="2"/>
+            <a:r>
+              <a:rPr lang="en-US" dirty="0" err="1"/>
+              <a:t>GetNextQuizQuestionByCourseSid</a:t>
+            </a:r>
+            <a:r>
+              <a:rPr lang="en-US" dirty="0"/>
+              <a:t>(</a:t>
+            </a:r>
+            <a:r>
+              <a:rPr lang="en-US" dirty="0" err="1"/>
+              <a:t>int</a:t>
+            </a:r>
+            <a:r>
+              <a:rPr lang="en-US" dirty="0"/>
+              <a:t> </a:t>
+            </a:r>
+            <a:r>
+              <a:rPr lang="en-US" dirty="0" err="1"/>
+              <a:t>courseSid</a:t>
+            </a:r>
+            <a:r>
+              <a:rPr lang="en-US" dirty="0" smtClean="0"/>
+              <a:t>)</a:t>
+            </a:r>
+          </a:p>
+          <a:p>
+            <a:pPr lvl="2"/>
+            <a:r>
+              <a:rPr lang="en-US" dirty="0" err="1"/>
+              <a:t>AnswerQuiz</a:t>
+            </a:r>
+            <a:r>
+              <a:rPr lang="en-US" dirty="0"/>
+              <a:t>(</a:t>
+            </a:r>
+            <a:r>
+              <a:rPr lang="en-US" dirty="0" err="1"/>
+              <a:t>int</a:t>
+            </a:r>
+            <a:r>
+              <a:rPr lang="en-US" dirty="0"/>
+              <a:t> </a:t>
+            </a:r>
+            <a:r>
+              <a:rPr lang="en-US" dirty="0" err="1"/>
+              <a:t>quizQuestionSid</a:t>
+            </a:r>
+            <a:r>
+              <a:rPr lang="en-US" dirty="0"/>
+              <a:t>, </a:t>
+            </a:r>
+            <a:r>
+              <a:rPr lang="en-US" dirty="0" err="1"/>
+              <a:t>int</a:t>
+            </a:r>
+            <a:r>
+              <a:rPr lang="en-US" dirty="0"/>
+              <a:t> </a:t>
+            </a:r>
+            <a:r>
+              <a:rPr lang="en-US" dirty="0" err="1"/>
+              <a:t>quizOptionSid</a:t>
+            </a:r>
+            <a:r>
+              <a:rPr lang="en-US" dirty="0"/>
+              <a:t>)</a:t>
+            </a:r>
+            <a:endParaRPr lang="en-US" dirty="0" smtClean="0"/>
+          </a:p>
+          <a:p>
+            <a:endParaRPr lang="en-US" dirty="0"/>
           </a:p>
         </p:txBody>
       </p:sp>
     </p:spTree>
     <p:extLst>
       <p:ext uri="{BB962C8B-B14F-4D97-AF65-F5344CB8AC3E}">
-        <p14:creationId xmlns:p14="http://schemas.microsoft.com/office/powerpoint/2010/main" val="4259623472"/>
+        <p14:creationId xmlns:p14="http://schemas.microsoft.com/office/powerpoint/2010/main" val="1433213405"/>
       </p:ext>
     </p:extLst>
   </p:cSld>
   <p:clrMapOvr>
     <a:masterClrMapping/>
   </p:clrMapOvr>
-  <p:timing>
-    <p:tnLst>
-      <p:par>
-        <p:cTn id="1" dur="indefinite" restart="never" nodeType="tmRoot"/>
-      </p:par>
-    </p:tnLst>
-  </p:timing>
 </p:sld>
 </file>
 
@@ -4924,10 +5085,10 @@
           <a:lstStyle/>
           <a:p>
             <a:r>
-              <a:rPr lang="en-US" dirty="0" smtClean="0"/>
-              <a:t>Services</a:t>
-            </a:r>
-            <a:endParaRPr lang="en-US" dirty="0"/>
+              <a:rPr lang="en-SG" b="1" dirty="0" smtClean="0"/>
+              <a:t>Optional WF</a:t>
+            </a:r>
+            <a:endParaRPr lang="en-SG" dirty="0"/>
           </a:p>
         </p:txBody>
       </p:sp>
@@ -4947,223 +5108,41 @@
           <a:lstStyle/>
           <a:p>
             <a:r>
-              <a:rPr lang="en-US" dirty="0" smtClean="0"/>
-              <a:t>Authentication </a:t>
-            </a:r>
-            <a:r>
-              <a:rPr lang="en-US" dirty="0"/>
-              <a:t>of User ID and </a:t>
-            </a:r>
-            <a:r>
-              <a:rPr lang="en-US" dirty="0" smtClean="0"/>
-              <a:t>password</a:t>
+              <a:rPr lang="en-SG" dirty="0"/>
+              <a:t>Handle cases where 2 people apply at the same time and there’s only 1 seat left</a:t>
+            </a:r>
+            <a:r>
+              <a:rPr lang="en-SG" dirty="0" smtClean="0"/>
+              <a:t>.</a:t>
             </a:r>
           </a:p>
           <a:p>
             <a:pPr lvl="1"/>
             <a:r>
-              <a:rPr lang="en-US" dirty="0" smtClean="0"/>
-              <a:t>Login service method</a:t>
-            </a:r>
-            <a:endParaRPr lang="en-US" dirty="0"/>
-          </a:p>
-          <a:p>
-            <a:r>
-              <a:rPr lang="en-US" dirty="0" smtClean="0"/>
-              <a:t>List </a:t>
-            </a:r>
-            <a:r>
-              <a:rPr lang="en-US" dirty="0"/>
-              <a:t>of courses taken by the </a:t>
-            </a:r>
-            <a:r>
-              <a:rPr lang="en-US" dirty="0" smtClean="0"/>
-              <a:t>student</a:t>
-            </a:r>
-          </a:p>
-          <a:p>
-            <a:pPr lvl="1"/>
-            <a:r>
-              <a:rPr lang="en-US" dirty="0" smtClean="0"/>
-              <a:t>Only student can invoke this service method : </a:t>
-            </a:r>
-            <a:r>
-              <a:rPr lang="en-US" dirty="0" err="1" smtClean="0"/>
-              <a:t>GetCourses</a:t>
-            </a:r>
-            <a:r>
-              <a:rPr lang="en-US" dirty="0" smtClean="0"/>
-              <a:t>()</a:t>
-            </a:r>
-            <a:endParaRPr lang="en-US" dirty="0"/>
-          </a:p>
-          <a:p>
-            <a:r>
-              <a:rPr lang="en-US" dirty="0" smtClean="0"/>
-              <a:t>List </a:t>
-            </a:r>
-            <a:r>
-              <a:rPr lang="en-US" dirty="0"/>
-              <a:t>of material for a particular </a:t>
-            </a:r>
-            <a:r>
-              <a:rPr lang="en-US" dirty="0" smtClean="0"/>
-              <a:t>course</a:t>
-            </a:r>
-          </a:p>
-          <a:p>
-            <a:pPr lvl="1"/>
-            <a:r>
-              <a:rPr lang="en-US" dirty="0"/>
-              <a:t>Only student can invoke this service </a:t>
-            </a:r>
-            <a:r>
-              <a:rPr lang="en-US" dirty="0" smtClean="0"/>
-              <a:t>method :</a:t>
-            </a:r>
-            <a:r>
-              <a:rPr lang="en-US" dirty="0" err="1"/>
-              <a:t>GetContentsByCourseSid</a:t>
-            </a:r>
-            <a:r>
-              <a:rPr lang="en-US" dirty="0"/>
-              <a:t>(</a:t>
-            </a:r>
-            <a:r>
-              <a:rPr lang="en-US" dirty="0" err="1"/>
-              <a:t>int</a:t>
-            </a:r>
-            <a:r>
-              <a:rPr lang="en-US" dirty="0"/>
-              <a:t> </a:t>
-            </a:r>
-            <a:r>
-              <a:rPr lang="en-US" dirty="0" err="1"/>
-              <a:t>courseSid</a:t>
-            </a:r>
-            <a:r>
-              <a:rPr lang="en-US" dirty="0"/>
-              <a:t>)</a:t>
-            </a:r>
-          </a:p>
-          <a:p>
-            <a:r>
-              <a:rPr lang="en-US" dirty="0" smtClean="0"/>
-              <a:t>Services </a:t>
-            </a:r>
-            <a:r>
-              <a:rPr lang="en-US" dirty="0"/>
-              <a:t>to allow quiz </a:t>
-            </a:r>
-            <a:r>
-              <a:rPr lang="en-US" dirty="0" smtClean="0"/>
-              <a:t>taking</a:t>
-            </a:r>
-          </a:p>
-          <a:p>
-            <a:pPr lvl="1"/>
-            <a:r>
-              <a:rPr lang="en-US" dirty="0"/>
-              <a:t>Only student can </a:t>
-            </a:r>
-            <a:r>
-              <a:rPr lang="en-US" dirty="0" smtClean="0"/>
-              <a:t>invoke.</a:t>
-            </a:r>
-          </a:p>
-          <a:p>
-            <a:pPr lvl="1"/>
-            <a:r>
-              <a:rPr lang="en-US" dirty="0" smtClean="0"/>
-              <a:t>2 service methods:</a:t>
-            </a:r>
-          </a:p>
-          <a:p>
-            <a:pPr lvl="2"/>
-            <a:r>
-              <a:rPr lang="en-US" dirty="0" err="1"/>
-              <a:t>GetNextQuizQuestionByCourseSid</a:t>
-            </a:r>
-            <a:r>
-              <a:rPr lang="en-US" dirty="0"/>
-              <a:t>(</a:t>
-            </a:r>
-            <a:r>
-              <a:rPr lang="en-US" dirty="0" err="1"/>
-              <a:t>int</a:t>
-            </a:r>
-            <a:r>
-              <a:rPr lang="en-US" dirty="0"/>
-              <a:t> </a:t>
-            </a:r>
-            <a:r>
-              <a:rPr lang="en-US" dirty="0" err="1"/>
-              <a:t>courseSid</a:t>
-            </a:r>
-            <a:r>
-              <a:rPr lang="en-US" dirty="0" smtClean="0"/>
-              <a:t>)</a:t>
-            </a:r>
-          </a:p>
-          <a:p>
-            <a:pPr lvl="2"/>
-            <a:r>
-              <a:rPr lang="en-US" dirty="0" err="1"/>
-              <a:t>AnswerQuiz</a:t>
-            </a:r>
-            <a:r>
-              <a:rPr lang="en-US" dirty="0"/>
-              <a:t>(</a:t>
-            </a:r>
-            <a:r>
-              <a:rPr lang="en-US" dirty="0" err="1"/>
-              <a:t>int</a:t>
-            </a:r>
-            <a:r>
-              <a:rPr lang="en-US" dirty="0"/>
-              <a:t> </a:t>
-            </a:r>
-            <a:r>
-              <a:rPr lang="en-US" dirty="0" err="1"/>
-              <a:t>quizQuestionSid</a:t>
-            </a:r>
-            <a:r>
-              <a:rPr lang="en-US" dirty="0"/>
-              <a:t>, </a:t>
-            </a:r>
-            <a:r>
-              <a:rPr lang="en-US" dirty="0" err="1"/>
-              <a:t>int</a:t>
-            </a:r>
-            <a:r>
-              <a:rPr lang="en-US" dirty="0"/>
-              <a:t> </a:t>
-            </a:r>
-            <a:r>
-              <a:rPr lang="en-US" dirty="0" err="1"/>
-              <a:t>quizOptionSid</a:t>
-            </a:r>
-            <a:r>
-              <a:rPr lang="en-US" dirty="0"/>
-              <a:t>)</a:t>
-            </a:r>
-            <a:endParaRPr lang="en-US" dirty="0" smtClean="0"/>
-          </a:p>
-          <a:p>
-            <a:endParaRPr lang="en-US" dirty="0"/>
+              <a:rPr lang="en-SG" dirty="0" smtClean="0"/>
+              <a:t>Business layer will always check before enrolling</a:t>
+            </a:r>
+            <a:endParaRPr lang="en-SG" dirty="0" smtClean="0"/>
           </a:p>
         </p:txBody>
       </p:sp>
     </p:spTree>
     <p:extLst>
       <p:ext uri="{BB962C8B-B14F-4D97-AF65-F5344CB8AC3E}">
-        <p14:creationId xmlns:p14="http://schemas.microsoft.com/office/powerpoint/2010/main" val="1433213405"/>
+        <p14:creationId xmlns:p14="http://schemas.microsoft.com/office/powerpoint/2010/main" val="4259623472"/>
       </p:ext>
     </p:extLst>
   </p:cSld>
   <p:clrMapOvr>
     <a:masterClrMapping/>
   </p:clrMapOvr>
+  <p:timing>
+    <p:tnLst>
+      <p:par>
+        <p:cTn id="1" dur="indefinite" restart="never" nodeType="tmRoot"/>
+      </p:par>
+    </p:tnLst>
+  </p:timing>
 </p:sld>
 </file>
 

--- a/Doc/WCF.pptx
+++ b/Doc/WCF.pptx
@@ -7,10 +7,11 @@
   <p:sldIdLst>
     <p:sldId id="256" r:id="rId2"/>
     <p:sldId id="259" r:id="rId3"/>
-    <p:sldId id="257" r:id="rId4"/>
-    <p:sldId id="260" r:id="rId5"/>
-    <p:sldId id="261" r:id="rId6"/>
-    <p:sldId id="258" r:id="rId7"/>
+    <p:sldId id="262" r:id="rId4"/>
+    <p:sldId id="257" r:id="rId5"/>
+    <p:sldId id="260" r:id="rId6"/>
+    <p:sldId id="261" r:id="rId7"/>
+    <p:sldId id="258" r:id="rId8"/>
   </p:sldIdLst>
   <p:sldSz cx="12192000" cy="6858000"/>
   <p:notesSz cx="6858000" cy="9144000"/>
@@ -520,7 +521,7 @@
           <a:p>
             <a:fld id="{EDC85F88-DEE8-4C33-BF3F-E4E9FCBA1085}" type="datetimeFigureOut">
               <a:rPr lang="en-SG" smtClean="0"/>
-              <a:t>7/6/2016</a:t>
+              <a:t>11/6/2016</a:t>
             </a:fld>
             <a:endParaRPr lang="en-SG"/>
           </a:p>
@@ -699,7 +700,7 @@
           <a:p>
             <a:fld id="{EDC85F88-DEE8-4C33-BF3F-E4E9FCBA1085}" type="datetimeFigureOut">
               <a:rPr lang="en-SG" smtClean="0"/>
-              <a:t>7/6/2016</a:t>
+              <a:t>11/6/2016</a:t>
             </a:fld>
             <a:endParaRPr lang="en-SG"/>
           </a:p>
@@ -879,7 +880,7 @@
           <a:p>
             <a:fld id="{EDC85F88-DEE8-4C33-BF3F-E4E9FCBA1085}" type="datetimeFigureOut">
               <a:rPr lang="en-SG" smtClean="0"/>
-              <a:t>7/6/2016</a:t>
+              <a:t>11/6/2016</a:t>
             </a:fld>
             <a:endParaRPr lang="en-SG"/>
           </a:p>
@@ -1049,7 +1050,7 @@
           <a:p>
             <a:fld id="{EDC85F88-DEE8-4C33-BF3F-E4E9FCBA1085}" type="datetimeFigureOut">
               <a:rPr lang="en-SG" smtClean="0"/>
-              <a:t>7/6/2016</a:t>
+              <a:t>11/6/2016</a:t>
             </a:fld>
             <a:endParaRPr lang="en-SG"/>
           </a:p>
@@ -1362,7 +1363,7 @@
           <a:p>
             <a:fld id="{EDC85F88-DEE8-4C33-BF3F-E4E9FCBA1085}" type="datetimeFigureOut">
               <a:rPr lang="en-SG" smtClean="0"/>
-              <a:t>7/6/2016</a:t>
+              <a:t>11/6/2016</a:t>
             </a:fld>
             <a:endParaRPr lang="en-SG"/>
           </a:p>
@@ -1748,7 +1749,7 @@
           <a:p>
             <a:fld id="{EDC85F88-DEE8-4C33-BF3F-E4E9FCBA1085}" type="datetimeFigureOut">
               <a:rPr lang="en-SG" smtClean="0"/>
-              <a:t>7/6/2016</a:t>
+              <a:t>11/6/2016</a:t>
             </a:fld>
             <a:endParaRPr lang="en-SG"/>
           </a:p>
@@ -2182,7 +2183,7 @@
           <a:p>
             <a:fld id="{EDC85F88-DEE8-4C33-BF3F-E4E9FCBA1085}" type="datetimeFigureOut">
               <a:rPr lang="en-SG" smtClean="0"/>
-              <a:t>7/6/2016</a:t>
+              <a:t>11/6/2016</a:t>
             </a:fld>
             <a:endParaRPr lang="en-SG"/>
           </a:p>
@@ -2300,7 +2301,7 @@
           <a:p>
             <a:fld id="{EDC85F88-DEE8-4C33-BF3F-E4E9FCBA1085}" type="datetimeFigureOut">
               <a:rPr lang="en-SG" smtClean="0"/>
-              <a:t>7/6/2016</a:t>
+              <a:t>11/6/2016</a:t>
             </a:fld>
             <a:endParaRPr lang="en-SG"/>
           </a:p>
@@ -2395,7 +2396,7 @@
           <a:p>
             <a:fld id="{EDC85F88-DEE8-4C33-BF3F-E4E9FCBA1085}" type="datetimeFigureOut">
               <a:rPr lang="en-SG" smtClean="0"/>
-              <a:t>7/6/2016</a:t>
+              <a:t>11/6/2016</a:t>
             </a:fld>
             <a:endParaRPr lang="en-SG"/>
           </a:p>
@@ -2745,7 +2746,7 @@
           <a:p>
             <a:fld id="{EDC85F88-DEE8-4C33-BF3F-E4E9FCBA1085}" type="datetimeFigureOut">
               <a:rPr lang="en-SG" smtClean="0"/>
-              <a:t>7/6/2016</a:t>
+              <a:t>11/6/2016</a:t>
             </a:fld>
             <a:endParaRPr lang="en-SG"/>
           </a:p>
@@ -3170,7 +3171,7 @@
           <a:p>
             <a:fld id="{EDC85F88-DEE8-4C33-BF3F-E4E9FCBA1085}" type="datetimeFigureOut">
               <a:rPr lang="en-SG" smtClean="0"/>
-              <a:t>7/6/2016</a:t>
+              <a:t>11/6/2016</a:t>
             </a:fld>
             <a:endParaRPr lang="en-SG"/>
           </a:p>
@@ -3451,7 +3452,7 @@
           <a:p>
             <a:fld id="{EDC85F88-DEE8-4C33-BF3F-E4E9FCBA1085}" type="datetimeFigureOut">
               <a:rPr lang="en-SG" smtClean="0"/>
-              <a:t>7/6/2016</a:t>
+              <a:t>11/6/2016</a:t>
             </a:fld>
             <a:endParaRPr lang="en-SG"/>
           </a:p>
@@ -4605,53 +4606,825 @@
           <a:lstStyle/>
           <a:p>
             <a:r>
-              <a:rPr lang="en-SG" dirty="0" smtClean="0"/>
-              <a:t>Security and Authentication</a:t>
-            </a:r>
-            <a:endParaRPr lang="en-SG" dirty="0"/>
-          </a:p>
-        </p:txBody>
-      </p:sp>
-      <p:sp>
-        <p:nvSpPr>
-          <p:cNvPr id="3" name="Content Placeholder 2"/>
-          <p:cNvSpPr>
-            <a:spLocks noGrp="1"/>
-          </p:cNvSpPr>
-          <p:nvPr>
-            <p:ph idx="1"/>
-          </p:nvPr>
-        </p:nvSpPr>
-        <p:spPr/>
-        <p:txBody>
-          <a:bodyPr/>
+              <a:rPr lang="en-SG" dirty="0"/>
+              <a:t>Architecture design</a:t>
+            </a:r>
+            <a:endParaRPr lang="en-US" dirty="0"/>
+          </a:p>
+        </p:txBody>
+      </p:sp>
+      <p:sp>
+        <p:nvSpPr>
+          <p:cNvPr id="24" name="Rectangle 23"/>
+          <p:cNvSpPr/>
+          <p:nvPr/>
+        </p:nvSpPr>
+        <p:spPr>
+          <a:xfrm>
+            <a:off x="312428" y="2492542"/>
+            <a:ext cx="1667607" cy="1640530"/>
+          </a:xfrm>
+          <a:prstGeom prst="rect">
+            <a:avLst/>
+          </a:prstGeom>
+          <a:solidFill>
+            <a:schemeClr val="bg1"/>
+          </a:solidFill>
+        </p:spPr>
+        <p:style>
+          <a:lnRef idx="2">
+            <a:schemeClr val="accent1">
+              <a:shade val="50000"/>
+            </a:schemeClr>
+          </a:lnRef>
+          <a:fillRef idx="1">
+            <a:schemeClr val="accent1"/>
+          </a:fillRef>
+          <a:effectRef idx="0">
+            <a:schemeClr val="accent1"/>
+          </a:effectRef>
+          <a:fontRef idx="minor">
+            <a:schemeClr val="lt1"/>
+          </a:fontRef>
+        </p:style>
+        <p:txBody>
+          <a:bodyPr rtlCol="0" anchor="t"/>
           <a:lstStyle/>
           <a:p>
-            <a:r>
-              <a:rPr lang="en-SG" dirty="0" smtClean="0"/>
-              <a:t>Message </a:t>
-            </a:r>
-            <a:r>
-              <a:rPr lang="en-SG" dirty="0"/>
-              <a:t>level security </a:t>
-            </a:r>
-            <a:r>
-              <a:rPr lang="en-SG" dirty="0" smtClean="0"/>
-              <a:t>Mode</a:t>
-            </a:r>
-          </a:p>
-          <a:p>
-            <a:r>
-              <a:rPr lang="en-SG" dirty="0" smtClean="0"/>
-              <a:t>Certificate : Client credential type</a:t>
-            </a:r>
-          </a:p>
-        </p:txBody>
-      </p:sp>
+            <a:pPr algn="ctr"/>
+            <a:r>
+              <a:rPr lang="en-SG" dirty="0">
+                <a:solidFill>
+                  <a:schemeClr val="tx1"/>
+                </a:solidFill>
+              </a:rPr>
+              <a:t>Presentation Layer</a:t>
+            </a:r>
+          </a:p>
+        </p:txBody>
+      </p:sp>
+      <p:sp>
+        <p:nvSpPr>
+          <p:cNvPr id="25" name="Rectangle 24"/>
+          <p:cNvSpPr/>
+          <p:nvPr/>
+        </p:nvSpPr>
+        <p:spPr>
+          <a:xfrm>
+            <a:off x="6563364" y="2493712"/>
+            <a:ext cx="3217222" cy="1653478"/>
+          </a:xfrm>
+          <a:prstGeom prst="rect">
+            <a:avLst/>
+          </a:prstGeom>
+          <a:solidFill>
+            <a:schemeClr val="bg1"/>
+          </a:solidFill>
+        </p:spPr>
+        <p:style>
+          <a:lnRef idx="2">
+            <a:schemeClr val="accent1">
+              <a:shade val="50000"/>
+            </a:schemeClr>
+          </a:lnRef>
+          <a:fillRef idx="1">
+            <a:schemeClr val="accent1"/>
+          </a:fillRef>
+          <a:effectRef idx="0">
+            <a:schemeClr val="accent1"/>
+          </a:effectRef>
+          <a:fontRef idx="minor">
+            <a:schemeClr val="lt1"/>
+          </a:fontRef>
+        </p:style>
+        <p:txBody>
+          <a:bodyPr rtlCol="0" anchor="t"/>
+          <a:lstStyle/>
+          <a:p>
+            <a:pPr algn="ctr"/>
+            <a:r>
+              <a:rPr lang="en-SG" dirty="0">
+                <a:solidFill>
+                  <a:schemeClr val="tx1"/>
+                </a:solidFill>
+              </a:rPr>
+              <a:t>Unit of Work</a:t>
+            </a:r>
+          </a:p>
+        </p:txBody>
+      </p:sp>
+      <p:sp>
+        <p:nvSpPr>
+          <p:cNvPr id="26" name="Rectangle 25"/>
+          <p:cNvSpPr/>
+          <p:nvPr/>
+        </p:nvSpPr>
+        <p:spPr>
+          <a:xfrm>
+            <a:off x="6796944" y="2950169"/>
+            <a:ext cx="1220819" cy="434641"/>
+          </a:xfrm>
+          <a:prstGeom prst="rect">
+            <a:avLst/>
+          </a:prstGeom>
+          <a:solidFill>
+            <a:schemeClr val="bg1"/>
+          </a:solidFill>
+        </p:spPr>
+        <p:style>
+          <a:lnRef idx="2">
+            <a:schemeClr val="accent1">
+              <a:shade val="50000"/>
+            </a:schemeClr>
+          </a:lnRef>
+          <a:fillRef idx="1">
+            <a:schemeClr val="accent1"/>
+          </a:fillRef>
+          <a:effectRef idx="0">
+            <a:schemeClr val="accent1"/>
+          </a:effectRef>
+          <a:fontRef idx="minor">
+            <a:schemeClr val="lt1"/>
+          </a:fontRef>
+        </p:style>
+        <p:txBody>
+          <a:bodyPr rtlCol="0" anchor="ctr"/>
+          <a:lstStyle/>
+          <a:p>
+            <a:pPr algn="ctr"/>
+            <a:r>
+              <a:rPr lang="en-SG" sz="1600" dirty="0">
+                <a:solidFill>
+                  <a:schemeClr val="tx1"/>
+                </a:solidFill>
+              </a:rPr>
+              <a:t>Repository</a:t>
+            </a:r>
+          </a:p>
+        </p:txBody>
+      </p:sp>
+      <p:sp>
+        <p:nvSpPr>
+          <p:cNvPr id="27" name="Rectangle 26"/>
+          <p:cNvSpPr/>
+          <p:nvPr/>
+        </p:nvSpPr>
+        <p:spPr>
+          <a:xfrm>
+            <a:off x="8268541" y="2950169"/>
+            <a:ext cx="1247641" cy="434641"/>
+          </a:xfrm>
+          <a:prstGeom prst="rect">
+            <a:avLst/>
+          </a:prstGeom>
+          <a:solidFill>
+            <a:schemeClr val="bg1"/>
+          </a:solidFill>
+        </p:spPr>
+        <p:style>
+          <a:lnRef idx="2">
+            <a:schemeClr val="accent1">
+              <a:shade val="50000"/>
+            </a:schemeClr>
+          </a:lnRef>
+          <a:fillRef idx="1">
+            <a:schemeClr val="accent1"/>
+          </a:fillRef>
+          <a:effectRef idx="0">
+            <a:schemeClr val="accent1"/>
+          </a:effectRef>
+          <a:fontRef idx="minor">
+            <a:schemeClr val="lt1"/>
+          </a:fontRef>
+        </p:style>
+        <p:txBody>
+          <a:bodyPr rtlCol="0" anchor="ctr"/>
+          <a:lstStyle/>
+          <a:p>
+            <a:pPr algn="ctr"/>
+            <a:r>
+              <a:rPr lang="en-SG" sz="1600" dirty="0">
+                <a:solidFill>
+                  <a:schemeClr val="tx1"/>
+                </a:solidFill>
+              </a:rPr>
+              <a:t>Repository</a:t>
+            </a:r>
+          </a:p>
+        </p:txBody>
+      </p:sp>
+      <p:sp>
+        <p:nvSpPr>
+          <p:cNvPr id="28" name="Rectangle 27"/>
+          <p:cNvSpPr/>
+          <p:nvPr/>
+        </p:nvSpPr>
+        <p:spPr>
+          <a:xfrm>
+            <a:off x="7580805" y="3606565"/>
+            <a:ext cx="1242208" cy="434641"/>
+          </a:xfrm>
+          <a:prstGeom prst="rect">
+            <a:avLst/>
+          </a:prstGeom>
+          <a:solidFill>
+            <a:schemeClr val="bg1"/>
+          </a:solidFill>
+        </p:spPr>
+        <p:style>
+          <a:lnRef idx="2">
+            <a:schemeClr val="accent1">
+              <a:shade val="50000"/>
+            </a:schemeClr>
+          </a:lnRef>
+          <a:fillRef idx="1">
+            <a:schemeClr val="accent1"/>
+          </a:fillRef>
+          <a:effectRef idx="0">
+            <a:schemeClr val="accent1"/>
+          </a:effectRef>
+          <a:fontRef idx="minor">
+            <a:schemeClr val="lt1"/>
+          </a:fontRef>
+        </p:style>
+        <p:txBody>
+          <a:bodyPr rtlCol="0" anchor="ctr"/>
+          <a:lstStyle/>
+          <a:p>
+            <a:pPr algn="ctr"/>
+            <a:r>
+              <a:rPr lang="en-SG" sz="1600" dirty="0" err="1">
+                <a:solidFill>
+                  <a:schemeClr val="tx1"/>
+                </a:solidFill>
+              </a:rPr>
+              <a:t>DbContext</a:t>
+            </a:r>
+            <a:endParaRPr lang="en-SG" sz="1600" dirty="0">
+              <a:solidFill>
+                <a:schemeClr val="tx1"/>
+              </a:solidFill>
+            </a:endParaRPr>
+          </a:p>
+        </p:txBody>
+      </p:sp>
+      <p:sp>
+        <p:nvSpPr>
+          <p:cNvPr id="29" name="Rectangle 28"/>
+          <p:cNvSpPr/>
+          <p:nvPr/>
+        </p:nvSpPr>
+        <p:spPr>
+          <a:xfrm>
+            <a:off x="4534453" y="2493712"/>
+            <a:ext cx="1667607" cy="1640530"/>
+          </a:xfrm>
+          <a:prstGeom prst="rect">
+            <a:avLst/>
+          </a:prstGeom>
+          <a:solidFill>
+            <a:schemeClr val="bg1"/>
+          </a:solidFill>
+        </p:spPr>
+        <p:style>
+          <a:lnRef idx="2">
+            <a:schemeClr val="accent1">
+              <a:shade val="50000"/>
+            </a:schemeClr>
+          </a:lnRef>
+          <a:fillRef idx="1">
+            <a:schemeClr val="accent1"/>
+          </a:fillRef>
+          <a:effectRef idx="0">
+            <a:schemeClr val="accent1"/>
+          </a:effectRef>
+          <a:fontRef idx="minor">
+            <a:schemeClr val="lt1"/>
+          </a:fontRef>
+        </p:style>
+        <p:txBody>
+          <a:bodyPr rtlCol="0" anchor="t"/>
+          <a:lstStyle/>
+          <a:p>
+            <a:pPr algn="ctr"/>
+            <a:r>
+              <a:rPr lang="en-SG" dirty="0">
+                <a:solidFill>
+                  <a:schemeClr val="tx1"/>
+                </a:solidFill>
+              </a:rPr>
+              <a:t>Business Layer</a:t>
+            </a:r>
+          </a:p>
+        </p:txBody>
+      </p:sp>
+      <p:sp>
+        <p:nvSpPr>
+          <p:cNvPr id="30" name="Rectangle 29"/>
+          <p:cNvSpPr/>
+          <p:nvPr/>
+        </p:nvSpPr>
+        <p:spPr>
+          <a:xfrm>
+            <a:off x="10100736" y="2506660"/>
+            <a:ext cx="1667607" cy="1640530"/>
+          </a:xfrm>
+          <a:prstGeom prst="rect">
+            <a:avLst/>
+          </a:prstGeom>
+          <a:solidFill>
+            <a:schemeClr val="bg1"/>
+          </a:solidFill>
+        </p:spPr>
+        <p:style>
+          <a:lnRef idx="2">
+            <a:schemeClr val="accent1">
+              <a:shade val="50000"/>
+            </a:schemeClr>
+          </a:lnRef>
+          <a:fillRef idx="1">
+            <a:schemeClr val="accent1"/>
+          </a:fillRef>
+          <a:effectRef idx="0">
+            <a:schemeClr val="accent1"/>
+          </a:effectRef>
+          <a:fontRef idx="minor">
+            <a:schemeClr val="lt1"/>
+          </a:fontRef>
+        </p:style>
+        <p:txBody>
+          <a:bodyPr rtlCol="0" anchor="t"/>
+          <a:lstStyle/>
+          <a:p>
+            <a:pPr algn="ctr"/>
+            <a:r>
+              <a:rPr lang="en-SG" dirty="0">
+                <a:solidFill>
+                  <a:schemeClr val="tx1"/>
+                </a:solidFill>
+              </a:rPr>
+              <a:t>Data Access Layer</a:t>
+            </a:r>
+          </a:p>
+        </p:txBody>
+      </p:sp>
+      <p:sp>
+        <p:nvSpPr>
+          <p:cNvPr id="31" name="Rectangle 30"/>
+          <p:cNvSpPr/>
+          <p:nvPr/>
+        </p:nvSpPr>
+        <p:spPr>
+          <a:xfrm>
+            <a:off x="10330461" y="3171356"/>
+            <a:ext cx="1235684" cy="434641"/>
+          </a:xfrm>
+          <a:prstGeom prst="rect">
+            <a:avLst/>
+          </a:prstGeom>
+          <a:solidFill>
+            <a:schemeClr val="bg1"/>
+          </a:solidFill>
+        </p:spPr>
+        <p:style>
+          <a:lnRef idx="2">
+            <a:schemeClr val="accent1">
+              <a:shade val="50000"/>
+            </a:schemeClr>
+          </a:lnRef>
+          <a:fillRef idx="1">
+            <a:schemeClr val="accent1"/>
+          </a:fillRef>
+          <a:effectRef idx="0">
+            <a:schemeClr val="accent1"/>
+          </a:effectRef>
+          <a:fontRef idx="minor">
+            <a:schemeClr val="lt1"/>
+          </a:fontRef>
+        </p:style>
+        <p:txBody>
+          <a:bodyPr rtlCol="0" anchor="ctr"/>
+          <a:lstStyle/>
+          <a:p>
+            <a:pPr algn="ctr"/>
+            <a:r>
+              <a:rPr lang="en-SG" sz="1400" dirty="0">
+                <a:solidFill>
+                  <a:schemeClr val="tx1"/>
+                </a:solidFill>
+              </a:rPr>
+              <a:t>Entity Framework</a:t>
+            </a:r>
+          </a:p>
+        </p:txBody>
+      </p:sp>
+      <p:cxnSp>
+        <p:nvCxnSpPr>
+          <p:cNvPr id="34" name="Straight Arrow Connector 33"/>
+          <p:cNvCxnSpPr>
+            <a:stCxn id="29" idx="3"/>
+            <a:endCxn id="25" idx="1"/>
+          </p:cNvCxnSpPr>
+          <p:nvPr/>
+        </p:nvCxnSpPr>
+        <p:spPr>
+          <a:xfrm>
+            <a:off x="6202060" y="3313977"/>
+            <a:ext cx="361304" cy="6474"/>
+          </a:xfrm>
+          <a:prstGeom prst="straightConnector1">
+            <a:avLst/>
+          </a:prstGeom>
+          <a:ln w="38100">
+            <a:headEnd type="triangle"/>
+            <a:tailEnd type="triangle"/>
+          </a:ln>
+        </p:spPr>
+        <p:style>
+          <a:lnRef idx="1">
+            <a:schemeClr val="accent1"/>
+          </a:lnRef>
+          <a:fillRef idx="0">
+            <a:schemeClr val="accent1"/>
+          </a:fillRef>
+          <a:effectRef idx="0">
+            <a:schemeClr val="accent1"/>
+          </a:effectRef>
+          <a:fontRef idx="minor">
+            <a:schemeClr val="tx1"/>
+          </a:fontRef>
+        </p:style>
+      </p:cxnSp>
+      <p:cxnSp>
+        <p:nvCxnSpPr>
+          <p:cNvPr id="35" name="Straight Arrow Connector 34"/>
+          <p:cNvCxnSpPr/>
+          <p:nvPr/>
+        </p:nvCxnSpPr>
+        <p:spPr>
+          <a:xfrm>
+            <a:off x="9766959" y="3272429"/>
+            <a:ext cx="361304" cy="6474"/>
+          </a:xfrm>
+          <a:prstGeom prst="straightConnector1">
+            <a:avLst/>
+          </a:prstGeom>
+          <a:ln w="38100">
+            <a:headEnd type="triangle"/>
+            <a:tailEnd type="triangle"/>
+          </a:ln>
+        </p:spPr>
+        <p:style>
+          <a:lnRef idx="1">
+            <a:schemeClr val="accent1"/>
+          </a:lnRef>
+          <a:fillRef idx="0">
+            <a:schemeClr val="accent1"/>
+          </a:fillRef>
+          <a:effectRef idx="0">
+            <a:schemeClr val="accent1"/>
+          </a:effectRef>
+          <a:fontRef idx="minor">
+            <a:schemeClr val="tx1"/>
+          </a:fontRef>
+        </p:style>
+      </p:cxnSp>
+      <p:sp>
+        <p:nvSpPr>
+          <p:cNvPr id="36" name="Flowchart: Magnetic Disk 35"/>
+          <p:cNvSpPr/>
+          <p:nvPr/>
+        </p:nvSpPr>
+        <p:spPr>
+          <a:xfrm>
+            <a:off x="10493078" y="4564752"/>
+            <a:ext cx="882923" cy="552086"/>
+          </a:xfrm>
+          <a:prstGeom prst="flowChartMagneticDisk">
+            <a:avLst/>
+          </a:prstGeom>
+          <a:solidFill>
+            <a:schemeClr val="bg1"/>
+          </a:solidFill>
+        </p:spPr>
+        <p:style>
+          <a:lnRef idx="2">
+            <a:schemeClr val="accent1">
+              <a:shade val="50000"/>
+            </a:schemeClr>
+          </a:lnRef>
+          <a:fillRef idx="1">
+            <a:schemeClr val="accent1"/>
+          </a:fillRef>
+          <a:effectRef idx="0">
+            <a:schemeClr val="accent1"/>
+          </a:effectRef>
+          <a:fontRef idx="minor">
+            <a:schemeClr val="lt1"/>
+          </a:fontRef>
+        </p:style>
+        <p:txBody>
+          <a:bodyPr rtlCol="0" anchor="ctr"/>
+          <a:lstStyle/>
+          <a:p>
+            <a:pPr algn="ctr"/>
+            <a:r>
+              <a:rPr lang="en-SG" dirty="0">
+                <a:solidFill>
+                  <a:schemeClr val="tx1"/>
+                </a:solidFill>
+              </a:rPr>
+              <a:t>DB</a:t>
+            </a:r>
+          </a:p>
+        </p:txBody>
+      </p:sp>
+      <p:cxnSp>
+        <p:nvCxnSpPr>
+          <p:cNvPr id="37" name="Straight Arrow Connector 36"/>
+          <p:cNvCxnSpPr>
+            <a:stCxn id="30" idx="2"/>
+            <a:endCxn id="36" idx="1"/>
+          </p:cNvCxnSpPr>
+          <p:nvPr/>
+        </p:nvCxnSpPr>
+        <p:spPr>
+          <a:xfrm>
+            <a:off x="10934539" y="4147190"/>
+            <a:ext cx="0" cy="417563"/>
+          </a:xfrm>
+          <a:prstGeom prst="straightConnector1">
+            <a:avLst/>
+          </a:prstGeom>
+          <a:ln w="38100">
+            <a:headEnd type="triangle"/>
+            <a:tailEnd type="triangle"/>
+          </a:ln>
+        </p:spPr>
+        <p:style>
+          <a:lnRef idx="1">
+            <a:schemeClr val="accent1"/>
+          </a:lnRef>
+          <a:fillRef idx="0">
+            <a:schemeClr val="accent1"/>
+          </a:fillRef>
+          <a:effectRef idx="0">
+            <a:schemeClr val="accent1"/>
+          </a:effectRef>
+          <a:fontRef idx="minor">
+            <a:schemeClr val="tx1"/>
+          </a:fontRef>
+        </p:style>
+      </p:cxnSp>
+      <p:sp>
+        <p:nvSpPr>
+          <p:cNvPr id="23" name="Rectangle 22"/>
+          <p:cNvSpPr/>
+          <p:nvPr/>
+        </p:nvSpPr>
+        <p:spPr>
+          <a:xfrm>
+            <a:off x="4760676" y="3171356"/>
+            <a:ext cx="1101958" cy="430185"/>
+          </a:xfrm>
+          <a:prstGeom prst="rect">
+            <a:avLst/>
+          </a:prstGeom>
+          <a:solidFill>
+            <a:schemeClr val="bg1"/>
+          </a:solidFill>
+        </p:spPr>
+        <p:style>
+          <a:lnRef idx="2">
+            <a:schemeClr val="accent1">
+              <a:shade val="50000"/>
+            </a:schemeClr>
+          </a:lnRef>
+          <a:fillRef idx="1">
+            <a:schemeClr val="accent1"/>
+          </a:fillRef>
+          <a:effectRef idx="0">
+            <a:schemeClr val="accent1"/>
+          </a:effectRef>
+          <a:fontRef idx="minor">
+            <a:schemeClr val="lt1"/>
+          </a:fontRef>
+        </p:style>
+        <p:txBody>
+          <a:bodyPr rtlCol="0" anchor="ctr"/>
+          <a:lstStyle/>
+          <a:p>
+            <a:pPr algn="ctr"/>
+            <a:r>
+              <a:rPr lang="en-SG" sz="1600" dirty="0">
+                <a:solidFill>
+                  <a:schemeClr val="tx1"/>
+                </a:solidFill>
+              </a:rPr>
+              <a:t>Façade Pattern</a:t>
+            </a:r>
+          </a:p>
+        </p:txBody>
+      </p:sp>
+      <p:grpSp>
+        <p:nvGrpSpPr>
+          <p:cNvPr id="43" name="Group 42"/>
+          <p:cNvGrpSpPr/>
+          <p:nvPr/>
+        </p:nvGrpSpPr>
+        <p:grpSpPr>
+          <a:xfrm>
+            <a:off x="2284277" y="2492542"/>
+            <a:ext cx="1942454" cy="1638984"/>
+            <a:chOff x="2358419" y="2492542"/>
+            <a:chExt cx="1942454" cy="1638984"/>
+          </a:xfrm>
+        </p:grpSpPr>
+        <p:sp>
+          <p:nvSpPr>
+            <p:cNvPr id="38" name="Rectangle 37"/>
+            <p:cNvSpPr/>
+            <p:nvPr/>
+          </p:nvSpPr>
+          <p:spPr>
+            <a:xfrm>
+              <a:off x="2358419" y="2492542"/>
+              <a:ext cx="1942454" cy="1638984"/>
+            </a:xfrm>
+            <a:prstGeom prst="rect">
+              <a:avLst/>
+            </a:prstGeom>
+            <a:solidFill>
+              <a:schemeClr val="bg1"/>
+            </a:solidFill>
+          </p:spPr>
+          <p:style>
+            <a:lnRef idx="2">
+              <a:schemeClr val="accent1">
+                <a:shade val="50000"/>
+              </a:schemeClr>
+            </a:lnRef>
+            <a:fillRef idx="1">
+              <a:schemeClr val="accent1"/>
+            </a:fillRef>
+            <a:effectRef idx="0">
+              <a:schemeClr val="accent1"/>
+            </a:effectRef>
+            <a:fontRef idx="minor">
+              <a:schemeClr val="lt1"/>
+            </a:fontRef>
+          </p:style>
+          <p:txBody>
+            <a:bodyPr rtlCol="0" anchor="t"/>
+            <a:lstStyle/>
+            <a:p>
+              <a:pPr algn="ctr"/>
+              <a:r>
+                <a:rPr lang="en-SG" dirty="0" smtClean="0">
+                  <a:solidFill>
+                    <a:schemeClr val="tx1"/>
+                  </a:solidFill>
+                </a:rPr>
+                <a:t>Service Layer</a:t>
+              </a:r>
+              <a:endParaRPr lang="en-SG" dirty="0">
+                <a:solidFill>
+                  <a:schemeClr val="tx1"/>
+                </a:solidFill>
+              </a:endParaRPr>
+            </a:p>
+          </p:txBody>
+        </p:sp>
+        <p:sp>
+          <p:nvSpPr>
+            <p:cNvPr id="39" name="Rectangle 38"/>
+            <p:cNvSpPr/>
+            <p:nvPr/>
+          </p:nvSpPr>
+          <p:spPr>
+            <a:xfrm>
+              <a:off x="2759488" y="3119934"/>
+              <a:ext cx="1120511" cy="481607"/>
+            </a:xfrm>
+            <a:prstGeom prst="rect">
+              <a:avLst/>
+            </a:prstGeom>
+            <a:solidFill>
+              <a:schemeClr val="bg1"/>
+            </a:solidFill>
+          </p:spPr>
+          <p:style>
+            <a:lnRef idx="2">
+              <a:schemeClr val="accent1">
+                <a:shade val="50000"/>
+              </a:schemeClr>
+            </a:lnRef>
+            <a:fillRef idx="1">
+              <a:schemeClr val="accent1"/>
+            </a:fillRef>
+            <a:effectRef idx="0">
+              <a:schemeClr val="accent1"/>
+            </a:effectRef>
+            <a:fontRef idx="minor">
+              <a:schemeClr val="lt1"/>
+            </a:fontRef>
+          </p:style>
+          <p:txBody>
+            <a:bodyPr rtlCol="0" anchor="ctr"/>
+            <a:lstStyle/>
+            <a:p>
+              <a:pPr algn="ctr"/>
+              <a:r>
+                <a:rPr lang="en-SG" sz="1600" dirty="0" smtClean="0">
+                  <a:solidFill>
+                    <a:schemeClr val="tx1"/>
+                  </a:solidFill>
+                </a:rPr>
+                <a:t>WCF</a:t>
+              </a:r>
+              <a:endParaRPr lang="en-SG" sz="1600" dirty="0">
+                <a:solidFill>
+                  <a:schemeClr val="tx1"/>
+                </a:solidFill>
+              </a:endParaRPr>
+            </a:p>
+          </p:txBody>
+        </p:sp>
+      </p:grpSp>
+      <p:cxnSp>
+        <p:nvCxnSpPr>
+          <p:cNvPr id="44" name="Straight Arrow Connector 43"/>
+          <p:cNvCxnSpPr>
+            <a:endCxn id="38" idx="1"/>
+          </p:cNvCxnSpPr>
+          <p:nvPr/>
+        </p:nvCxnSpPr>
+        <p:spPr>
+          <a:xfrm flipV="1">
+            <a:off x="1964127" y="3312034"/>
+            <a:ext cx="320150" cy="3164"/>
+          </a:xfrm>
+          <a:prstGeom prst="straightConnector1">
+            <a:avLst/>
+          </a:prstGeom>
+          <a:ln w="38100">
+            <a:headEnd type="triangle"/>
+            <a:tailEnd type="triangle"/>
+          </a:ln>
+        </p:spPr>
+        <p:style>
+          <a:lnRef idx="1">
+            <a:schemeClr val="accent1"/>
+          </a:lnRef>
+          <a:fillRef idx="0">
+            <a:schemeClr val="accent1"/>
+          </a:fillRef>
+          <a:effectRef idx="0">
+            <a:schemeClr val="accent1"/>
+          </a:effectRef>
+          <a:fontRef idx="minor">
+            <a:schemeClr val="tx1"/>
+          </a:fontRef>
+        </p:style>
+      </p:cxnSp>
+      <p:cxnSp>
+        <p:nvCxnSpPr>
+          <p:cNvPr id="46" name="Straight Arrow Connector 45"/>
+          <p:cNvCxnSpPr/>
+          <p:nvPr/>
+        </p:nvCxnSpPr>
+        <p:spPr>
+          <a:xfrm flipV="1">
+            <a:off x="4208408" y="3218897"/>
+            <a:ext cx="320150" cy="3164"/>
+          </a:xfrm>
+          <a:prstGeom prst="straightConnector1">
+            <a:avLst/>
+          </a:prstGeom>
+          <a:ln w="38100">
+            <a:headEnd type="triangle"/>
+            <a:tailEnd type="triangle"/>
+          </a:ln>
+        </p:spPr>
+        <p:style>
+          <a:lnRef idx="1">
+            <a:schemeClr val="accent1"/>
+          </a:lnRef>
+          <a:fillRef idx="0">
+            <a:schemeClr val="accent1"/>
+          </a:fillRef>
+          <a:effectRef idx="0">
+            <a:schemeClr val="accent1"/>
+          </a:effectRef>
+          <a:fontRef idx="minor">
+            <a:schemeClr val="tx1"/>
+          </a:fontRef>
+        </p:style>
+      </p:cxnSp>
     </p:spTree>
     <p:extLst>
       <p:ext uri="{BB962C8B-B14F-4D97-AF65-F5344CB8AC3E}">
-        <p14:creationId xmlns:p14="http://schemas.microsoft.com/office/powerpoint/2010/main" val="998216963"/>
+        <p14:creationId xmlns:p14="http://schemas.microsoft.com/office/powerpoint/2010/main" val="1929831039"/>
       </p:ext>
     </p:extLst>
   </p:cSld>
@@ -4701,10 +5474,10 @@
           <a:lstStyle/>
           <a:p>
             <a:r>
-              <a:rPr lang="en-US" dirty="0" smtClean="0"/>
-              <a:t>Application Level Authentication</a:t>
-            </a:r>
-            <a:endParaRPr lang="en-US" dirty="0"/>
+              <a:rPr lang="en-SG" dirty="0" smtClean="0"/>
+              <a:t>Security and Authentication</a:t>
+            </a:r>
+            <a:endParaRPr lang="en-SG" dirty="0"/>
           </a:p>
         </p:txBody>
       </p:sp>
@@ -4724,40 +5497,79 @@
           <a:lstStyle/>
           <a:p>
             <a:r>
-              <a:rPr lang="en-US" dirty="0" smtClean="0"/>
-              <a:t>Per session instance mode</a:t>
-            </a:r>
-          </a:p>
-          <a:p>
-            <a:r>
-              <a:rPr lang="en-US" dirty="0"/>
-              <a:t>C</a:t>
-            </a:r>
-            <a:r>
-              <a:rPr lang="en-US" dirty="0" smtClean="0"/>
-              <a:t>lient must invoke login(method) with username and password to be authenticated</a:t>
-            </a:r>
+              <a:rPr lang="en-SG" dirty="0" err="1"/>
+              <a:t>W</a:t>
+            </a:r>
+            <a:r>
+              <a:rPr lang="en-SG" dirty="0" err="1" smtClean="0"/>
+              <a:t>SHttpBinding</a:t>
+            </a:r>
+            <a:endParaRPr lang="en-SG" dirty="0" smtClean="0"/>
           </a:p>
           <a:p>
             <a:pPr lvl="1"/>
             <a:r>
-              <a:rPr lang="en-US" dirty="0" smtClean="0"/>
-              <a:t>User id and role is saved</a:t>
-            </a:r>
-          </a:p>
-          <a:p>
-            <a:r>
-              <a:rPr lang="en-US" dirty="0" smtClean="0"/>
-              <a:t>Subsequent service calls will  use his user id and role access to determine his access to service methods.</a:t>
-            </a:r>
-            <a:endParaRPr lang="en-US" dirty="0"/>
+              <a:rPr lang="en-SG" dirty="0" smtClean="0"/>
+              <a:t>HTTP or HTTPs protocol</a:t>
+            </a:r>
+          </a:p>
+          <a:p>
+            <a:pPr lvl="1"/>
+            <a:r>
+              <a:rPr lang="en-SG" dirty="0" smtClean="0"/>
+              <a:t>Supports WS specifications (WS-Security, WS-Reliable Messaging)</a:t>
+            </a:r>
+            <a:endParaRPr lang="en-SG" dirty="0"/>
+          </a:p>
+          <a:p>
+            <a:r>
+              <a:rPr lang="en-SG" dirty="0" smtClean="0"/>
+              <a:t>Message </a:t>
+            </a:r>
+            <a:r>
+              <a:rPr lang="en-SG" dirty="0"/>
+              <a:t>level security </a:t>
+            </a:r>
+            <a:r>
+              <a:rPr lang="en-SG" dirty="0" smtClean="0"/>
+              <a:t>Mode</a:t>
+            </a:r>
+          </a:p>
+          <a:p>
+            <a:pPr lvl="1"/>
+            <a:r>
+              <a:rPr lang="en-SG" dirty="0" smtClean="0"/>
+              <a:t>End to end encryption</a:t>
+            </a:r>
+            <a:endParaRPr lang="en-SG" dirty="0" smtClean="0"/>
+          </a:p>
+          <a:p>
+            <a:r>
+              <a:rPr lang="en-SG" dirty="0" smtClean="0"/>
+              <a:t>Certificate : Client credential </a:t>
+            </a:r>
+            <a:r>
+              <a:rPr lang="en-SG" dirty="0" smtClean="0"/>
+              <a:t>type</a:t>
+            </a:r>
+          </a:p>
+          <a:p>
+            <a:pPr lvl="1"/>
+            <a:r>
+              <a:rPr lang="en-SG" dirty="0" smtClean="0"/>
+              <a:t>Supports message level security</a:t>
+            </a:r>
+          </a:p>
+          <a:p>
+            <a:pPr lvl="1"/>
+            <a:endParaRPr lang="en-SG" dirty="0" smtClean="0"/>
           </a:p>
         </p:txBody>
       </p:sp>
     </p:spTree>
     <p:extLst>
       <p:ext uri="{BB962C8B-B14F-4D97-AF65-F5344CB8AC3E}">
-        <p14:creationId xmlns:p14="http://schemas.microsoft.com/office/powerpoint/2010/main" val="1896669917"/>
+        <p14:creationId xmlns:p14="http://schemas.microsoft.com/office/powerpoint/2010/main" val="998216963"/>
       </p:ext>
     </p:extLst>
   </p:cSld>
@@ -4808,7 +5620,7 @@
           <a:p>
             <a:r>
               <a:rPr lang="en-US" dirty="0" smtClean="0"/>
-              <a:t>Services</a:t>
+              <a:t>Application Level Authentication</a:t>
             </a:r>
             <a:endParaRPr lang="en-US" dirty="0"/>
           </a:p>
@@ -4826,215 +5638,36 @@
         </p:nvSpPr>
         <p:spPr/>
         <p:txBody>
-          <a:bodyPr>
-            <a:normAutofit lnSpcReduction="10000"/>
-          </a:bodyPr>
+          <a:bodyPr/>
           <a:lstStyle/>
           <a:p>
             <a:r>
               <a:rPr lang="en-US" dirty="0" smtClean="0"/>
-              <a:t>Authentication </a:t>
-            </a:r>
+              <a:t>Per session instance mode</a:t>
+            </a:r>
+          </a:p>
+          <a:p>
             <a:r>
               <a:rPr lang="en-US" dirty="0"/>
-              <a:t>of User ID and </a:t>
+              <a:t>C</a:t>
             </a:r>
             <a:r>
               <a:rPr lang="en-US" dirty="0" smtClean="0"/>
-              <a:t>password</a:t>
+              <a:t>lient must invoke login(method) with username and password to be authenticated</a:t>
             </a:r>
           </a:p>
           <a:p>
             <a:pPr lvl="1"/>
             <a:r>
               <a:rPr lang="en-US" dirty="0" smtClean="0"/>
-              <a:t>Login service method</a:t>
-            </a:r>
-            <a:endParaRPr lang="en-US" dirty="0"/>
+              <a:t>User id and role is saved</a:t>
+            </a:r>
           </a:p>
           <a:p>
             <a:r>
               <a:rPr lang="en-US" dirty="0" smtClean="0"/>
-              <a:t>List </a:t>
-            </a:r>
-            <a:r>
-              <a:rPr lang="en-US" dirty="0"/>
-              <a:t>of courses taken by the </a:t>
-            </a:r>
-            <a:r>
-              <a:rPr lang="en-US" dirty="0" smtClean="0"/>
-              <a:t>student</a:t>
-            </a:r>
-          </a:p>
-          <a:p>
-            <a:pPr lvl="1"/>
-            <a:r>
-              <a:rPr lang="en-US" dirty="0" smtClean="0"/>
-              <a:t>Only student can invoke this service method : </a:t>
-            </a:r>
-            <a:r>
-              <a:rPr lang="en-US" dirty="0" err="1" smtClean="0"/>
-              <a:t>GetCourses</a:t>
-            </a:r>
-            <a:r>
-              <a:rPr lang="en-US" dirty="0" smtClean="0"/>
-              <a:t>()</a:t>
-            </a:r>
-            <a:endParaRPr lang="en-US" dirty="0"/>
-          </a:p>
-          <a:p>
-            <a:r>
-              <a:rPr lang="en-US" dirty="0" smtClean="0"/>
-              <a:t>List </a:t>
-            </a:r>
-            <a:r>
-              <a:rPr lang="en-US" dirty="0"/>
-              <a:t>of material for a particular </a:t>
-            </a:r>
-            <a:r>
-              <a:rPr lang="en-US" dirty="0" smtClean="0"/>
-              <a:t>course</a:t>
-            </a:r>
-          </a:p>
-          <a:p>
-            <a:pPr lvl="1"/>
-            <a:r>
-              <a:rPr lang="en-US" dirty="0"/>
-              <a:t>Only student can invoke this service </a:t>
-            </a:r>
-            <a:r>
-              <a:rPr lang="en-US" dirty="0" smtClean="0"/>
-              <a:t>method :</a:t>
-            </a:r>
-            <a:r>
-              <a:rPr lang="en-US" dirty="0" err="1"/>
-              <a:t>GetContentsByCourseSid</a:t>
-            </a:r>
-            <a:r>
-              <a:rPr lang="en-US" dirty="0"/>
-              <a:t>(</a:t>
-            </a:r>
-            <a:r>
-              <a:rPr lang="en-US" dirty="0" err="1"/>
-              <a:t>int</a:t>
-            </a:r>
-            <a:r>
-              <a:rPr lang="en-US" dirty="0"/>
-              <a:t> </a:t>
-            </a:r>
-            <a:r>
-              <a:rPr lang="en-US" dirty="0" err="1"/>
-              <a:t>courseSid</a:t>
-            </a:r>
-            <a:r>
-              <a:rPr lang="en-US" dirty="0"/>
-              <a:t>)</a:t>
-            </a:r>
-          </a:p>
-          <a:p>
-            <a:r>
-              <a:rPr lang="en-US" dirty="0" smtClean="0"/>
-              <a:t>Services </a:t>
-            </a:r>
-            <a:r>
-              <a:rPr lang="en-US" dirty="0"/>
-              <a:t>to allow quiz </a:t>
-            </a:r>
-            <a:r>
-              <a:rPr lang="en-US" dirty="0" smtClean="0"/>
-              <a:t>taking</a:t>
-            </a:r>
-          </a:p>
-          <a:p>
-            <a:pPr lvl="1"/>
-            <a:r>
-              <a:rPr lang="en-US" dirty="0"/>
-              <a:t>Only student can </a:t>
-            </a:r>
-            <a:r>
-              <a:rPr lang="en-US" dirty="0" smtClean="0"/>
-              <a:t>invoke.</a:t>
-            </a:r>
-          </a:p>
-          <a:p>
-            <a:pPr lvl="1"/>
-            <a:r>
-              <a:rPr lang="en-US" dirty="0" smtClean="0"/>
-              <a:t>2 service methods:</a:t>
-            </a:r>
-          </a:p>
-          <a:p>
-            <a:pPr lvl="2"/>
-            <a:r>
-              <a:rPr lang="en-US" dirty="0" err="1"/>
-              <a:t>GetNextQuizQuestionByCourseSid</a:t>
-            </a:r>
-            <a:r>
-              <a:rPr lang="en-US" dirty="0"/>
-              <a:t>(</a:t>
-            </a:r>
-            <a:r>
-              <a:rPr lang="en-US" dirty="0" err="1"/>
-              <a:t>int</a:t>
-            </a:r>
-            <a:r>
-              <a:rPr lang="en-US" dirty="0"/>
-              <a:t> </a:t>
-            </a:r>
-            <a:r>
-              <a:rPr lang="en-US" dirty="0" err="1"/>
-              <a:t>courseSid</a:t>
-            </a:r>
-            <a:r>
-              <a:rPr lang="en-US" dirty="0" smtClean="0"/>
-              <a:t>)</a:t>
-            </a:r>
-          </a:p>
-          <a:p>
-            <a:pPr lvl="2"/>
-            <a:r>
-              <a:rPr lang="en-US" dirty="0" err="1"/>
-              <a:t>AnswerQuiz</a:t>
-            </a:r>
-            <a:r>
-              <a:rPr lang="en-US" dirty="0"/>
-              <a:t>(</a:t>
-            </a:r>
-            <a:r>
-              <a:rPr lang="en-US" dirty="0" err="1"/>
-              <a:t>int</a:t>
-            </a:r>
-            <a:r>
-              <a:rPr lang="en-US" dirty="0"/>
-              <a:t> </a:t>
-            </a:r>
-            <a:r>
-              <a:rPr lang="en-US" dirty="0" err="1"/>
-              <a:t>quizQuestionSid</a:t>
-            </a:r>
-            <a:r>
-              <a:rPr lang="en-US" dirty="0"/>
-              <a:t>, </a:t>
-            </a:r>
-            <a:r>
-              <a:rPr lang="en-US" dirty="0" err="1"/>
-              <a:t>int</a:t>
-            </a:r>
-            <a:r>
-              <a:rPr lang="en-US" dirty="0"/>
-              <a:t> </a:t>
-            </a:r>
-            <a:r>
-              <a:rPr lang="en-US" dirty="0" err="1"/>
-              <a:t>quizOptionSid</a:t>
-            </a:r>
-            <a:r>
-              <a:rPr lang="en-US" dirty="0"/>
-              <a:t>)</a:t>
-            </a:r>
-            <a:endParaRPr lang="en-US" dirty="0" smtClean="0"/>
-          </a:p>
-          <a:p>
+              <a:t>Subsequent service calls will  use his user id and role access to determine his access to service methods.</a:t>
+            </a:r>
             <a:endParaRPr lang="en-US" dirty="0"/>
           </a:p>
         </p:txBody>
@@ -5042,13 +5675,20 @@
     </p:spTree>
     <p:extLst>
       <p:ext uri="{BB962C8B-B14F-4D97-AF65-F5344CB8AC3E}">
-        <p14:creationId xmlns:p14="http://schemas.microsoft.com/office/powerpoint/2010/main" val="1433213405"/>
+        <p14:creationId xmlns:p14="http://schemas.microsoft.com/office/powerpoint/2010/main" val="1896669917"/>
       </p:ext>
     </p:extLst>
   </p:cSld>
   <p:clrMapOvr>
     <a:masterClrMapping/>
   </p:clrMapOvr>
+  <p:timing>
+    <p:tnLst>
+      <p:par>
+        <p:cTn id="1" dur="indefinite" restart="never" nodeType="tmRoot"/>
+      </p:par>
+    </p:tnLst>
+  </p:timing>
 </p:sld>
 </file>
 
@@ -5085,6 +5725,284 @@
           <a:lstStyle/>
           <a:p>
             <a:r>
+              <a:rPr lang="en-US" dirty="0" smtClean="0"/>
+              <a:t>Services</a:t>
+            </a:r>
+            <a:endParaRPr lang="en-US" dirty="0"/>
+          </a:p>
+        </p:txBody>
+      </p:sp>
+      <p:sp>
+        <p:nvSpPr>
+          <p:cNvPr id="3" name="Content Placeholder 2"/>
+          <p:cNvSpPr>
+            <a:spLocks noGrp="1"/>
+          </p:cNvSpPr>
+          <p:nvPr>
+            <p:ph idx="1"/>
+          </p:nvPr>
+        </p:nvSpPr>
+        <p:spPr/>
+        <p:txBody>
+          <a:bodyPr>
+            <a:normAutofit/>
+          </a:bodyPr>
+          <a:lstStyle/>
+          <a:p>
+            <a:r>
+              <a:rPr lang="en-US" dirty="0" smtClean="0"/>
+              <a:t>Authentication </a:t>
+            </a:r>
+            <a:r>
+              <a:rPr lang="en-US" dirty="0"/>
+              <a:t>of User ID and </a:t>
+            </a:r>
+            <a:r>
+              <a:rPr lang="en-US" dirty="0" smtClean="0"/>
+              <a:t>password</a:t>
+            </a:r>
+          </a:p>
+          <a:p>
+            <a:pPr lvl="1"/>
+            <a:r>
+              <a:rPr lang="en-US" dirty="0" smtClean="0"/>
+              <a:t>Login service method</a:t>
+            </a:r>
+            <a:endParaRPr lang="en-US" dirty="0"/>
+          </a:p>
+          <a:p>
+            <a:r>
+              <a:rPr lang="en-US" dirty="0" smtClean="0"/>
+              <a:t>List </a:t>
+            </a:r>
+            <a:r>
+              <a:rPr lang="en-US" dirty="0"/>
+              <a:t>of courses taken by the </a:t>
+            </a:r>
+            <a:r>
+              <a:rPr lang="en-US" dirty="0" smtClean="0"/>
+              <a:t>student</a:t>
+            </a:r>
+          </a:p>
+          <a:p>
+            <a:pPr lvl="1"/>
+            <a:r>
+              <a:rPr lang="en-US" dirty="0" smtClean="0"/>
+              <a:t>Only student can invoke this service method : </a:t>
+            </a:r>
+            <a:r>
+              <a:rPr lang="en-US" dirty="0" err="1" smtClean="0"/>
+              <a:t>GetCourses</a:t>
+            </a:r>
+            <a:r>
+              <a:rPr lang="en-US" dirty="0" smtClean="0"/>
+              <a:t>()</a:t>
+            </a:r>
+            <a:endParaRPr lang="en-US" dirty="0"/>
+          </a:p>
+          <a:p>
+            <a:r>
+              <a:rPr lang="en-US" dirty="0" smtClean="0"/>
+              <a:t>List </a:t>
+            </a:r>
+            <a:r>
+              <a:rPr lang="en-US" dirty="0"/>
+              <a:t>of material for a particular </a:t>
+            </a:r>
+            <a:r>
+              <a:rPr lang="en-US" dirty="0" smtClean="0"/>
+              <a:t>course</a:t>
+            </a:r>
+          </a:p>
+          <a:p>
+            <a:pPr lvl="1"/>
+            <a:r>
+              <a:rPr lang="en-US" dirty="0"/>
+              <a:t>Only student can invoke this service </a:t>
+            </a:r>
+            <a:r>
+              <a:rPr lang="en-US" dirty="0" smtClean="0"/>
+              <a:t>method :</a:t>
+            </a:r>
+            <a:r>
+              <a:rPr lang="en-US" dirty="0" err="1"/>
+              <a:t>GetContentsByCourseSid</a:t>
+            </a:r>
+            <a:r>
+              <a:rPr lang="en-US" dirty="0"/>
+              <a:t>(</a:t>
+            </a:r>
+            <a:r>
+              <a:rPr lang="en-US" dirty="0" err="1"/>
+              <a:t>int</a:t>
+            </a:r>
+            <a:r>
+              <a:rPr lang="en-US" dirty="0"/>
+              <a:t> </a:t>
+            </a:r>
+            <a:r>
+              <a:rPr lang="en-US" dirty="0" err="1"/>
+              <a:t>courseSid</a:t>
+            </a:r>
+            <a:r>
+              <a:rPr lang="en-US" dirty="0"/>
+              <a:t>)</a:t>
+            </a:r>
+          </a:p>
+          <a:p>
+            <a:r>
+              <a:rPr lang="en-US" dirty="0" smtClean="0"/>
+              <a:t>Services </a:t>
+            </a:r>
+            <a:r>
+              <a:rPr lang="en-US" dirty="0"/>
+              <a:t>to allow quiz </a:t>
+            </a:r>
+            <a:r>
+              <a:rPr lang="en-US" dirty="0" smtClean="0"/>
+              <a:t>taking</a:t>
+            </a:r>
+          </a:p>
+          <a:p>
+            <a:pPr lvl="1"/>
+            <a:r>
+              <a:rPr lang="en-US" dirty="0"/>
+              <a:t>Only student can </a:t>
+            </a:r>
+            <a:r>
+              <a:rPr lang="en-US" dirty="0" smtClean="0"/>
+              <a:t>invoke.</a:t>
+            </a:r>
+          </a:p>
+          <a:p>
+            <a:pPr lvl="1"/>
+            <a:r>
+              <a:rPr lang="en-US" dirty="0" smtClean="0"/>
+              <a:t>2 service methods:</a:t>
+            </a:r>
+          </a:p>
+          <a:p>
+            <a:pPr lvl="2"/>
+            <a:r>
+              <a:rPr lang="en-US" dirty="0" err="1"/>
+              <a:t>GetNextQuizQuestionByCourseSid</a:t>
+            </a:r>
+            <a:r>
+              <a:rPr lang="en-US" dirty="0"/>
+              <a:t>(</a:t>
+            </a:r>
+            <a:r>
+              <a:rPr lang="en-US" dirty="0" err="1"/>
+              <a:t>int</a:t>
+            </a:r>
+            <a:r>
+              <a:rPr lang="en-US" dirty="0"/>
+              <a:t> </a:t>
+            </a:r>
+            <a:r>
+              <a:rPr lang="en-US" dirty="0" err="1"/>
+              <a:t>courseSid</a:t>
+            </a:r>
+            <a:r>
+              <a:rPr lang="en-US" dirty="0" smtClean="0"/>
+              <a:t>)</a:t>
+            </a:r>
+          </a:p>
+          <a:p>
+            <a:pPr lvl="2"/>
+            <a:r>
+              <a:rPr lang="en-US" dirty="0" err="1"/>
+              <a:t>AnswerQuiz</a:t>
+            </a:r>
+            <a:r>
+              <a:rPr lang="en-US" dirty="0"/>
+              <a:t>(</a:t>
+            </a:r>
+            <a:r>
+              <a:rPr lang="en-US" dirty="0" err="1"/>
+              <a:t>int</a:t>
+            </a:r>
+            <a:r>
+              <a:rPr lang="en-US" dirty="0"/>
+              <a:t> </a:t>
+            </a:r>
+            <a:r>
+              <a:rPr lang="en-US" dirty="0" err="1"/>
+              <a:t>quizQuestionSid</a:t>
+            </a:r>
+            <a:r>
+              <a:rPr lang="en-US" dirty="0"/>
+              <a:t>, </a:t>
+            </a:r>
+            <a:r>
+              <a:rPr lang="en-US" dirty="0" err="1"/>
+              <a:t>int</a:t>
+            </a:r>
+            <a:r>
+              <a:rPr lang="en-US" dirty="0"/>
+              <a:t> </a:t>
+            </a:r>
+            <a:r>
+              <a:rPr lang="en-US" dirty="0" err="1"/>
+              <a:t>quizOptionSid</a:t>
+            </a:r>
+            <a:r>
+              <a:rPr lang="en-US" dirty="0"/>
+              <a:t>)</a:t>
+            </a:r>
+            <a:endParaRPr lang="en-US" dirty="0" smtClean="0"/>
+          </a:p>
+          <a:p>
+            <a:endParaRPr lang="en-US" dirty="0"/>
+          </a:p>
+        </p:txBody>
+      </p:sp>
+    </p:spTree>
+    <p:extLst>
+      <p:ext uri="{BB962C8B-B14F-4D97-AF65-F5344CB8AC3E}">
+        <p14:creationId xmlns:p14="http://schemas.microsoft.com/office/powerpoint/2010/main" val="1433213405"/>
+      </p:ext>
+    </p:extLst>
+  </p:cSld>
+  <p:clrMapOvr>
+    <a:masterClrMapping/>
+  </p:clrMapOvr>
+</p:sld>
+</file>
+
+<file path=ppt/slides/slide7.xml><?xml version="1.0" encoding="utf-8"?>
+<p:sld xmlns:a="http://schemas.openxmlformats.org/drawingml/2006/main" xmlns:r="http://schemas.openxmlformats.org/officeDocument/2006/relationships" xmlns:p="http://schemas.openxmlformats.org/presentationml/2006/main">
+  <p:cSld>
+    <p:spTree>
+      <p:nvGrpSpPr>
+        <p:cNvPr id="1" name=""/>
+        <p:cNvGrpSpPr/>
+        <p:nvPr/>
+      </p:nvGrpSpPr>
+      <p:grpSpPr>
+        <a:xfrm>
+          <a:off x="0" y="0"/>
+          <a:ext cx="0" cy="0"/>
+          <a:chOff x="0" y="0"/>
+          <a:chExt cx="0" cy="0"/>
+        </a:xfrm>
+      </p:grpSpPr>
+      <p:sp>
+        <p:nvSpPr>
+          <p:cNvPr id="2" name="Title 1"/>
+          <p:cNvSpPr>
+            <a:spLocks noGrp="1"/>
+          </p:cNvSpPr>
+          <p:nvPr>
+            <p:ph type="title"/>
+          </p:nvPr>
+        </p:nvSpPr>
+        <p:spPr/>
+        <p:txBody>
+          <a:bodyPr/>
+          <a:lstStyle/>
+          <a:p>
+            <a:r>
               <a:rPr lang="en-SG" b="1" dirty="0" smtClean="0"/>
               <a:t>Optional WF</a:t>
             </a:r>
@@ -5122,7 +6040,6 @@
               <a:rPr lang="en-SG" dirty="0" smtClean="0"/>
               <a:t>Business layer will always check before enrolling</a:t>
             </a:r>
-            <a:endParaRPr lang="en-SG" dirty="0" smtClean="0"/>
           </a:p>
         </p:txBody>
       </p:sp>
